--- a/Vortrag/[MASTER] Präsentation.pptx
+++ b/Vortrag/[MASTER] Präsentation.pptx
@@ -5,24 +5,26 @@
     <p:sldMasterId id="2147483678" r:id="rId1"/>
   </p:sldMasterIdLst>
   <p:notesMasterIdLst>
-    <p:notesMasterId r:id="rId14"/>
+    <p:notesMasterId r:id="rId16"/>
   </p:notesMasterIdLst>
   <p:handoutMasterIdLst>
-    <p:handoutMasterId r:id="rId15"/>
+    <p:handoutMasterId r:id="rId17"/>
   </p:handoutMasterIdLst>
   <p:sldIdLst>
     <p:sldId id="256" r:id="rId2"/>
     <p:sldId id="257" r:id="rId3"/>
     <p:sldId id="258" r:id="rId4"/>
     <p:sldId id="261" r:id="rId5"/>
-    <p:sldId id="262" r:id="rId6"/>
-    <p:sldId id="263" r:id="rId7"/>
-    <p:sldId id="264" r:id="rId8"/>
-    <p:sldId id="265" r:id="rId9"/>
-    <p:sldId id="266" r:id="rId10"/>
-    <p:sldId id="267" r:id="rId11"/>
-    <p:sldId id="259" r:id="rId12"/>
-    <p:sldId id="260" r:id="rId13"/>
+    <p:sldId id="268" r:id="rId6"/>
+    <p:sldId id="269" r:id="rId7"/>
+    <p:sldId id="262" r:id="rId8"/>
+    <p:sldId id="263" r:id="rId9"/>
+    <p:sldId id="264" r:id="rId10"/>
+    <p:sldId id="265" r:id="rId11"/>
+    <p:sldId id="266" r:id="rId12"/>
+    <p:sldId id="267" r:id="rId13"/>
+    <p:sldId id="259" r:id="rId14"/>
+    <p:sldId id="260" r:id="rId15"/>
   </p:sldIdLst>
   <p:sldSz cx="9144000" cy="6858000" type="screen4x3"/>
   <p:notesSz cx="7099300" cy="10234613"/>
@@ -3998,7 +4000,15 @@
             </a:r>
             <a:r>
               <a:rPr lang="de-DE" dirty="0" smtClean="0"/>
-              <a:t>: Fazit</a:t>
+              <a:t> Anwendung: </a:t>
+            </a:r>
+            <a:r>
+              <a:rPr lang="de-DE" dirty="0" err="1" smtClean="0"/>
+              <a:t>Resourcenverwaltung</a:t>
+            </a:r>
+            <a:r>
+              <a:rPr lang="de-DE" dirty="0" smtClean="0"/>
+              <a:t> </a:t>
             </a:r>
             <a:endParaRPr lang="de-DE" dirty="0"/>
           </a:p>
@@ -4021,15 +4031,31 @@
           <a:p>
             <a:r>
               <a:rPr lang="de-DE" dirty="0" smtClean="0"/>
-              <a:t>DAS IST VOLL TOLL UND SO; ABER KEINER </a:t>
-            </a:r>
-            <a:r>
-              <a:rPr lang="de-DE" dirty="0" err="1" smtClean="0"/>
-              <a:t>WEIß</a:t>
-            </a:r>
+              <a:t>Peerauswahl: Zufällige Auswahl aus dem lokalen Cache</a:t>
+            </a:r>
+          </a:p>
+          <a:p>
             <a:r>
               <a:rPr lang="de-DE" dirty="0" smtClean="0"/>
-              <a:t> GENAU WAS ES IST; BITTE GEBT UNS GELD DAMIT WIR FORSCHEN KÖNNEN.</a:t>
+              <a:t>Datenaustausch: Statusinformationen über benachbarte Peers</a:t>
+            </a:r>
+          </a:p>
+          <a:p>
+            <a:r>
+              <a:rPr lang="de-DE" dirty="0" smtClean="0"/>
+              <a:t>Datenverarbeitung: Updaten des lokalen Cache mit neuen Statusinformationen</a:t>
+            </a:r>
+          </a:p>
+          <a:p>
+            <a:r>
+              <a:rPr lang="de-DE" dirty="0" smtClean="0"/>
+              <a:t>- Fehlererkennung</a:t>
+            </a:r>
+          </a:p>
+          <a:p>
+            <a:r>
+              <a:rPr lang="de-DE" dirty="0" smtClean="0"/>
+              <a:t>- Verwerfen von Statusinformationen fehlerhafter Peers</a:t>
             </a:r>
             <a:endParaRPr lang="de-DE" dirty="0"/>
           </a:p>
@@ -4107,8 +4133,16 @@
           <a:lstStyle/>
           <a:p>
             <a:r>
+              <a:rPr lang="de-DE" dirty="0" err="1" smtClean="0"/>
+              <a:t>Gossip</a:t>
+            </a:r>
+            <a:r>
               <a:rPr lang="de-DE" dirty="0" smtClean="0"/>
-              <a:t>CYCLON</a:t>
+              <a:t> Anwendung: </a:t>
+            </a:r>
+            <a:r>
+              <a:rPr lang="de-DE" dirty="0" err="1" smtClean="0"/>
+              <a:t>Berechnungsschlontz</a:t>
             </a:r>
             <a:endParaRPr lang="de-DE" dirty="0"/>
           </a:p>
@@ -4129,13 +4163,33 @@
           <a:bodyPr/>
           <a:lstStyle/>
           <a:p>
-            <a:pPr lvl="1">
-              <a:buFont typeface="Arial" pitchFamily="34" charset="0"/>
-              <a:buChar char="•"/>
-            </a:pPr>
             <a:r>
               <a:rPr lang="de-DE" dirty="0" smtClean="0"/>
-              <a:t> </a:t>
+              <a:t>- Aggregationen wie Durchschnittsfindung, Extremwertbestimmung</a:t>
+            </a:r>
+          </a:p>
+          <a:p>
+            <a:r>
+              <a:rPr lang="de-DE" dirty="0" smtClean="0"/>
+              <a:t>- Einsatz z.B. in Sensornetzen</a:t>
+            </a:r>
+          </a:p>
+          <a:p>
+            <a:r>
+              <a:rPr lang="de-DE" dirty="0" smtClean="0"/>
+              <a:t>Peerauswahl: Zufällige Auswahl aus dem lokalen Cache</a:t>
+            </a:r>
+          </a:p>
+          <a:p>
+            <a:r>
+              <a:rPr lang="de-DE" dirty="0" smtClean="0"/>
+              <a:t>Datenaustausch: Anwendungsabhängiges Datum wird kopiert</a:t>
+            </a:r>
+          </a:p>
+          <a:p>
+            <a:r>
+              <a:rPr lang="de-DE" dirty="0" smtClean="0"/>
+              <a:t>Datenverarbeitung: Neues Datum wird aus dem empfangenen und dem lokalen Datum berechnet</a:t>
             </a:r>
             <a:endParaRPr lang="de-DE" dirty="0"/>
           </a:p>
@@ -4213,6 +4267,226 @@
           <a:lstStyle/>
           <a:p>
             <a:r>
+              <a:rPr lang="de-DE" dirty="0" err="1" smtClean="0"/>
+              <a:t>Gossip</a:t>
+            </a:r>
+            <a:r>
+              <a:rPr lang="de-DE" dirty="0" smtClean="0"/>
+              <a:t>: Fazit</a:t>
+            </a:r>
+            <a:endParaRPr lang="de-DE" dirty="0"/>
+          </a:p>
+        </p:txBody>
+      </p:sp>
+      <p:sp>
+        <p:nvSpPr>
+          <p:cNvPr id="3" name="Inhaltsplatzhalter 2"/>
+          <p:cNvSpPr>
+            <a:spLocks noGrp="1"/>
+          </p:cNvSpPr>
+          <p:nvPr>
+            <p:ph idx="1"/>
+          </p:nvPr>
+        </p:nvSpPr>
+        <p:spPr/>
+        <p:txBody>
+          <a:bodyPr/>
+          <a:lstStyle/>
+          <a:p>
+            <a:r>
+              <a:rPr lang="de-DE" sz="5400" dirty="0" smtClean="0"/>
+              <a:t>DAS IST VOLL TOLL UND SO; ABER KEINER </a:t>
+            </a:r>
+            <a:r>
+              <a:rPr lang="de-DE" sz="5400" dirty="0" err="1" smtClean="0"/>
+              <a:t>WEIß</a:t>
+            </a:r>
+            <a:r>
+              <a:rPr lang="de-DE" sz="5400" dirty="0" smtClean="0"/>
+              <a:t> GENAU WAS ES IST; BITTE GEBT UNS GELD DAMIT WIR FORSCHEN KÖNNEN.</a:t>
+            </a:r>
+            <a:endParaRPr lang="de-DE" sz="5400" dirty="0"/>
+          </a:p>
+        </p:txBody>
+      </p:sp>
+      <p:sp>
+        <p:nvSpPr>
+          <p:cNvPr id="4" name="Fußzeilenplatzhalter 3"/>
+          <p:cNvSpPr>
+            <a:spLocks noGrp="1"/>
+          </p:cNvSpPr>
+          <p:nvPr>
+            <p:ph type="ftr" sz="quarter" idx="10"/>
+          </p:nvPr>
+        </p:nvSpPr>
+        <p:spPr/>
+        <p:txBody>
+          <a:bodyPr/>
+          <a:lstStyle/>
+          <a:p>
+            <a:r>
+              <a:rPr lang="de-DE" smtClean="0"/>
+              <a:t>Gossip und CYCLON, 13.06.2013</a:t>
+            </a:r>
+            <a:endParaRPr lang="de-DE"/>
+          </a:p>
+        </p:txBody>
+      </p:sp>
+    </p:spTree>
+  </p:cSld>
+  <p:clrMapOvr>
+    <a:masterClrMapping/>
+  </p:clrMapOvr>
+  <p:transition spd="slow"/>
+  <p:timing>
+    <p:tnLst>
+      <p:par>
+        <p:cTn id="1" dur="indefinite" restart="never" nodeType="tmRoot"/>
+      </p:par>
+    </p:tnLst>
+  </p:timing>
+</p:sld>
+</file>
+
+<file path=ppt/slides/slide13.xml><?xml version="1.0" encoding="utf-8"?>
+<p:sld xmlns:a="http://schemas.openxmlformats.org/drawingml/2006/main" xmlns:r="http://schemas.openxmlformats.org/officeDocument/2006/relationships" xmlns:p="http://schemas.openxmlformats.org/presentationml/2006/main">
+  <p:cSld>
+    <p:spTree>
+      <p:nvGrpSpPr>
+        <p:cNvPr id="1" name=""/>
+        <p:cNvGrpSpPr/>
+        <p:nvPr/>
+      </p:nvGrpSpPr>
+      <p:grpSpPr>
+        <a:xfrm>
+          <a:off x="0" y="0"/>
+          <a:ext cx="0" cy="0"/>
+          <a:chOff x="0" y="0"/>
+          <a:chExt cx="0" cy="0"/>
+        </a:xfrm>
+      </p:grpSpPr>
+      <p:sp>
+        <p:nvSpPr>
+          <p:cNvPr id="2" name="Titel 1"/>
+          <p:cNvSpPr>
+            <a:spLocks noGrp="1"/>
+          </p:cNvSpPr>
+          <p:nvPr>
+            <p:ph type="title"/>
+          </p:nvPr>
+        </p:nvSpPr>
+        <p:spPr/>
+        <p:txBody>
+          <a:bodyPr/>
+          <a:lstStyle/>
+          <a:p>
+            <a:r>
+              <a:rPr lang="de-DE" dirty="0" smtClean="0"/>
+              <a:t>CYCLON</a:t>
+            </a:r>
+            <a:endParaRPr lang="de-DE" dirty="0"/>
+          </a:p>
+        </p:txBody>
+      </p:sp>
+      <p:sp>
+        <p:nvSpPr>
+          <p:cNvPr id="3" name="Inhaltsplatzhalter 2"/>
+          <p:cNvSpPr>
+            <a:spLocks noGrp="1"/>
+          </p:cNvSpPr>
+          <p:nvPr>
+            <p:ph idx="1"/>
+          </p:nvPr>
+        </p:nvSpPr>
+        <p:spPr/>
+        <p:txBody>
+          <a:bodyPr/>
+          <a:lstStyle/>
+          <a:p>
+            <a:pPr lvl="1">
+              <a:buFont typeface="Arial" pitchFamily="34" charset="0"/>
+              <a:buChar char="•"/>
+            </a:pPr>
+            <a:r>
+              <a:rPr lang="de-DE" dirty="0" smtClean="0"/>
+              <a:t> </a:t>
+            </a:r>
+            <a:endParaRPr lang="de-DE" dirty="0"/>
+          </a:p>
+        </p:txBody>
+      </p:sp>
+      <p:sp>
+        <p:nvSpPr>
+          <p:cNvPr id="4" name="Fußzeilenplatzhalter 3"/>
+          <p:cNvSpPr>
+            <a:spLocks noGrp="1"/>
+          </p:cNvSpPr>
+          <p:nvPr>
+            <p:ph type="ftr" sz="quarter" idx="10"/>
+          </p:nvPr>
+        </p:nvSpPr>
+        <p:spPr/>
+        <p:txBody>
+          <a:bodyPr/>
+          <a:lstStyle/>
+          <a:p>
+            <a:r>
+              <a:rPr lang="de-DE" smtClean="0"/>
+              <a:t>Gossip und CYCLON, 13.06.2013</a:t>
+            </a:r>
+            <a:endParaRPr lang="de-DE"/>
+          </a:p>
+        </p:txBody>
+      </p:sp>
+    </p:spTree>
+  </p:cSld>
+  <p:clrMapOvr>
+    <a:masterClrMapping/>
+  </p:clrMapOvr>
+  <p:transition spd="slow"/>
+  <p:timing>
+    <p:tnLst>
+      <p:par>
+        <p:cTn id="1" dur="indefinite" restart="never" nodeType="tmRoot"/>
+      </p:par>
+    </p:tnLst>
+  </p:timing>
+</p:sld>
+</file>
+
+<file path=ppt/slides/slide14.xml><?xml version="1.0" encoding="utf-8"?>
+<p:sld xmlns:a="http://schemas.openxmlformats.org/drawingml/2006/main" xmlns:r="http://schemas.openxmlformats.org/officeDocument/2006/relationships" xmlns:p="http://schemas.openxmlformats.org/presentationml/2006/main">
+  <p:cSld>
+    <p:spTree>
+      <p:nvGrpSpPr>
+        <p:cNvPr id="1" name=""/>
+        <p:cNvGrpSpPr/>
+        <p:nvPr/>
+      </p:nvGrpSpPr>
+      <p:grpSpPr>
+        <a:xfrm>
+          <a:off x="0" y="0"/>
+          <a:ext cx="0" cy="0"/>
+          <a:chOff x="0" y="0"/>
+          <a:chExt cx="0" cy="0"/>
+        </a:xfrm>
+      </p:grpSpPr>
+      <p:sp>
+        <p:nvSpPr>
+          <p:cNvPr id="2" name="Titel 1"/>
+          <p:cNvSpPr>
+            <a:spLocks noGrp="1"/>
+          </p:cNvSpPr>
+          <p:nvPr>
+            <p:ph type="title"/>
+          </p:nvPr>
+        </p:nvSpPr>
+        <p:spPr/>
+        <p:txBody>
+          <a:bodyPr/>
+          <a:lstStyle/>
+          <a:p>
+            <a:r>
               <a:rPr lang="de-DE" dirty="0" smtClean="0"/>
               <a:t>Quellen</a:t>
             </a:r>
@@ -4504,7 +4778,6 @@
               <a:rPr lang="de-DE" dirty="0" smtClean="0"/>
               <a:t>Datenaustausch</a:t>
             </a:r>
-            <a:endParaRPr lang="de-DE" dirty="0" smtClean="0"/>
           </a:p>
           <a:p>
             <a:pPr marL="1066800" lvl="2" indent="-342900">
@@ -4515,7 +4788,6 @@
               <a:rPr lang="de-DE" dirty="0" smtClean="0"/>
               <a:t>Peerauswahl</a:t>
             </a:r>
-            <a:endParaRPr lang="de-DE" dirty="0" smtClean="0"/>
           </a:p>
           <a:p>
             <a:pPr marL="1066800" lvl="2" indent="-342900">
@@ -4711,11 +4983,7 @@
             </a:r>
             <a:r>
               <a:rPr lang="de-DE" sz="2400" dirty="0" smtClean="0"/>
-              <a:t> </a:t>
-            </a:r>
-            <a:r>
-              <a:rPr lang="de-DE" sz="2400" dirty="0" smtClean="0"/>
-              <a:t>Informationsaustausch</a:t>
+              <a:t> Informationsaustausch</a:t>
             </a:r>
           </a:p>
           <a:p>
@@ -4728,11 +4996,7 @@
             </a:pPr>
             <a:r>
               <a:rPr lang="de-DE" sz="2400" dirty="0" smtClean="0"/>
-              <a:t>Wiederholung </a:t>
-            </a:r>
-            <a:r>
-              <a:rPr lang="de-DE" sz="2400" dirty="0" smtClean="0"/>
-              <a:t>der einzelnen Arbeitsschritte (endlos)</a:t>
+              <a:t>Wiederholung der einzelnen Arbeitsschritte (endlos)</a:t>
             </a:r>
           </a:p>
           <a:p>
@@ -4745,11 +5009,7 @@
             </a:pPr>
             <a:r>
               <a:rPr lang="de-DE" sz="2400" dirty="0" smtClean="0"/>
-              <a:t>analog </a:t>
-            </a:r>
-            <a:r>
-              <a:rPr lang="de-DE" sz="2400" dirty="0" smtClean="0"/>
-              <a:t>zur Gerüchteverbreitung oder zu Krankheitsepidemien</a:t>
+              <a:t>analog zur Gerüchteverbreitung oder zu Krankheitsepidemien</a:t>
             </a:r>
           </a:p>
           <a:p>
@@ -4762,11 +5022,7 @@
             </a:pPr>
             <a:r>
               <a:rPr lang="de-DE" sz="2400" dirty="0" smtClean="0"/>
-              <a:t>historisch </a:t>
-            </a:r>
-            <a:r>
-              <a:rPr lang="de-DE" sz="2400" dirty="0" smtClean="0"/>
-              <a:t>zur Sicherung der Konsistenz </a:t>
+              <a:t>historisch zur Sicherung der Konsistenz </a:t>
             </a:r>
             <a:r>
               <a:rPr lang="de-DE" sz="2400" dirty="0" err="1" smtClean="0"/>
@@ -4885,11 +5141,7 @@
             </a:pPr>
             <a:r>
               <a:rPr lang="de-DE" sz="2400" dirty="0" smtClean="0"/>
-              <a:t>Begriffserklärung </a:t>
-            </a:r>
-            <a:r>
-              <a:rPr lang="de-DE" sz="2400" dirty="0" smtClean="0"/>
-              <a:t>Peers</a:t>
+              <a:t>Begriffserklärung Peers</a:t>
             </a:r>
           </a:p>
           <a:p>
@@ -4915,15 +5167,7 @@
             </a:pPr>
             <a:r>
               <a:rPr lang="de-DE" sz="2400" dirty="0" smtClean="0"/>
-              <a:t>haben </a:t>
-            </a:r>
-            <a:r>
-              <a:rPr lang="de-DE" sz="2400" dirty="0" smtClean="0"/>
-              <a:t>Cache  mit Referenzen zu anderen </a:t>
-            </a:r>
-            <a:r>
-              <a:rPr lang="de-DE" sz="2400" dirty="0" smtClean="0"/>
-              <a:t>Peers</a:t>
+              <a:t>haben Cache  mit Referenzen zu anderen Peers</a:t>
             </a:r>
           </a:p>
           <a:p>
@@ -4936,11 +5180,7 @@
             </a:pPr>
             <a:r>
               <a:rPr lang="de-DE" sz="2400" dirty="0" smtClean="0"/>
-              <a:t>ggf</a:t>
-            </a:r>
-            <a:r>
-              <a:rPr lang="de-DE" sz="2400" dirty="0" smtClean="0"/>
-              <a:t>. auch </a:t>
+              <a:t>ggf. auch </a:t>
             </a:r>
             <a:r>
               <a:rPr lang="de-DE" sz="2400" dirty="0" err="1" smtClean="0"/>
@@ -4948,11 +5188,7 @@
             </a:r>
             <a:r>
               <a:rPr lang="de-DE" sz="2400" dirty="0" smtClean="0"/>
-              <a:t>-spezifische Informationen im </a:t>
-            </a:r>
-            <a:r>
-              <a:rPr lang="de-DE" sz="2400" dirty="0" smtClean="0"/>
-              <a:t>Cache</a:t>
+              <a:t>-spezifische Informationen im Cache</a:t>
             </a:r>
             <a:endParaRPr lang="de-DE" sz="2400" dirty="0"/>
           </a:p>
@@ -5035,11 +5271,7 @@
             </a:r>
             <a:r>
               <a:rPr lang="de-DE" dirty="0" smtClean="0"/>
-              <a:t> Anwendung: </a:t>
-            </a:r>
-            <a:r>
-              <a:rPr lang="de-DE" dirty="0" smtClean="0"/>
-              <a:t>Datenaustausch</a:t>
+              <a:t> Struktur: Peerauswahl</a:t>
             </a:r>
             <a:endParaRPr lang="de-DE" dirty="0"/>
           </a:p>
@@ -5059,6 +5291,19 @@
         <p:txBody>
           <a:bodyPr/>
           <a:lstStyle/>
+          <a:p>
+            <a:pPr lvl="1">
+              <a:lnSpc>
+                <a:spcPct val="150000"/>
+              </a:lnSpc>
+              <a:buFont typeface="Arial" pitchFamily="34" charset="0"/>
+              <a:buChar char="•"/>
+            </a:pPr>
+            <a:r>
+              <a:rPr lang="de-DE" sz="2400" dirty="0" smtClean="0"/>
+              <a:t>verschiedene Auswahlkriterien je nach Anwendung</a:t>
+            </a:r>
+          </a:p>
           <a:p>
             <a:pPr lvl="1">
               <a:lnSpc>
@@ -5067,23 +5312,9 @@
               <a:buFont typeface="Arial" pitchFamily="34" charset="0"/>
               <a:buChar char="•"/>
             </a:pPr>
-            <a:endParaRPr lang="de-DE" sz="2400" dirty="0" smtClean="0"/>
-          </a:p>
-          <a:p>
-            <a:pPr lvl="1">
-              <a:lnSpc>
-                <a:spcPct val="200000"/>
-              </a:lnSpc>
-              <a:buFont typeface="Arial" pitchFamily="34" charset="0"/>
-              <a:buChar char="•"/>
-            </a:pPr>
             <a:r>
               <a:rPr lang="de-DE" sz="2400" dirty="0" smtClean="0"/>
-              <a:t>Peers </a:t>
-            </a:r>
-            <a:r>
-              <a:rPr lang="de-DE" sz="2400" dirty="0" smtClean="0"/>
-              <a:t>entscheiden, welche Daten sie austauschen</a:t>
+              <a:t>Unterschiede bei Auswahl über kabellose oder kabelgebundene Verbindungen</a:t>
             </a:r>
           </a:p>
           <a:p>
@@ -5096,35 +5327,42 @@
             </a:pPr>
             <a:r>
               <a:rPr lang="de-DE" sz="2400" dirty="0" smtClean="0"/>
-              <a:t>entweder </a:t>
-            </a:r>
-            <a:r>
-              <a:rPr lang="de-DE" sz="2400" dirty="0" smtClean="0"/>
-              <a:t>Applikationsdaten oder Referenzen zu </a:t>
-            </a:r>
-            <a:r>
-              <a:rPr lang="de-DE" sz="2400" dirty="0" smtClean="0"/>
-              <a:t>anderen Peers werden ausgetauscht</a:t>
-            </a:r>
-            <a:endParaRPr lang="de-DE" sz="2400" dirty="0" smtClean="0"/>
+              <a:t>Simulation eines anderen Verbindungstyps möglich, häufig teuer und unnötig</a:t>
+            </a:r>
           </a:p>
           <a:p>
             <a:pPr lvl="1">
               <a:lnSpc>
-                <a:spcPct val="200000"/>
+                <a:spcPct val="100000"/>
               </a:lnSpc>
               <a:buFont typeface="Arial" pitchFamily="34" charset="0"/>
               <a:buChar char="•"/>
             </a:pPr>
             <a:r>
               <a:rPr lang="de-DE" sz="2400" dirty="0" smtClean="0"/>
-              <a:t>stark </a:t>
-            </a:r>
+              <a:t>kaum Unterschiede auf Applikationsschicht zwischen synchron und asynchron</a:t>
+            </a:r>
+          </a:p>
+          <a:p>
+            <a:pPr lvl="1">
+              <a:lnSpc>
+                <a:spcPct val="150000"/>
+              </a:lnSpc>
+              <a:buFont typeface="Arial" pitchFamily="34" charset="0"/>
+              <a:buChar char="•"/>
+            </a:pPr>
             <a:r>
               <a:rPr lang="de-DE" sz="2400" dirty="0" smtClean="0"/>
-              <a:t>anwendungsabhängig</a:t>
-            </a:r>
-            <a:endParaRPr lang="de-DE" sz="2400" dirty="0"/>
+              <a:t>asynchron ist kein "richtiges" </a:t>
+            </a:r>
+            <a:r>
+              <a:rPr lang="de-DE" sz="2400" dirty="0" err="1" smtClean="0"/>
+              <a:t>Gossiping</a:t>
+            </a:r>
+            <a:endParaRPr lang="de-DE" sz="2400" dirty="0" smtClean="0"/>
+          </a:p>
+          <a:p>
+            <a:endParaRPr lang="de-DE" dirty="0"/>
           </a:p>
         </p:txBody>
       </p:sp>
@@ -5157,13 +5395,6 @@
     <a:masterClrMapping/>
   </p:clrMapOvr>
   <p:transition spd="slow"/>
-  <p:timing>
-    <p:tnLst>
-      <p:par>
-        <p:cTn id="1" dur="indefinite" restart="never" nodeType="tmRoot"/>
-      </p:par>
-    </p:tnLst>
-  </p:timing>
 </p:sld>
 </file>
 
@@ -5205,11 +5436,7 @@
             </a:r>
             <a:r>
               <a:rPr lang="de-DE" dirty="0" smtClean="0"/>
-              <a:t> Anwendung: </a:t>
-            </a:r>
-            <a:r>
-              <a:rPr lang="de-DE" dirty="0" smtClean="0"/>
-              <a:t>Peerauswahl</a:t>
+              <a:t> Struktur: Datenaustausch</a:t>
             </a:r>
             <a:endParaRPr lang="de-DE" dirty="0"/>
           </a:p>
@@ -5232,18 +5459,18 @@
           <a:p>
             <a:pPr lvl="1">
               <a:lnSpc>
-                <a:spcPct val="150000"/>
+                <a:spcPct val="200000"/>
               </a:lnSpc>
               <a:buFont typeface="Arial" pitchFamily="34" charset="0"/>
               <a:buChar char="•"/>
             </a:pPr>
             <a:r>
               <a:rPr lang="de-DE" sz="2400" dirty="0" smtClean="0"/>
-              <a:t>verschiedene </a:t>
+              <a:t>Peers </a:t>
             </a:r>
             <a:r>
               <a:rPr lang="de-DE" sz="2400" dirty="0" smtClean="0"/>
-              <a:t>Auswahlkriterien je nach Anwendung</a:t>
+              <a:t>entscheiden, welche Daten sie austauschen</a:t>
             </a:r>
           </a:p>
           <a:p>
@@ -5256,68 +5483,62 @@
             </a:pPr>
             <a:r>
               <a:rPr lang="de-DE" sz="2400" dirty="0" smtClean="0"/>
-              <a:t>Unterschiede </a:t>
-            </a:r>
-            <a:r>
-              <a:rPr lang="de-DE" sz="2400" dirty="0" smtClean="0"/>
-              <a:t>bei Auswahl über kabellose oder kabelgebundene Verbindungen</a:t>
-            </a:r>
+              <a:t>entweder Applikationsdaten oder Referenzen zu anderen Peers werden ausgetauscht</a:t>
+            </a:r>
+          </a:p>
+          <a:p>
+            <a:pPr>
+              <a:lnSpc>
+                <a:spcPct val="200000"/>
+              </a:lnSpc>
+            </a:pPr>
+            <a:r>
+              <a:rPr lang="de-DE" sz="3000" b="1" dirty="0" err="1" smtClean="0">
+                <a:solidFill>
+                  <a:srgbClr val="003366"/>
+                </a:solidFill>
+              </a:rPr>
+              <a:t>Gossip</a:t>
+            </a:r>
+            <a:r>
+              <a:rPr lang="de-DE" sz="3000" b="1" dirty="0" smtClean="0">
+                <a:solidFill>
+                  <a:srgbClr val="003366"/>
+                </a:solidFill>
+              </a:rPr>
+              <a:t> </a:t>
+            </a:r>
+            <a:r>
+              <a:rPr lang="de-DE" sz="3000" b="1" dirty="0" smtClean="0">
+                <a:solidFill>
+                  <a:srgbClr val="003366"/>
+                </a:solidFill>
+              </a:rPr>
+              <a:t>Struktur: </a:t>
+            </a:r>
+            <a:r>
+              <a:rPr lang="de-DE" sz="3000" b="1" dirty="0" smtClean="0">
+                <a:solidFill>
+                  <a:srgbClr val="003366"/>
+                </a:solidFill>
+              </a:rPr>
+              <a:t>Datenaustausch</a:t>
+            </a:r>
+            <a:endParaRPr lang="de-DE" sz="3000" dirty="0" smtClean="0"/>
           </a:p>
           <a:p>
             <a:pPr lvl="1">
               <a:lnSpc>
-                <a:spcPct val="100000"/>
+                <a:spcPct val="200000"/>
               </a:lnSpc>
               <a:buFont typeface="Arial" pitchFamily="34" charset="0"/>
               <a:buChar char="•"/>
             </a:pPr>
             <a:r>
               <a:rPr lang="de-DE" sz="2400" dirty="0" smtClean="0"/>
-              <a:t>Simulation </a:t>
-            </a:r>
-            <a:r>
-              <a:rPr lang="de-DE" sz="2400" dirty="0" smtClean="0"/>
-              <a:t>eines anderen Verbindungstyps möglich, häufig teuer und unnötig</a:t>
-            </a:r>
-          </a:p>
-          <a:p>
-            <a:pPr lvl="1">
-              <a:lnSpc>
-                <a:spcPct val="100000"/>
-              </a:lnSpc>
-              <a:buFont typeface="Arial" pitchFamily="34" charset="0"/>
-              <a:buChar char="•"/>
-            </a:pPr>
-            <a:r>
-              <a:rPr lang="de-DE" sz="2400" dirty="0" smtClean="0"/>
-              <a:t>kaum </a:t>
-            </a:r>
-            <a:r>
-              <a:rPr lang="de-DE" sz="2400" dirty="0" smtClean="0"/>
-              <a:t>Unterschiede auf Applikationsschicht zwischen synchron und asynchron</a:t>
-            </a:r>
-          </a:p>
-          <a:p>
-            <a:pPr lvl="1">
-              <a:lnSpc>
-                <a:spcPct val="150000"/>
-              </a:lnSpc>
-              <a:buFont typeface="Arial" pitchFamily="34" charset="0"/>
-              <a:buChar char="•"/>
-            </a:pPr>
-            <a:r>
-              <a:rPr lang="de-DE" sz="2400" dirty="0" smtClean="0"/>
-              <a:t>asynchron </a:t>
-            </a:r>
-            <a:r>
-              <a:rPr lang="de-DE" sz="2400" dirty="0" smtClean="0"/>
-              <a:t>ist kein "richtiges" </a:t>
-            </a:r>
-            <a:r>
-              <a:rPr lang="de-DE" sz="2400" dirty="0" err="1" smtClean="0"/>
-              <a:t>Gossiping</a:t>
-            </a:r>
-            <a:endParaRPr lang="de-DE" sz="2400" dirty="0"/>
+              <a:t>stark anwendungsabhängig</a:t>
+            </a:r>
+            <a:endParaRPr lang="de-DE" dirty="0" smtClean="0"/>
           </a:p>
         </p:txBody>
       </p:sp>
@@ -5350,13 +5571,6 @@
     <a:masterClrMapping/>
   </p:clrMapOvr>
   <p:transition spd="slow"/>
-  <p:timing>
-    <p:tnLst>
-      <p:par>
-        <p:cTn id="1" dur="indefinite" restart="never" nodeType="tmRoot"/>
-      </p:par>
-    </p:tnLst>
-  </p:timing>
 </p:sld>
 </file>
 
@@ -5398,7 +5612,11 @@
             </a:r>
             <a:r>
               <a:rPr lang="de-DE" dirty="0" smtClean="0"/>
-              <a:t> Anwendung: Topologie Konstruktion </a:t>
+              <a:t> Anwendung: </a:t>
+            </a:r>
+            <a:r>
+              <a:rPr lang="de-DE" dirty="0" smtClean="0"/>
+              <a:t>Verteilung</a:t>
             </a:r>
             <a:endParaRPr lang="de-DE" dirty="0"/>
           </a:p>
@@ -5419,7 +5637,97 @@
           <a:bodyPr/>
           <a:lstStyle/>
           <a:p>
-            <a:endParaRPr lang="de-DE"/>
+            <a:pPr lvl="1">
+              <a:lnSpc>
+                <a:spcPct val="100000"/>
+              </a:lnSpc>
+              <a:buFont typeface="Arial" pitchFamily="34" charset="0"/>
+              <a:buChar char="•"/>
+            </a:pPr>
+            <a:r>
+              <a:rPr lang="de-DE" sz="2400" dirty="0" smtClean="0"/>
+              <a:t>Nachrichten/Daten in einem Netzwerk (möglichst gleichmäßig) verteilen</a:t>
+            </a:r>
+          </a:p>
+          <a:p>
+            <a:pPr lvl="1">
+              <a:lnSpc>
+                <a:spcPct val="100000"/>
+              </a:lnSpc>
+              <a:buFont typeface="Arial" pitchFamily="34" charset="0"/>
+              <a:buChar char="•"/>
+            </a:pPr>
+            <a:r>
+              <a:rPr lang="de-DE" sz="2400" dirty="0" smtClean="0"/>
+              <a:t>Jeder </a:t>
+            </a:r>
+            <a:r>
+              <a:rPr lang="de-DE" sz="2400" dirty="0" smtClean="0"/>
+              <a:t>Knoten hat lokalen Cache, in welchem die Nachrichten/Datensätze abgelegt werden</a:t>
+            </a:r>
+          </a:p>
+          <a:p>
+            <a:pPr lvl="1">
+              <a:lnSpc>
+                <a:spcPct val="100000"/>
+              </a:lnSpc>
+              <a:buNone/>
+            </a:pPr>
+            <a:r>
+              <a:rPr lang="de-DE" sz="2400" dirty="0" smtClean="0"/>
+              <a:t>Peerauswahl: Zufällige Auswahl einer bestimmten Anzahl von Kommunikationspartnern</a:t>
+            </a:r>
+          </a:p>
+          <a:p>
+            <a:pPr lvl="1">
+              <a:lnSpc>
+                <a:spcPct val="100000"/>
+              </a:lnSpc>
+              <a:buNone/>
+            </a:pPr>
+            <a:r>
+              <a:rPr lang="de-DE" sz="2400" dirty="0" smtClean="0"/>
+              <a:t>Datenaustausch: Eine Nachricht aus dem lokalen Cache eines Peers in den lokalen Cache eines anderen Peers kopiert</a:t>
+            </a:r>
+          </a:p>
+          <a:p>
+            <a:pPr lvl="1">
+              <a:lnSpc>
+                <a:spcPct val="100000"/>
+              </a:lnSpc>
+              <a:buNone/>
+            </a:pPr>
+            <a:r>
+              <a:rPr lang="de-DE" sz="2400" dirty="0" smtClean="0"/>
+              <a:t>Datenverarbeitung: Eventuell Weiterleitung neuer Nachrichten an höhere Schichten, Löschung veralteter Nachrichten</a:t>
+            </a:r>
+          </a:p>
+          <a:p>
+            <a:pPr lvl="1">
+              <a:lnSpc>
+                <a:spcPct val="100000"/>
+              </a:lnSpc>
+              <a:buFont typeface="Arial" pitchFamily="34" charset="0"/>
+              <a:buChar char="•"/>
+            </a:pPr>
+            <a:r>
+              <a:rPr lang="de-DE" sz="2400" dirty="0" smtClean="0"/>
+              <a:t>- push/pull/hybrid Modus</a:t>
+            </a:r>
+          </a:p>
+          <a:p>
+            <a:pPr lvl="1">
+              <a:lnSpc>
+                <a:spcPct val="100000"/>
+              </a:lnSpc>
+              <a:buFont typeface="Arial" pitchFamily="34" charset="0"/>
+              <a:buChar char="•"/>
+            </a:pPr>
+            <a:r>
+              <a:rPr lang="de-DE" sz="2400" dirty="0" smtClean="0"/>
+              <a:t>- Durchschnittliche Verbreitungsgeschwindigkeit: O(log N) mit N = Anzahl der Knoten</a:t>
+            </a:r>
+            <a:endParaRPr lang="de-DE" sz="2400" dirty="0"/>
           </a:p>
         </p:txBody>
       </p:sp>
@@ -5503,12 +5811,8 @@
               <a:t> Anwendung: </a:t>
             </a:r>
             <a:r>
-              <a:rPr lang="de-DE" dirty="0" err="1" smtClean="0"/>
-              <a:t>Resourcenverwaltung</a:t>
-            </a:r>
-            <a:r>
               <a:rPr lang="de-DE" dirty="0" smtClean="0"/>
-              <a:t> </a:t>
+              <a:t>Partnerfindung</a:t>
             </a:r>
             <a:endParaRPr lang="de-DE" dirty="0"/>
           </a:p>
@@ -5529,7 +5833,125 @@
           <a:bodyPr/>
           <a:lstStyle/>
           <a:p>
-            <a:endParaRPr lang="de-DE"/>
+            <a:pPr lvl="1">
+              <a:lnSpc>
+                <a:spcPct val="150000"/>
+              </a:lnSpc>
+              <a:buFont typeface="Arial" pitchFamily="34" charset="0"/>
+              <a:buChar char="•"/>
+            </a:pPr>
+            <a:r>
+              <a:rPr lang="de-DE" sz="2400" dirty="0" smtClean="0"/>
+              <a:t>Peerauswahl: Austauschpartner werden zufällig aus einem lokalen Cache (Nachbarliste) ausgewählt</a:t>
+            </a:r>
+          </a:p>
+          <a:p>
+            <a:pPr lvl="1">
+              <a:lnSpc>
+                <a:spcPct val="150000"/>
+              </a:lnSpc>
+              <a:buFont typeface="Arial" pitchFamily="34" charset="0"/>
+              <a:buChar char="•"/>
+            </a:pPr>
+            <a:r>
+              <a:rPr lang="de-DE" sz="2400" dirty="0" smtClean="0"/>
+              <a:t>Datenaustausch: Weitergabe der lokalen Liste</a:t>
+            </a:r>
+          </a:p>
+          <a:p>
+            <a:pPr lvl="1">
+              <a:lnSpc>
+                <a:spcPct val="150000"/>
+              </a:lnSpc>
+              <a:buFont typeface="Arial" pitchFamily="34" charset="0"/>
+              <a:buChar char="•"/>
+            </a:pPr>
+            <a:r>
+              <a:rPr lang="de-DE" sz="2400" dirty="0" smtClean="0"/>
+              <a:t>Datenverarbeitung: Empfangene Nachbarlisten werden in lokale Liste eingefügt</a:t>
+            </a:r>
+          </a:p>
+          <a:p>
+            <a:pPr lvl="1">
+              <a:lnSpc>
+                <a:spcPct val="150000"/>
+              </a:lnSpc>
+              <a:buFont typeface="Arial" pitchFamily="34" charset="0"/>
+              <a:buChar char="•"/>
+            </a:pPr>
+            <a:r>
+              <a:rPr lang="de-DE" sz="2400" dirty="0" smtClean="0"/>
+              <a:t>Grundlage </a:t>
+            </a:r>
+            <a:r>
+              <a:rPr lang="de-DE" sz="2400" dirty="0" smtClean="0"/>
+              <a:t>für viele andere </a:t>
+            </a:r>
+            <a:r>
+              <a:rPr lang="de-DE" sz="2400" dirty="0" err="1" smtClean="0"/>
+              <a:t>Gossipingsysteme</a:t>
+            </a:r>
+            <a:endParaRPr lang="de-DE" sz="2400" dirty="0" smtClean="0"/>
+          </a:p>
+          <a:p>
+            <a:pPr lvl="1">
+              <a:lnSpc>
+                <a:spcPct val="150000"/>
+              </a:lnSpc>
+              <a:buFont typeface="Arial" pitchFamily="34" charset="0"/>
+              <a:buChar char="•"/>
+            </a:pPr>
+            <a:r>
+              <a:rPr lang="de-DE" sz="2400" dirty="0" smtClean="0"/>
+              <a:t>Anzahl </a:t>
+            </a:r>
+            <a:r>
+              <a:rPr lang="de-DE" sz="2400" dirty="0" smtClean="0"/>
+              <a:t>übernommener Nachrichten ausschlaggebend für </a:t>
+            </a:r>
+            <a:r>
+              <a:rPr lang="de-DE" sz="2400" dirty="0" err="1" smtClean="0"/>
+              <a:t>Diversität</a:t>
+            </a:r>
+            <a:r>
+              <a:rPr lang="de-DE" sz="2400" dirty="0" smtClean="0"/>
+              <a:t> des lokalen Cache</a:t>
+            </a:r>
+          </a:p>
+          <a:p>
+            <a:pPr lvl="1">
+              <a:lnSpc>
+                <a:spcPct val="150000"/>
+              </a:lnSpc>
+              <a:buFont typeface="Arial" pitchFamily="34" charset="0"/>
+              <a:buChar char="•"/>
+            </a:pPr>
+            <a:r>
+              <a:rPr lang="de-DE" sz="2400" dirty="0" smtClean="0"/>
+              <a:t>In </a:t>
+            </a:r>
+            <a:r>
+              <a:rPr lang="de-DE" sz="2400" dirty="0" smtClean="0"/>
+              <a:t>dynamischen Netzwerken Mechanismus zur Löschung veralteter(inaktiver) Knoten notwendig</a:t>
+            </a:r>
+          </a:p>
+          <a:p>
+            <a:pPr lvl="1">
+              <a:lnSpc>
+                <a:spcPct val="150000"/>
+              </a:lnSpc>
+              <a:buFont typeface="Arial" pitchFamily="34" charset="0"/>
+              <a:buChar char="•"/>
+            </a:pPr>
+            <a:r>
+              <a:rPr lang="de-DE" sz="2400" dirty="0" smtClean="0"/>
+              <a:t>Annahme </a:t>
+            </a:r>
+            <a:r>
+              <a:rPr lang="de-DE" sz="2400" dirty="0" smtClean="0"/>
+              <a:t>eines homogen strukturierten zugrundeliegenden Netzes</a:t>
+            </a:r>
+            <a:endParaRPr lang="de-DE" sz="2400" dirty="0"/>
           </a:p>
         </p:txBody>
       </p:sp>
@@ -5549,10 +5971,14 @@
           <a:lstStyle/>
           <a:p>
             <a:r>
-              <a:rPr lang="de-DE" smtClean="0"/>
-              <a:t>Gossip und CYCLON, 13.06.2013</a:t>
-            </a:r>
-            <a:endParaRPr lang="de-DE"/>
+              <a:rPr lang="de-DE" dirty="0" err="1" smtClean="0"/>
+              <a:t>Gossip</a:t>
+            </a:r>
+            <a:r>
+              <a:rPr lang="de-DE" dirty="0" smtClean="0"/>
+              <a:t> und CYCLON, 13.06.2013</a:t>
+            </a:r>
+            <a:endParaRPr lang="de-DE" dirty="0"/>
           </a:p>
         </p:txBody>
       </p:sp>
@@ -5610,11 +6036,7 @@
             </a:r>
             <a:r>
               <a:rPr lang="de-DE" dirty="0" smtClean="0"/>
-              <a:t> Anwendung: </a:t>
-            </a:r>
-            <a:r>
-              <a:rPr lang="de-DE" dirty="0" err="1" smtClean="0"/>
-              <a:t>Berechnungsschlontz</a:t>
+              <a:t> Anwendung: Topologie Konstruktion </a:t>
             </a:r>
             <a:endParaRPr lang="de-DE" dirty="0"/>
           </a:p>
@@ -5635,7 +6057,59 @@
           <a:bodyPr/>
           <a:lstStyle/>
           <a:p>
-            <a:endParaRPr lang="de-DE"/>
+            <a:r>
+              <a:rPr lang="de-DE" dirty="0" smtClean="0"/>
+              <a:t>- Manchmal striktere Kontrolle über </a:t>
+            </a:r>
+            <a:r>
+              <a:rPr lang="de-DE" dirty="0" err="1" smtClean="0"/>
+              <a:t>Overlay</a:t>
+            </a:r>
+            <a:r>
+              <a:rPr lang="de-DE" dirty="0" smtClean="0"/>
+              <a:t>-Netzkonstruktion notwendig</a:t>
+            </a:r>
+          </a:p>
+          <a:p>
+            <a:r>
+              <a:rPr lang="de-DE" dirty="0" smtClean="0"/>
+              <a:t>- Jeder Peer hat nur partielle Sicht auf das Gesamtsystem</a:t>
+            </a:r>
+          </a:p>
+          <a:p>
+            <a:r>
+              <a:rPr lang="de-DE" dirty="0" smtClean="0"/>
+              <a:t>- Einführung einer Bewertungsfunktion für Nachbarn</a:t>
+            </a:r>
+          </a:p>
+          <a:p>
+            <a:r>
+              <a:rPr lang="de-DE" dirty="0" smtClean="0"/>
+              <a:t>Peerauswahl: Zufällige Auswahl aus dem lokalen Cache</a:t>
+            </a:r>
+          </a:p>
+          <a:p>
+            <a:r>
+              <a:rPr lang="de-DE" dirty="0" smtClean="0"/>
+              <a:t>Datenaustausch: Listen von Peers</a:t>
+            </a:r>
+          </a:p>
+          <a:p>
+            <a:r>
+              <a:rPr lang="de-DE" dirty="0" smtClean="0"/>
+              <a:t>Datenverarbeitung: Einfügen der empfangenen Liste in den lokalen Cache und Bewertung der neuen Peers (evtl. Löschung von </a:t>
+            </a:r>
+            <a:r>
+              <a:rPr lang="de-DE" dirty="0" smtClean="0"/>
+              <a:t>Peers)</a:t>
+            </a:r>
+          </a:p>
+          <a:p>
+            <a:r>
+              <a:rPr lang="de-DE" dirty="0" smtClean="0"/>
+              <a:t>- Bewertungsfunktionen: Anbindungsgeschwindigkeit, Verfügbarkeit, ID-abhängige Kriterien (z.B. Ringkonstruktion)</a:t>
+            </a:r>
+            <a:endParaRPr lang="de-DE" dirty="0"/>
           </a:p>
         </p:txBody>
       </p:sp>

--- a/Vortrag/[MASTER] Präsentation.pptx
+++ b/Vortrag/[MASTER] Präsentation.pptx
@@ -5,10 +5,10 @@
     <p:sldMasterId id="2147483678" r:id="rId1"/>
   </p:sldMasterIdLst>
   <p:notesMasterIdLst>
-    <p:notesMasterId r:id="rId16"/>
+    <p:notesMasterId r:id="rId28"/>
   </p:notesMasterIdLst>
   <p:handoutMasterIdLst>
-    <p:handoutMasterId r:id="rId17"/>
+    <p:handoutMasterId r:id="rId29"/>
   </p:handoutMasterIdLst>
   <p:sldIdLst>
     <p:sldId id="256" r:id="rId2"/>
@@ -18,13 +18,25 @@
     <p:sldId id="268" r:id="rId6"/>
     <p:sldId id="269" r:id="rId7"/>
     <p:sldId id="262" r:id="rId8"/>
-    <p:sldId id="263" r:id="rId9"/>
-    <p:sldId id="264" r:id="rId10"/>
-    <p:sldId id="265" r:id="rId11"/>
-    <p:sldId id="266" r:id="rId12"/>
-    <p:sldId id="267" r:id="rId13"/>
-    <p:sldId id="259" r:id="rId14"/>
-    <p:sldId id="260" r:id="rId15"/>
+    <p:sldId id="278" r:id="rId9"/>
+    <p:sldId id="263" r:id="rId10"/>
+    <p:sldId id="279" r:id="rId11"/>
+    <p:sldId id="264" r:id="rId12"/>
+    <p:sldId id="265" r:id="rId13"/>
+    <p:sldId id="266" r:id="rId14"/>
+    <p:sldId id="267" r:id="rId15"/>
+    <p:sldId id="270" r:id="rId16"/>
+    <p:sldId id="259" r:id="rId17"/>
+    <p:sldId id="271" r:id="rId18"/>
+    <p:sldId id="272" r:id="rId19"/>
+    <p:sldId id="273" r:id="rId20"/>
+    <p:sldId id="274" r:id="rId21"/>
+    <p:sldId id="275" r:id="rId22"/>
+    <p:sldId id="276" r:id="rId23"/>
+    <p:sldId id="277" r:id="rId24"/>
+    <p:sldId id="281" r:id="rId25"/>
+    <p:sldId id="280" r:id="rId26"/>
+    <p:sldId id="260" r:id="rId27"/>
   </p:sldIdLst>
   <p:sldSz cx="9144000" cy="6858000" type="screen4x3"/>
   <p:notesSz cx="7099300" cy="10234613"/>
@@ -4000,15 +4012,11 @@
             </a:r>
             <a:r>
               <a:rPr lang="de-DE" dirty="0" smtClean="0"/>
-              <a:t> Anwendung: </a:t>
-            </a:r>
-            <a:r>
-              <a:rPr lang="de-DE" dirty="0" err="1" smtClean="0"/>
-              <a:t>Resourcenverwaltung</a:t>
+              <a:t> Anwendung: Partnerfindung </a:t>
             </a:r>
             <a:r>
               <a:rPr lang="de-DE" dirty="0" smtClean="0"/>
-              <a:t> </a:t>
+              <a:t>2/2</a:t>
             </a:r>
             <a:endParaRPr lang="de-DE" dirty="0"/>
           </a:p>
@@ -4029,34 +4037,71 @@
           <a:bodyPr/>
           <a:lstStyle/>
           <a:p>
-            <a:r>
-              <a:rPr lang="de-DE" dirty="0" smtClean="0"/>
-              <a:t>Peerauswahl: Zufällige Auswahl aus dem lokalen Cache</a:t>
-            </a:r>
-          </a:p>
-          <a:p>
-            <a:r>
-              <a:rPr lang="de-DE" dirty="0" smtClean="0"/>
-              <a:t>Datenaustausch: Statusinformationen über benachbarte Peers</a:t>
-            </a:r>
-          </a:p>
-          <a:p>
-            <a:r>
-              <a:rPr lang="de-DE" dirty="0" smtClean="0"/>
-              <a:t>Datenverarbeitung: Updaten des lokalen Cache mit neuen Statusinformationen</a:t>
-            </a:r>
-          </a:p>
-          <a:p>
-            <a:r>
-              <a:rPr lang="de-DE" dirty="0" smtClean="0"/>
-              <a:t>- Fehlererkennung</a:t>
-            </a:r>
-          </a:p>
-          <a:p>
-            <a:r>
-              <a:rPr lang="de-DE" dirty="0" smtClean="0"/>
-              <a:t>- Verwerfen von Statusinformationen fehlerhafter Peers</a:t>
-            </a:r>
+            <a:pPr lvl="1">
+              <a:lnSpc>
+                <a:spcPct val="150000"/>
+              </a:lnSpc>
+              <a:buFont typeface="Arial" pitchFamily="34" charset="0"/>
+              <a:buChar char="•"/>
+            </a:pPr>
+            <a:r>
+              <a:rPr lang="de-DE" sz="2400" dirty="0" smtClean="0"/>
+              <a:t>Grundlage für viele andere </a:t>
+            </a:r>
+            <a:r>
+              <a:rPr lang="de-DE" sz="2400" dirty="0" err="1" smtClean="0"/>
+              <a:t>Gossipingsysteme</a:t>
+            </a:r>
+            <a:endParaRPr lang="de-DE" sz="2400" dirty="0" smtClean="0"/>
+          </a:p>
+          <a:p>
+            <a:pPr lvl="1">
+              <a:lnSpc>
+                <a:spcPct val="150000"/>
+              </a:lnSpc>
+              <a:buFont typeface="Arial" pitchFamily="34" charset="0"/>
+              <a:buChar char="•"/>
+            </a:pPr>
+            <a:r>
+              <a:rPr lang="de-DE" sz="2400" dirty="0" smtClean="0"/>
+              <a:t>Anzahl übernommener Nachrichten ausschlaggebend für </a:t>
+            </a:r>
+            <a:r>
+              <a:rPr lang="de-DE" sz="2400" dirty="0" err="1" smtClean="0"/>
+              <a:t>Diversität</a:t>
+            </a:r>
+            <a:r>
+              <a:rPr lang="de-DE" sz="2400" dirty="0" smtClean="0"/>
+              <a:t> des lokalen Cache</a:t>
+            </a:r>
+          </a:p>
+          <a:p>
+            <a:pPr lvl="1">
+              <a:lnSpc>
+                <a:spcPct val="150000"/>
+              </a:lnSpc>
+              <a:buFont typeface="Arial" pitchFamily="34" charset="0"/>
+              <a:buChar char="•"/>
+            </a:pPr>
+            <a:r>
+              <a:rPr lang="de-DE" sz="2400" dirty="0" smtClean="0"/>
+              <a:t>In dynamischen Netzwerken Mechanismus zur Löschung veralteter(inaktiver) Knoten notwendig</a:t>
+            </a:r>
+          </a:p>
+          <a:p>
+            <a:pPr lvl="1">
+              <a:lnSpc>
+                <a:spcPct val="150000"/>
+              </a:lnSpc>
+              <a:buFont typeface="Arial" pitchFamily="34" charset="0"/>
+              <a:buChar char="•"/>
+            </a:pPr>
+            <a:r>
+              <a:rPr lang="de-DE" sz="2400" dirty="0" smtClean="0"/>
+              <a:t>Annahme eines homogen strukturierten zugrundeliegenden Netzes</a:t>
+            </a:r>
+          </a:p>
+          <a:p>
             <a:endParaRPr lang="de-DE" dirty="0"/>
           </a:p>
         </p:txBody>
@@ -4090,13 +4135,6 @@
     <a:masterClrMapping/>
   </p:clrMapOvr>
   <p:transition spd="slow"/>
-  <p:timing>
-    <p:tnLst>
-      <p:par>
-        <p:cTn id="1" dur="indefinite" restart="never" nodeType="tmRoot"/>
-      </p:par>
-    </p:tnLst>
-  </p:timing>
 </p:sld>
 </file>
 
@@ -4138,11 +4176,7 @@
             </a:r>
             <a:r>
               <a:rPr lang="de-DE" dirty="0" smtClean="0"/>
-              <a:t> Anwendung: </a:t>
-            </a:r>
-            <a:r>
-              <a:rPr lang="de-DE" dirty="0" err="1" smtClean="0"/>
-              <a:t>Berechnungsschlontz</a:t>
+              <a:t> Anwendung: Topologie Konstruktion </a:t>
             </a:r>
             <a:endParaRPr lang="de-DE" dirty="0"/>
           </a:p>
@@ -4164,34 +4198,54 @@
           <a:lstStyle/>
           <a:p>
             <a:r>
-              <a:rPr lang="de-DE" dirty="0" smtClean="0"/>
-              <a:t>- Aggregationen wie Durchschnittsfindung, Extremwertbestimmung</a:t>
-            </a:r>
-          </a:p>
-          <a:p>
-            <a:r>
-              <a:rPr lang="de-DE" dirty="0" smtClean="0"/>
-              <a:t>- Einsatz z.B. in Sensornetzen</a:t>
-            </a:r>
-          </a:p>
-          <a:p>
-            <a:r>
-              <a:rPr lang="de-DE" dirty="0" smtClean="0"/>
+              <a:rPr lang="de-DE" sz="2400" dirty="0" smtClean="0"/>
+              <a:t>- Manchmal striktere Kontrolle über </a:t>
+            </a:r>
+            <a:r>
+              <a:rPr lang="de-DE" sz="2400" dirty="0" err="1" smtClean="0"/>
+              <a:t>Overlay</a:t>
+            </a:r>
+            <a:r>
+              <a:rPr lang="de-DE" sz="2400" dirty="0" smtClean="0"/>
+              <a:t>-Netzkonstruktion notwendig</a:t>
+            </a:r>
+          </a:p>
+          <a:p>
+            <a:r>
+              <a:rPr lang="de-DE" sz="2400" dirty="0" smtClean="0"/>
+              <a:t>- Jeder Peer hat nur partielle Sicht auf das Gesamtsystem</a:t>
+            </a:r>
+          </a:p>
+          <a:p>
+            <a:r>
+              <a:rPr lang="de-DE" sz="2400" dirty="0" smtClean="0"/>
+              <a:t>- Einführung einer Bewertungsfunktion für Nachbarn</a:t>
+            </a:r>
+          </a:p>
+          <a:p>
+            <a:r>
+              <a:rPr lang="de-DE" sz="2400" dirty="0" smtClean="0"/>
               <a:t>Peerauswahl: Zufällige Auswahl aus dem lokalen Cache</a:t>
             </a:r>
           </a:p>
           <a:p>
             <a:r>
-              <a:rPr lang="de-DE" dirty="0" smtClean="0"/>
-              <a:t>Datenaustausch: Anwendungsabhängiges Datum wird kopiert</a:t>
-            </a:r>
-          </a:p>
-          <a:p>
-            <a:r>
-              <a:rPr lang="de-DE" dirty="0" smtClean="0"/>
-              <a:t>Datenverarbeitung: Neues Datum wird aus dem empfangenen und dem lokalen Datum berechnet</a:t>
-            </a:r>
-            <a:endParaRPr lang="de-DE" dirty="0"/>
+              <a:rPr lang="de-DE" sz="2400" dirty="0" smtClean="0"/>
+              <a:t>Datenaustausch: Listen von Peers</a:t>
+            </a:r>
+          </a:p>
+          <a:p>
+            <a:r>
+              <a:rPr lang="de-DE" sz="2400" dirty="0" smtClean="0"/>
+              <a:t>Datenverarbeitung: Einfügen der empfangenen Liste in den lokalen Cache und Bewertung der neuen Peers (evtl. Löschung von Peers)</a:t>
+            </a:r>
+          </a:p>
+          <a:p>
+            <a:r>
+              <a:rPr lang="de-DE" sz="2400" dirty="0" smtClean="0"/>
+              <a:t>- Bewertungsfunktionen: Anbindungsgeschwindigkeit, Verfügbarkeit, ID-abhängige Kriterien (z.B. Ringkonstruktion)</a:t>
+            </a:r>
+            <a:endParaRPr lang="de-DE" sz="2400" dirty="0"/>
           </a:p>
         </p:txBody>
       </p:sp>
@@ -4272,7 +4326,15 @@
             </a:r>
             <a:r>
               <a:rPr lang="de-DE" dirty="0" smtClean="0"/>
-              <a:t>: Fazit</a:t>
+              <a:t> Anwendung: </a:t>
+            </a:r>
+            <a:r>
+              <a:rPr lang="de-DE" dirty="0" err="1" smtClean="0"/>
+              <a:t>Resourcenverwaltung</a:t>
+            </a:r>
+            <a:r>
+              <a:rPr lang="de-DE" dirty="0" smtClean="0"/>
+              <a:t> </a:t>
             </a:r>
             <a:endParaRPr lang="de-DE" dirty="0"/>
           </a:p>
@@ -4294,18 +4356,34 @@
           <a:lstStyle/>
           <a:p>
             <a:r>
-              <a:rPr lang="de-DE" sz="5400" dirty="0" smtClean="0"/>
-              <a:t>DAS IST VOLL TOLL UND SO; ABER KEINER </a:t>
-            </a:r>
-            <a:r>
-              <a:rPr lang="de-DE" sz="5400" dirty="0" err="1" smtClean="0"/>
-              <a:t>WEIß</a:t>
-            </a:r>
-            <a:r>
-              <a:rPr lang="de-DE" sz="5400" dirty="0" smtClean="0"/>
-              <a:t> GENAU WAS ES IST; BITTE GEBT UNS GELD DAMIT WIR FORSCHEN KÖNNEN.</a:t>
-            </a:r>
-            <a:endParaRPr lang="de-DE" sz="5400" dirty="0"/>
+              <a:rPr lang="de-DE" dirty="0" smtClean="0"/>
+              <a:t>Peerauswahl: Zufällige Auswahl aus dem lokalen Cache</a:t>
+            </a:r>
+          </a:p>
+          <a:p>
+            <a:r>
+              <a:rPr lang="de-DE" dirty="0" smtClean="0"/>
+              <a:t>Datenaustausch: Statusinformationen über benachbarte Peers</a:t>
+            </a:r>
+          </a:p>
+          <a:p>
+            <a:r>
+              <a:rPr lang="de-DE" dirty="0" smtClean="0"/>
+              <a:t>Datenverarbeitung: Updaten des lokalen Cache mit neuen Statusinformationen</a:t>
+            </a:r>
+          </a:p>
+          <a:p>
+            <a:r>
+              <a:rPr lang="de-DE" dirty="0" smtClean="0"/>
+              <a:t>- Fehlererkennung</a:t>
+            </a:r>
+          </a:p>
+          <a:p>
+            <a:r>
+              <a:rPr lang="de-DE" dirty="0" smtClean="0"/>
+              <a:t>- Verwerfen von Statusinformationen fehlerhafter Peers</a:t>
+            </a:r>
+            <a:endParaRPr lang="de-DE" dirty="0"/>
           </a:p>
         </p:txBody>
       </p:sp>
@@ -4381,8 +4459,16 @@
           <a:lstStyle/>
           <a:p>
             <a:r>
+              <a:rPr lang="de-DE" dirty="0" err="1" smtClean="0"/>
+              <a:t>Gossip</a:t>
+            </a:r>
+            <a:r>
               <a:rPr lang="de-DE" dirty="0" smtClean="0"/>
-              <a:t>CYCLON</a:t>
+              <a:t> Anwendung: </a:t>
+            </a:r>
+            <a:r>
+              <a:rPr lang="de-DE" dirty="0" err="1" smtClean="0"/>
+              <a:t>Berechnungsschlontz</a:t>
             </a:r>
             <a:endParaRPr lang="de-DE" dirty="0"/>
           </a:p>
@@ -4403,13 +4489,33 @@
           <a:bodyPr/>
           <a:lstStyle/>
           <a:p>
-            <a:pPr lvl="1">
-              <a:buFont typeface="Arial" pitchFamily="34" charset="0"/>
-              <a:buChar char="•"/>
-            </a:pPr>
             <a:r>
               <a:rPr lang="de-DE" dirty="0" smtClean="0"/>
-              <a:t> </a:t>
+              <a:t>- Aggregationen wie Durchschnittsfindung, Extremwertbestimmung</a:t>
+            </a:r>
+          </a:p>
+          <a:p>
+            <a:r>
+              <a:rPr lang="de-DE" dirty="0" smtClean="0"/>
+              <a:t>- Einsatz z.B. in Sensornetzen</a:t>
+            </a:r>
+          </a:p>
+          <a:p>
+            <a:r>
+              <a:rPr lang="de-DE" dirty="0" smtClean="0"/>
+              <a:t>Peerauswahl: Zufällige Auswahl aus dem lokalen Cache</a:t>
+            </a:r>
+          </a:p>
+          <a:p>
+            <a:r>
+              <a:rPr lang="de-DE" dirty="0" smtClean="0"/>
+              <a:t>Datenaustausch: Anwendungsabhängiges Datum wird kopiert</a:t>
+            </a:r>
+          </a:p>
+          <a:p>
+            <a:r>
+              <a:rPr lang="de-DE" dirty="0" smtClean="0"/>
+              <a:t>Datenverarbeitung: Neues Datum wird aus dem empfangenen und dem lokalen Datum berechnet</a:t>
             </a:r>
             <a:endParaRPr lang="de-DE" dirty="0"/>
           </a:p>
@@ -4487,8 +4593,12 @@
           <a:lstStyle/>
           <a:p>
             <a:r>
+              <a:rPr lang="de-DE" dirty="0" err="1" smtClean="0"/>
+              <a:t>Gossip</a:t>
+            </a:r>
+            <a:r>
               <a:rPr lang="de-DE" dirty="0" smtClean="0"/>
-              <a:t>Quellen</a:t>
+              <a:t>: Fazit</a:t>
             </a:r>
             <a:endParaRPr lang="de-DE" dirty="0"/>
           </a:p>
@@ -4509,101 +4619,19 @@
           <a:bodyPr/>
           <a:lstStyle/>
           <a:p>
-            <a:pPr lvl="1">
-              <a:buFont typeface="Arial" pitchFamily="34" charset="0"/>
-              <a:buChar char="•"/>
-            </a:pPr>
-            <a:r>
-              <a:rPr lang="de-DE" dirty="0" smtClean="0"/>
-              <a:t>Spyros </a:t>
-            </a:r>
-            <a:r>
-              <a:rPr lang="de-DE" dirty="0" err="1" smtClean="0"/>
-              <a:t>Voulgaris</a:t>
-            </a:r>
-            <a:r>
-              <a:rPr lang="de-DE" dirty="0" smtClean="0"/>
-              <a:t>, Daniela </a:t>
-            </a:r>
-            <a:r>
-              <a:rPr lang="de-DE" dirty="0" err="1" smtClean="0"/>
-              <a:t>Gavidia</a:t>
-            </a:r>
-            <a:r>
-              <a:rPr lang="de-DE" dirty="0" smtClean="0"/>
-              <a:t>, Maarten van Steen, </a:t>
-            </a:r>
-            <a:r>
-              <a:rPr lang="de-DE" b="1" dirty="0" smtClean="0"/>
-              <a:t>CYCLON: </a:t>
-            </a:r>
-            <a:r>
-              <a:rPr lang="de-DE" b="1" dirty="0" err="1" smtClean="0"/>
-              <a:t>Inexpensive</a:t>
-            </a:r>
-            <a:r>
-              <a:rPr lang="de-DE" b="1" dirty="0" smtClean="0"/>
-              <a:t> Membership Management </a:t>
-            </a:r>
-            <a:r>
-              <a:rPr lang="de-DE" b="1" dirty="0" err="1" smtClean="0"/>
-              <a:t>for</a:t>
-            </a:r>
-            <a:r>
-              <a:rPr lang="de-DE" b="1" dirty="0" smtClean="0"/>
-              <a:t> </a:t>
-            </a:r>
-            <a:r>
-              <a:rPr lang="de-DE" b="1" dirty="0" err="1" smtClean="0"/>
-              <a:t>Unstructured</a:t>
-            </a:r>
-            <a:r>
-              <a:rPr lang="de-DE" b="1" dirty="0" smtClean="0"/>
-              <a:t> P2P </a:t>
-            </a:r>
-            <a:r>
-              <a:rPr lang="de-DE" b="1" dirty="0" err="1" smtClean="0"/>
-              <a:t>Overlays</a:t>
-            </a:r>
-            <a:r>
-              <a:rPr lang="de-DE" dirty="0" smtClean="0"/>
-              <a:t>. </a:t>
-            </a:r>
-            <a:r>
-              <a:rPr lang="en-US" dirty="0" smtClean="0"/>
-              <a:t>Journal of Network and Systems Management, Vol. 13, No. 2, June 2005</a:t>
-            </a:r>
-          </a:p>
-          <a:p>
-            <a:pPr lvl="1">
-              <a:buFont typeface="Arial" pitchFamily="34" charset="0"/>
-              <a:buChar char="•"/>
-            </a:pPr>
-            <a:r>
-              <a:rPr lang="de-DE" dirty="0" smtClean="0"/>
-              <a:t>Anne-Marie </a:t>
-            </a:r>
-            <a:r>
-              <a:rPr lang="de-DE" dirty="0" err="1" smtClean="0"/>
-              <a:t>Kermarrec</a:t>
-            </a:r>
-            <a:r>
-              <a:rPr lang="de-DE" dirty="0" smtClean="0"/>
-              <a:t>, Maarten van Steen, </a:t>
-            </a:r>
-            <a:r>
-              <a:rPr lang="de-DE" b="1" dirty="0" err="1" smtClean="0"/>
-              <a:t>Gossiping</a:t>
-            </a:r>
-            <a:r>
-              <a:rPr lang="de-DE" b="1" dirty="0" smtClean="0"/>
-              <a:t> in Distributed Systems. </a:t>
-            </a:r>
-            <a:r>
-              <a:rPr lang="en-US" dirty="0" smtClean="0"/>
-              <a:t>ACM SIGOPS Operating Systems Review - Gossip-based computer networking, Volume 41 Issue 5, October 2007</a:t>
-            </a:r>
-            <a:endParaRPr lang="de-DE" dirty="0"/>
+            <a:r>
+              <a:rPr lang="de-DE" sz="5400" dirty="0" smtClean="0"/>
+              <a:t>DAS IST VOLL TOLL UND SO; ABER KEINER </a:t>
+            </a:r>
+            <a:r>
+              <a:rPr lang="de-DE" sz="5400" dirty="0" err="1" smtClean="0"/>
+              <a:t>WEIß</a:t>
+            </a:r>
+            <a:r>
+              <a:rPr lang="de-DE" sz="5400" dirty="0" smtClean="0"/>
+              <a:t> GENAU WAS ES IST; BITTE GEBT UNS GELD DAMIT WIR FORSCHEN KÖNNEN.</a:t>
+            </a:r>
+            <a:endParaRPr lang="de-DE" sz="5400" dirty="0"/>
           </a:p>
         </p:txBody>
       </p:sp>
@@ -4643,6 +4671,765 @@
       </p:par>
     </p:tnLst>
   </p:timing>
+</p:sld>
+</file>
+
+<file path=ppt/slides/slide15.xml><?xml version="1.0" encoding="utf-8"?>
+<p:sld xmlns:a="http://schemas.openxmlformats.org/drawingml/2006/main" xmlns:r="http://schemas.openxmlformats.org/officeDocument/2006/relationships" xmlns:p="http://schemas.openxmlformats.org/presentationml/2006/main">
+  <p:cSld>
+    <p:spTree>
+      <p:nvGrpSpPr>
+        <p:cNvPr id="1" name=""/>
+        <p:cNvGrpSpPr/>
+        <p:nvPr/>
+      </p:nvGrpSpPr>
+      <p:grpSpPr>
+        <a:xfrm>
+          <a:off x="0" y="0"/>
+          <a:ext cx="0" cy="0"/>
+          <a:chOff x="0" y="0"/>
+          <a:chExt cx="0" cy="0"/>
+        </a:xfrm>
+      </p:grpSpPr>
+      <p:sp>
+        <p:nvSpPr>
+          <p:cNvPr id="2" name="Titel 1"/>
+          <p:cNvSpPr>
+            <a:spLocks noGrp="1"/>
+          </p:cNvSpPr>
+          <p:nvPr>
+            <p:ph type="title"/>
+          </p:nvPr>
+        </p:nvSpPr>
+        <p:spPr/>
+        <p:txBody>
+          <a:bodyPr/>
+          <a:lstStyle/>
+          <a:p>
+            <a:r>
+              <a:rPr lang="de-DE" dirty="0" smtClean="0"/>
+              <a:t>CYCLON: Allgemein</a:t>
+            </a:r>
+            <a:endParaRPr lang="de-DE" dirty="0"/>
+          </a:p>
+        </p:txBody>
+      </p:sp>
+      <p:sp>
+        <p:nvSpPr>
+          <p:cNvPr id="3" name="Inhaltsplatzhalter 2"/>
+          <p:cNvSpPr>
+            <a:spLocks noGrp="1"/>
+          </p:cNvSpPr>
+          <p:nvPr>
+            <p:ph idx="1"/>
+          </p:nvPr>
+        </p:nvSpPr>
+        <p:spPr/>
+        <p:txBody>
+          <a:bodyPr/>
+          <a:lstStyle/>
+          <a:p>
+            <a:pPr lvl="1">
+              <a:lnSpc>
+                <a:spcPct val="200000"/>
+              </a:lnSpc>
+              <a:buFont typeface="Arial" pitchFamily="34" charset="0"/>
+              <a:buChar char="•"/>
+            </a:pPr>
+            <a:r>
+              <a:rPr lang="de-DE" sz="2400" dirty="0" smtClean="0"/>
+              <a:t>Algorithmus zur Peerauswahl</a:t>
+            </a:r>
+          </a:p>
+          <a:p>
+            <a:pPr lvl="1">
+              <a:lnSpc>
+                <a:spcPct val="200000"/>
+              </a:lnSpc>
+              <a:buFont typeface="Arial" pitchFamily="34" charset="0"/>
+              <a:buChar char="•"/>
+            </a:pPr>
+            <a:r>
+              <a:rPr lang="de-DE" sz="2400" dirty="0" smtClean="0"/>
+              <a:t>Zufällig mit gleicher Wahrscheinlichkeit aus gesamten Netzwerk</a:t>
+            </a:r>
+          </a:p>
+          <a:p>
+            <a:pPr lvl="1">
+              <a:lnSpc>
+                <a:spcPct val="200000"/>
+              </a:lnSpc>
+              <a:buFont typeface="Arial" pitchFamily="34" charset="0"/>
+              <a:buChar char="•"/>
+            </a:pPr>
+            <a:r>
+              <a:rPr lang="de-DE" sz="2400" dirty="0" smtClean="0"/>
+              <a:t>Nur lokale Sicht</a:t>
+            </a:r>
+          </a:p>
+          <a:p>
+            <a:pPr lvl="1">
+              <a:lnSpc>
+                <a:spcPct val="200000"/>
+              </a:lnSpc>
+              <a:buFont typeface="Arial" pitchFamily="34" charset="0"/>
+              <a:buChar char="•"/>
+            </a:pPr>
+            <a:r>
+              <a:rPr lang="de-DE" sz="2400" dirty="0" smtClean="0"/>
+              <a:t>Oft in höheren Schichten verwendet</a:t>
+            </a:r>
+            <a:endParaRPr lang="de-DE" sz="2400" dirty="0"/>
+          </a:p>
+        </p:txBody>
+      </p:sp>
+      <p:sp>
+        <p:nvSpPr>
+          <p:cNvPr id="4" name="Fußzeilenplatzhalter 3"/>
+          <p:cNvSpPr>
+            <a:spLocks noGrp="1"/>
+          </p:cNvSpPr>
+          <p:nvPr>
+            <p:ph type="ftr" sz="quarter" idx="10"/>
+          </p:nvPr>
+        </p:nvSpPr>
+        <p:spPr/>
+        <p:txBody>
+          <a:bodyPr/>
+          <a:lstStyle/>
+          <a:p>
+            <a:r>
+              <a:rPr lang="de-DE" smtClean="0"/>
+              <a:t>Gossip und CYCLON, 13.06.2013</a:t>
+            </a:r>
+            <a:endParaRPr lang="de-DE"/>
+          </a:p>
+        </p:txBody>
+      </p:sp>
+    </p:spTree>
+  </p:cSld>
+  <p:clrMapOvr>
+    <a:masterClrMapping/>
+  </p:clrMapOvr>
+  <p:transition spd="slow"/>
+</p:sld>
+</file>
+
+<file path=ppt/slides/slide16.xml><?xml version="1.0" encoding="utf-8"?>
+<p:sld xmlns:a="http://schemas.openxmlformats.org/drawingml/2006/main" xmlns:r="http://schemas.openxmlformats.org/officeDocument/2006/relationships" xmlns:p="http://schemas.openxmlformats.org/presentationml/2006/main">
+  <p:cSld>
+    <p:spTree>
+      <p:nvGrpSpPr>
+        <p:cNvPr id="1" name=""/>
+        <p:cNvGrpSpPr/>
+        <p:nvPr/>
+      </p:nvGrpSpPr>
+      <p:grpSpPr>
+        <a:xfrm>
+          <a:off x="0" y="0"/>
+          <a:ext cx="0" cy="0"/>
+          <a:chOff x="0" y="0"/>
+          <a:chExt cx="0" cy="0"/>
+        </a:xfrm>
+      </p:grpSpPr>
+      <p:sp>
+        <p:nvSpPr>
+          <p:cNvPr id="2" name="Titel 1"/>
+          <p:cNvSpPr>
+            <a:spLocks noGrp="1"/>
+          </p:cNvSpPr>
+          <p:nvPr>
+            <p:ph type="title"/>
+          </p:nvPr>
+        </p:nvSpPr>
+        <p:spPr/>
+        <p:txBody>
+          <a:bodyPr/>
+          <a:lstStyle/>
+          <a:p>
+            <a:r>
+              <a:rPr lang="de-DE" dirty="0" smtClean="0"/>
+              <a:t>CYCLON: Enhanced </a:t>
+            </a:r>
+            <a:r>
+              <a:rPr lang="de-DE" dirty="0" err="1" smtClean="0"/>
+              <a:t>Shuffling</a:t>
+            </a:r>
+            <a:r>
+              <a:rPr lang="de-DE" dirty="0" smtClean="0"/>
+              <a:t> 1/2</a:t>
+            </a:r>
+            <a:endParaRPr lang="de-DE" dirty="0"/>
+          </a:p>
+        </p:txBody>
+      </p:sp>
+      <p:sp>
+        <p:nvSpPr>
+          <p:cNvPr id="3" name="Inhaltsplatzhalter 2"/>
+          <p:cNvSpPr>
+            <a:spLocks noGrp="1"/>
+          </p:cNvSpPr>
+          <p:nvPr>
+            <p:ph idx="1"/>
+          </p:nvPr>
+        </p:nvSpPr>
+        <p:spPr/>
+        <p:txBody>
+          <a:bodyPr/>
+          <a:lstStyle/>
+          <a:p>
+            <a:pPr marL="522287" lvl="1" indent="-342900">
+              <a:buNone/>
+            </a:pPr>
+            <a:r>
+              <a:rPr lang="de-DE" sz="2400" dirty="0" smtClean="0"/>
+              <a:t>Für Knoten P</a:t>
+            </a:r>
+          </a:p>
+          <a:p>
+            <a:pPr marL="522287" lvl="1" indent="-342900">
+              <a:buFont typeface="+mj-lt"/>
+              <a:buAutoNum type="arabicPeriod"/>
+            </a:pPr>
+            <a:r>
+              <a:rPr lang="de-DE" sz="2400" dirty="0" smtClean="0"/>
+              <a:t>Erhöhe Alter um eins für alle Nachbarn</a:t>
+            </a:r>
+          </a:p>
+          <a:p>
+            <a:pPr marL="522287" lvl="1" indent="-342900">
+              <a:buFont typeface="+mj-lt"/>
+              <a:buAutoNum type="arabicPeriod"/>
+            </a:pPr>
+            <a:r>
+              <a:rPr lang="de-DE" sz="2400" dirty="0" smtClean="0"/>
+              <a:t>Wähle ältesten Nachbar Q und l-1 zufällige Nachbarn</a:t>
+            </a:r>
+          </a:p>
+          <a:p>
+            <a:pPr marL="522287" lvl="1" indent="-342900">
+              <a:buFont typeface="+mj-lt"/>
+              <a:buAutoNum type="arabicPeriod"/>
+            </a:pPr>
+            <a:r>
+              <a:rPr lang="de-DE" sz="2400" dirty="0" smtClean="0"/>
+              <a:t>Ersetze Qs Eintrag mit dem Alter 0 und Adresse von P</a:t>
+            </a:r>
+          </a:p>
+          <a:p>
+            <a:pPr marL="522287" lvl="1" indent="-342900">
+              <a:buFont typeface="+mj-lt"/>
+              <a:buAutoNum type="arabicPeriod"/>
+            </a:pPr>
+            <a:r>
+              <a:rPr lang="de-DE" sz="2400" dirty="0" smtClean="0"/>
+              <a:t>Sende aktualisierte Teilmenge zu Q </a:t>
+            </a:r>
+          </a:p>
+          <a:p>
+            <a:pPr marL="522287" lvl="1" indent="-342900">
+              <a:buFont typeface="+mj-lt"/>
+              <a:buAutoNum type="arabicPeriod"/>
+            </a:pPr>
+            <a:r>
+              <a:rPr lang="de-DE" sz="2400" dirty="0" smtClean="0"/>
+              <a:t>Empfange eine Teilmenge von Q mit i eignen Einträgen</a:t>
+            </a:r>
+          </a:p>
+          <a:p>
+            <a:pPr marL="522287" lvl="1" indent="-342900">
+              <a:buFont typeface="+mj-lt"/>
+              <a:buAutoNum type="arabicPeriod"/>
+            </a:pPr>
+            <a:r>
+              <a:rPr lang="de-DE" sz="2400" dirty="0" smtClean="0"/>
+              <a:t>Verwerfe Einträge die auf P zeigen und in Ps Cache liegen</a:t>
+            </a:r>
+          </a:p>
+          <a:p>
+            <a:pPr marL="522287" lvl="1" indent="-342900">
+              <a:buFont typeface="+mj-lt"/>
+              <a:buAutoNum type="arabicPeriod"/>
+            </a:pPr>
+            <a:r>
+              <a:rPr lang="de-DE" sz="2400" dirty="0" smtClean="0"/>
+              <a:t>Aktualisiere Ps Cache und füge alle verbleibenden Einträge hinzu. (erst die leeren Cacheeinträge nutzen, dann ersetze die Einträge, die man zu Q geschickt hat)</a:t>
+            </a:r>
+            <a:r>
+              <a:rPr lang="de-DE" dirty="0" smtClean="0"/>
+              <a:t> </a:t>
+            </a:r>
+            <a:endParaRPr lang="de-DE" dirty="0"/>
+          </a:p>
+        </p:txBody>
+      </p:sp>
+      <p:sp>
+        <p:nvSpPr>
+          <p:cNvPr id="4" name="Fußzeilenplatzhalter 3"/>
+          <p:cNvSpPr>
+            <a:spLocks noGrp="1"/>
+          </p:cNvSpPr>
+          <p:nvPr>
+            <p:ph type="ftr" sz="quarter" idx="10"/>
+          </p:nvPr>
+        </p:nvSpPr>
+        <p:spPr/>
+        <p:txBody>
+          <a:bodyPr/>
+          <a:lstStyle/>
+          <a:p>
+            <a:r>
+              <a:rPr lang="de-DE" smtClean="0"/>
+              <a:t>Gossip und CYCLON, 13.06.2013</a:t>
+            </a:r>
+            <a:endParaRPr lang="de-DE"/>
+          </a:p>
+        </p:txBody>
+      </p:sp>
+    </p:spTree>
+  </p:cSld>
+  <p:clrMapOvr>
+    <a:masterClrMapping/>
+  </p:clrMapOvr>
+  <p:transition spd="slow"/>
+  <p:timing>
+    <p:tnLst>
+      <p:par>
+        <p:cTn id="1" dur="indefinite" restart="never" nodeType="tmRoot"/>
+      </p:par>
+    </p:tnLst>
+  </p:timing>
+</p:sld>
+</file>
+
+<file path=ppt/slides/slide17.xml><?xml version="1.0" encoding="utf-8"?>
+<p:sld xmlns:a="http://schemas.openxmlformats.org/drawingml/2006/main" xmlns:r="http://schemas.openxmlformats.org/officeDocument/2006/relationships" xmlns:p="http://schemas.openxmlformats.org/presentationml/2006/main">
+  <p:cSld>
+    <p:spTree>
+      <p:nvGrpSpPr>
+        <p:cNvPr id="1" name=""/>
+        <p:cNvGrpSpPr/>
+        <p:nvPr/>
+      </p:nvGrpSpPr>
+      <p:grpSpPr>
+        <a:xfrm>
+          <a:off x="0" y="0"/>
+          <a:ext cx="0" cy="0"/>
+          <a:chOff x="0" y="0"/>
+          <a:chExt cx="0" cy="0"/>
+        </a:xfrm>
+      </p:grpSpPr>
+      <p:sp>
+        <p:nvSpPr>
+          <p:cNvPr id="2" name="Titel 1"/>
+          <p:cNvSpPr>
+            <a:spLocks noGrp="1"/>
+          </p:cNvSpPr>
+          <p:nvPr>
+            <p:ph type="title"/>
+          </p:nvPr>
+        </p:nvSpPr>
+        <p:spPr/>
+        <p:txBody>
+          <a:bodyPr/>
+          <a:lstStyle/>
+          <a:p>
+            <a:r>
+              <a:rPr lang="de-DE" dirty="0" smtClean="0"/>
+              <a:t>CYCLON: Enhanced </a:t>
+            </a:r>
+            <a:r>
+              <a:rPr lang="de-DE" dirty="0" err="1" smtClean="0"/>
+              <a:t>Shuffling</a:t>
+            </a:r>
+            <a:r>
+              <a:rPr lang="de-DE" dirty="0" smtClean="0"/>
+              <a:t> </a:t>
+            </a:r>
+            <a:r>
+              <a:rPr lang="de-DE" dirty="0" smtClean="0"/>
+              <a:t>2/2</a:t>
+            </a:r>
+            <a:endParaRPr lang="de-DE" dirty="0"/>
+          </a:p>
+        </p:txBody>
+      </p:sp>
+      <p:sp>
+        <p:nvSpPr>
+          <p:cNvPr id="3" name="Inhaltsplatzhalter 2"/>
+          <p:cNvSpPr>
+            <a:spLocks noGrp="1"/>
+          </p:cNvSpPr>
+          <p:nvPr>
+            <p:ph idx="1"/>
+          </p:nvPr>
+        </p:nvSpPr>
+        <p:spPr/>
+        <p:txBody>
+          <a:bodyPr/>
+          <a:lstStyle/>
+          <a:p>
+            <a:r>
+              <a:rPr lang="de-DE" sz="2400" dirty="0" smtClean="0"/>
+              <a:t>Für Knoten Q:</a:t>
+            </a:r>
+          </a:p>
+          <a:p>
+            <a:pPr marL="636587" lvl="1" indent="-457200">
+              <a:buFont typeface="+mj-lt"/>
+              <a:buAutoNum type="arabicPeriod"/>
+            </a:pPr>
+            <a:r>
+              <a:rPr lang="de-DE" sz="2400" dirty="0" smtClean="0"/>
+              <a:t>Wähle l zufällige Nachbarn, sende an P</a:t>
+            </a:r>
+          </a:p>
+          <a:p>
+            <a:pPr marL="522287" lvl="1" indent="-342900">
+              <a:buFont typeface="+mj-lt"/>
+              <a:buAutoNum type="arabicPeriod"/>
+            </a:pPr>
+            <a:r>
+              <a:rPr lang="de-DE" sz="2400" dirty="0" smtClean="0"/>
+              <a:t>Verwerfe </a:t>
+            </a:r>
+            <a:r>
+              <a:rPr lang="de-DE" sz="2400" dirty="0" smtClean="0"/>
+              <a:t>Einträge die auf </a:t>
+            </a:r>
+            <a:r>
+              <a:rPr lang="de-DE" sz="2400" dirty="0" smtClean="0"/>
+              <a:t>Q </a:t>
+            </a:r>
+            <a:r>
+              <a:rPr lang="de-DE" sz="2400" dirty="0" smtClean="0"/>
+              <a:t>zeigen und in </a:t>
+            </a:r>
+            <a:r>
+              <a:rPr lang="de-DE" sz="2400" dirty="0" smtClean="0"/>
+              <a:t>Qs </a:t>
+            </a:r>
+            <a:r>
+              <a:rPr lang="de-DE" sz="2400" dirty="0" smtClean="0"/>
+              <a:t>Cache liegen</a:t>
+            </a:r>
+          </a:p>
+          <a:p>
+            <a:pPr marL="522287" lvl="1" indent="-342900">
+              <a:buFont typeface="+mj-lt"/>
+              <a:buAutoNum type="arabicPeriod"/>
+            </a:pPr>
+            <a:r>
+              <a:rPr lang="de-DE" sz="2400" dirty="0" smtClean="0"/>
+              <a:t>Aktualisiere </a:t>
+            </a:r>
+            <a:r>
+              <a:rPr lang="de-DE" sz="2400" dirty="0" smtClean="0"/>
+              <a:t>Qs </a:t>
+            </a:r>
+            <a:r>
+              <a:rPr lang="de-DE" sz="2400" dirty="0" smtClean="0"/>
+              <a:t>Cache und füge alle verbleibenden Einträge hinzu. (erst die leeren Cacheeinträge nutzen, dann ersetze die Einträge, die man zu </a:t>
+            </a:r>
+            <a:r>
+              <a:rPr lang="de-DE" sz="2400" dirty="0" smtClean="0"/>
+              <a:t>P </a:t>
+            </a:r>
+            <a:r>
+              <a:rPr lang="de-DE" sz="2400" dirty="0" smtClean="0"/>
+              <a:t>geschickt hat) </a:t>
+            </a:r>
+          </a:p>
+          <a:p>
+            <a:pPr marL="636587" lvl="1" indent="-457200">
+              <a:buFont typeface="+mj-lt"/>
+              <a:buAutoNum type="arabicPeriod"/>
+            </a:pPr>
+            <a:endParaRPr lang="de-DE" sz="2400" dirty="0"/>
+          </a:p>
+        </p:txBody>
+      </p:sp>
+      <p:sp>
+        <p:nvSpPr>
+          <p:cNvPr id="4" name="Fußzeilenplatzhalter 3"/>
+          <p:cNvSpPr>
+            <a:spLocks noGrp="1"/>
+          </p:cNvSpPr>
+          <p:nvPr>
+            <p:ph type="ftr" sz="quarter" idx="10"/>
+          </p:nvPr>
+        </p:nvSpPr>
+        <p:spPr/>
+        <p:txBody>
+          <a:bodyPr/>
+          <a:lstStyle/>
+          <a:p>
+            <a:r>
+              <a:rPr lang="de-DE" smtClean="0"/>
+              <a:t>Gossip und CYCLON, 13.06.2013</a:t>
+            </a:r>
+            <a:endParaRPr lang="de-DE"/>
+          </a:p>
+        </p:txBody>
+      </p:sp>
+    </p:spTree>
+  </p:cSld>
+  <p:clrMapOvr>
+    <a:masterClrMapping/>
+  </p:clrMapOvr>
+  <p:transition spd="slow"/>
+</p:sld>
+</file>
+
+<file path=ppt/slides/slide18.xml><?xml version="1.0" encoding="utf-8"?>
+<p:sld xmlns:a="http://schemas.openxmlformats.org/drawingml/2006/main" xmlns:r="http://schemas.openxmlformats.org/officeDocument/2006/relationships" xmlns:p="http://schemas.openxmlformats.org/presentationml/2006/main">
+  <p:cSld>
+    <p:spTree>
+      <p:nvGrpSpPr>
+        <p:cNvPr id="1" name=""/>
+        <p:cNvGrpSpPr/>
+        <p:nvPr/>
+      </p:nvGrpSpPr>
+      <p:grpSpPr>
+        <a:xfrm>
+          <a:off x="0" y="0"/>
+          <a:ext cx="0" cy="0"/>
+          <a:chOff x="0" y="0"/>
+          <a:chExt cx="0" cy="0"/>
+        </a:xfrm>
+      </p:grpSpPr>
+      <p:sp>
+        <p:nvSpPr>
+          <p:cNvPr id="2" name="Titel 1"/>
+          <p:cNvSpPr>
+            <a:spLocks noGrp="1"/>
+          </p:cNvSpPr>
+          <p:nvPr>
+            <p:ph type="title"/>
+          </p:nvPr>
+        </p:nvSpPr>
+        <p:spPr/>
+        <p:txBody>
+          <a:bodyPr/>
+          <a:lstStyle/>
+          <a:p>
+            <a:r>
+              <a:rPr lang="de-DE" dirty="0" smtClean="0"/>
+              <a:t>CYCLON: Enhanced </a:t>
+            </a:r>
+            <a:r>
+              <a:rPr lang="de-DE" dirty="0" err="1" smtClean="0"/>
+              <a:t>Shuffling</a:t>
+            </a:r>
+            <a:r>
+              <a:rPr lang="de-DE" dirty="0" smtClean="0"/>
+              <a:t> </a:t>
+            </a:r>
+            <a:r>
+              <a:rPr lang="de-DE" dirty="0" err="1" smtClean="0"/>
+              <a:t>cont‘d</a:t>
+            </a:r>
+            <a:endParaRPr lang="de-DE" dirty="0"/>
+          </a:p>
+        </p:txBody>
+      </p:sp>
+      <p:pic>
+        <p:nvPicPr>
+          <p:cNvPr id="5" name="Inhaltsplatzhalter 4" descr="shuffle.png"/>
+          <p:cNvPicPr>
+            <a:picLocks noGrp="1" noChangeAspect="1"/>
+          </p:cNvPicPr>
+          <p:nvPr>
+            <p:ph idx="1"/>
+          </p:nvPr>
+        </p:nvPicPr>
+        <p:blipFill>
+          <a:blip r:embed="rId2" cstate="print"/>
+          <a:stretch>
+            <a:fillRect/>
+          </a:stretch>
+        </p:blipFill>
+        <p:spPr>
+          <a:xfrm>
+            <a:off x="250825" y="2042935"/>
+            <a:ext cx="8642350" cy="4015143"/>
+          </a:xfrm>
+        </p:spPr>
+      </p:pic>
+      <p:sp>
+        <p:nvSpPr>
+          <p:cNvPr id="4" name="Fußzeilenplatzhalter 3"/>
+          <p:cNvSpPr>
+            <a:spLocks noGrp="1"/>
+          </p:cNvSpPr>
+          <p:nvPr>
+            <p:ph type="ftr" sz="quarter" idx="10"/>
+          </p:nvPr>
+        </p:nvSpPr>
+        <p:spPr/>
+        <p:txBody>
+          <a:bodyPr/>
+          <a:lstStyle/>
+          <a:p>
+            <a:r>
+              <a:rPr lang="de-DE" smtClean="0"/>
+              <a:t>Gossip und CYCLON, 13.06.2013</a:t>
+            </a:r>
+            <a:endParaRPr lang="de-DE"/>
+          </a:p>
+        </p:txBody>
+      </p:sp>
+    </p:spTree>
+  </p:cSld>
+  <p:clrMapOvr>
+    <a:masterClrMapping/>
+  </p:clrMapOvr>
+  <p:transition spd="slow"/>
+</p:sld>
+</file>
+
+<file path=ppt/slides/slide19.xml><?xml version="1.0" encoding="utf-8"?>
+<p:sld xmlns:a="http://schemas.openxmlformats.org/drawingml/2006/main" xmlns:r="http://schemas.openxmlformats.org/officeDocument/2006/relationships" xmlns:p="http://schemas.openxmlformats.org/presentationml/2006/main">
+  <p:cSld>
+    <p:spTree>
+      <p:nvGrpSpPr>
+        <p:cNvPr id="1" name=""/>
+        <p:cNvGrpSpPr/>
+        <p:nvPr/>
+      </p:nvGrpSpPr>
+      <p:grpSpPr>
+        <a:xfrm>
+          <a:off x="0" y="0"/>
+          <a:ext cx="0" cy="0"/>
+          <a:chOff x="0" y="0"/>
+          <a:chExt cx="0" cy="0"/>
+        </a:xfrm>
+      </p:grpSpPr>
+      <p:sp>
+        <p:nvSpPr>
+          <p:cNvPr id="2" name="Titel 1"/>
+          <p:cNvSpPr>
+            <a:spLocks noGrp="1"/>
+          </p:cNvSpPr>
+          <p:nvPr>
+            <p:ph type="title"/>
+          </p:nvPr>
+        </p:nvSpPr>
+        <p:spPr/>
+        <p:txBody>
+          <a:bodyPr/>
+          <a:lstStyle/>
+          <a:p>
+            <a:r>
+              <a:rPr lang="de-DE" dirty="0" smtClean="0"/>
+              <a:t>CYCLON: Grundlegende Eigenschaften</a:t>
+            </a:r>
+            <a:endParaRPr lang="de-DE" dirty="0"/>
+          </a:p>
+        </p:txBody>
+      </p:sp>
+      <p:sp>
+        <p:nvSpPr>
+          <p:cNvPr id="3" name="Inhaltsplatzhalter 2"/>
+          <p:cNvSpPr>
+            <a:spLocks noGrp="1"/>
+          </p:cNvSpPr>
+          <p:nvPr>
+            <p:ph idx="1"/>
+          </p:nvPr>
+        </p:nvSpPr>
+        <p:spPr/>
+        <p:txBody>
+          <a:bodyPr/>
+          <a:lstStyle/>
+          <a:p>
+            <a:pPr lvl="1">
+              <a:lnSpc>
+                <a:spcPct val="200000"/>
+              </a:lnSpc>
+              <a:buFont typeface="Arial" pitchFamily="34" charset="0"/>
+              <a:buChar char="•"/>
+            </a:pPr>
+            <a:r>
+              <a:rPr lang="de-DE" sz="2400" dirty="0" smtClean="0"/>
+              <a:t>Konnektivität (DEMO)</a:t>
+            </a:r>
+          </a:p>
+          <a:p>
+            <a:pPr lvl="1">
+              <a:lnSpc>
+                <a:spcPct val="200000"/>
+              </a:lnSpc>
+              <a:buFont typeface="Arial" pitchFamily="34" charset="0"/>
+              <a:buChar char="•"/>
+            </a:pPr>
+            <a:r>
+              <a:rPr lang="de-DE" sz="2400" dirty="0" smtClean="0"/>
+              <a:t>Konvergenz</a:t>
+            </a:r>
+          </a:p>
+          <a:p>
+            <a:pPr lvl="1">
+              <a:lnSpc>
+                <a:spcPct val="200000"/>
+              </a:lnSpc>
+              <a:buFont typeface="Arial" pitchFamily="34" charset="0"/>
+              <a:buChar char="•"/>
+            </a:pPr>
+            <a:r>
+              <a:rPr lang="de-DE" sz="2400" dirty="0" err="1" smtClean="0"/>
+              <a:t>Ingradverteilung</a:t>
+            </a:r>
+            <a:r>
+              <a:rPr lang="de-DE" sz="2400" dirty="0" smtClean="0"/>
+              <a:t> (DEMO)</a:t>
+            </a:r>
+          </a:p>
+          <a:p>
+            <a:pPr lvl="1">
+              <a:lnSpc>
+                <a:spcPct val="200000"/>
+              </a:lnSpc>
+              <a:buFont typeface="Arial" pitchFamily="34" charset="0"/>
+              <a:buChar char="•"/>
+            </a:pPr>
+            <a:r>
+              <a:rPr lang="de-DE" sz="2400" dirty="0" smtClean="0"/>
+              <a:t>Robustheit - Selbstheilung</a:t>
+            </a:r>
+            <a:endParaRPr lang="de-DE" sz="2400" dirty="0"/>
+          </a:p>
+        </p:txBody>
+      </p:sp>
+      <p:sp>
+        <p:nvSpPr>
+          <p:cNvPr id="4" name="Fußzeilenplatzhalter 3"/>
+          <p:cNvSpPr>
+            <a:spLocks noGrp="1"/>
+          </p:cNvSpPr>
+          <p:nvPr>
+            <p:ph type="ftr" sz="quarter" idx="10"/>
+          </p:nvPr>
+        </p:nvSpPr>
+        <p:spPr/>
+        <p:txBody>
+          <a:bodyPr/>
+          <a:lstStyle/>
+          <a:p>
+            <a:r>
+              <a:rPr lang="de-DE" smtClean="0"/>
+              <a:t>Gossip und CYCLON, 13.06.2013</a:t>
+            </a:r>
+            <a:endParaRPr lang="de-DE"/>
+          </a:p>
+        </p:txBody>
+      </p:sp>
+    </p:spTree>
+  </p:cSld>
+  <p:clrMapOvr>
+    <a:masterClrMapping/>
+  </p:clrMapOvr>
+  <p:transition spd="slow"/>
 </p:sld>
 </file>
 
@@ -4892,6 +5679,1149 @@
               <a:buNone/>
             </a:pPr>
             <a:endParaRPr lang="de-DE" dirty="0" smtClean="0"/>
+          </a:p>
+        </p:txBody>
+      </p:sp>
+    </p:spTree>
+  </p:cSld>
+  <p:clrMapOvr>
+    <a:masterClrMapping/>
+  </p:clrMapOvr>
+  <p:transition spd="slow"/>
+  <p:timing>
+    <p:tnLst>
+      <p:par>
+        <p:cTn id="1" dur="indefinite" restart="never" nodeType="tmRoot"/>
+      </p:par>
+    </p:tnLst>
+  </p:timing>
+</p:sld>
+</file>
+
+<file path=ppt/slides/slide20.xml><?xml version="1.0" encoding="utf-8"?>
+<p:sld xmlns:a="http://schemas.openxmlformats.org/drawingml/2006/main" xmlns:r="http://schemas.openxmlformats.org/officeDocument/2006/relationships" xmlns:p="http://schemas.openxmlformats.org/presentationml/2006/main">
+  <p:cSld>
+    <p:spTree>
+      <p:nvGrpSpPr>
+        <p:cNvPr id="1" name=""/>
+        <p:cNvGrpSpPr/>
+        <p:nvPr/>
+      </p:nvGrpSpPr>
+      <p:grpSpPr>
+        <a:xfrm>
+          <a:off x="0" y="0"/>
+          <a:ext cx="0" cy="0"/>
+          <a:chOff x="0" y="0"/>
+          <a:chExt cx="0" cy="0"/>
+        </a:xfrm>
+      </p:grpSpPr>
+      <p:sp>
+        <p:nvSpPr>
+          <p:cNvPr id="2" name="Titel 1"/>
+          <p:cNvSpPr>
+            <a:spLocks noGrp="1"/>
+          </p:cNvSpPr>
+          <p:nvPr>
+            <p:ph type="title"/>
+          </p:nvPr>
+        </p:nvSpPr>
+        <p:spPr/>
+        <p:txBody>
+          <a:bodyPr/>
+          <a:lstStyle/>
+          <a:p>
+            <a:r>
+              <a:rPr lang="de-DE" dirty="0" smtClean="0"/>
+              <a:t>CYCLON: Konnektivität</a:t>
+            </a:r>
+            <a:endParaRPr lang="de-DE" dirty="0"/>
+          </a:p>
+        </p:txBody>
+      </p:sp>
+      <p:sp>
+        <p:nvSpPr>
+          <p:cNvPr id="3" name="Inhaltsplatzhalter 2"/>
+          <p:cNvSpPr>
+            <a:spLocks noGrp="1"/>
+          </p:cNvSpPr>
+          <p:nvPr>
+            <p:ph idx="1"/>
+          </p:nvPr>
+        </p:nvSpPr>
+        <p:spPr/>
+        <p:txBody>
+          <a:bodyPr/>
+          <a:lstStyle/>
+          <a:p>
+            <a:pPr lvl="1">
+              <a:buFont typeface="Arial" pitchFamily="34" charset="0"/>
+              <a:buChar char="•"/>
+            </a:pPr>
+            <a:endParaRPr lang="de-DE" sz="2400" dirty="0" smtClean="0"/>
+          </a:p>
+          <a:p>
+            <a:pPr lvl="1">
+              <a:buFont typeface="Arial" pitchFamily="34" charset="0"/>
+              <a:buChar char="•"/>
+            </a:pPr>
+            <a:endParaRPr lang="de-DE" sz="2400" dirty="0" smtClean="0"/>
+          </a:p>
+          <a:p>
+            <a:pPr lvl="1">
+              <a:buFont typeface="Arial" pitchFamily="34" charset="0"/>
+              <a:buChar char="•"/>
+            </a:pPr>
+            <a:r>
+              <a:rPr lang="de-DE" sz="2400" dirty="0" err="1" smtClean="0"/>
+              <a:t>Shuffling</a:t>
+            </a:r>
+            <a:r>
+              <a:rPr lang="de-DE" sz="2400" dirty="0" smtClean="0"/>
+              <a:t> stellt sicher:</a:t>
+            </a:r>
+          </a:p>
+          <a:p>
+            <a:pPr lvl="2">
+              <a:buFont typeface="Arial" pitchFamily="34" charset="0"/>
+              <a:buChar char="•"/>
+            </a:pPr>
+            <a:r>
+              <a:rPr lang="de-DE" sz="2400" dirty="0" smtClean="0"/>
+              <a:t>Kein Knoten wird aus dem Netzwerk entfernt</a:t>
+            </a:r>
+          </a:p>
+          <a:p>
+            <a:pPr lvl="3">
+              <a:lnSpc>
+                <a:spcPct val="200000"/>
+              </a:lnSpc>
+              <a:buFont typeface="Wingdings"/>
+              <a:buChar char="à"/>
+            </a:pPr>
+            <a:r>
+              <a:rPr lang="de-DE" sz="2400" dirty="0" smtClean="0"/>
+              <a:t>Netzwerk wird nicht partitioniert</a:t>
+            </a:r>
+          </a:p>
+          <a:p>
+            <a:pPr lvl="2">
+              <a:buNone/>
+            </a:pPr>
+            <a:r>
+              <a:rPr lang="de-DE" dirty="0" smtClean="0"/>
+              <a:t>(Annahme: Zuverlässige Übertragung)</a:t>
+            </a:r>
+            <a:endParaRPr lang="de-DE" sz="2400" dirty="0"/>
+          </a:p>
+        </p:txBody>
+      </p:sp>
+      <p:sp>
+        <p:nvSpPr>
+          <p:cNvPr id="4" name="Fußzeilenplatzhalter 3"/>
+          <p:cNvSpPr>
+            <a:spLocks noGrp="1"/>
+          </p:cNvSpPr>
+          <p:nvPr>
+            <p:ph type="ftr" sz="quarter" idx="10"/>
+          </p:nvPr>
+        </p:nvSpPr>
+        <p:spPr/>
+        <p:txBody>
+          <a:bodyPr/>
+          <a:lstStyle/>
+          <a:p>
+            <a:r>
+              <a:rPr lang="de-DE" smtClean="0"/>
+              <a:t>Gossip und CYCLON, 13.06.2013</a:t>
+            </a:r>
+            <a:endParaRPr lang="de-DE"/>
+          </a:p>
+        </p:txBody>
+      </p:sp>
+    </p:spTree>
+  </p:cSld>
+  <p:clrMapOvr>
+    <a:masterClrMapping/>
+  </p:clrMapOvr>
+  <p:transition spd="slow"/>
+</p:sld>
+</file>
+
+<file path=ppt/slides/slide21.xml><?xml version="1.0" encoding="utf-8"?>
+<p:sld xmlns:a="http://schemas.openxmlformats.org/drawingml/2006/main" xmlns:r="http://schemas.openxmlformats.org/officeDocument/2006/relationships" xmlns:p="http://schemas.openxmlformats.org/presentationml/2006/main">
+  <p:cSld>
+    <p:spTree>
+      <p:nvGrpSpPr>
+        <p:cNvPr id="1" name=""/>
+        <p:cNvGrpSpPr/>
+        <p:nvPr/>
+      </p:nvGrpSpPr>
+      <p:grpSpPr>
+        <a:xfrm>
+          <a:off x="0" y="0"/>
+          <a:ext cx="0" cy="0"/>
+          <a:chOff x="0" y="0"/>
+          <a:chExt cx="0" cy="0"/>
+        </a:xfrm>
+      </p:grpSpPr>
+      <p:sp>
+        <p:nvSpPr>
+          <p:cNvPr id="2" name="Titel 1"/>
+          <p:cNvSpPr>
+            <a:spLocks noGrp="1"/>
+          </p:cNvSpPr>
+          <p:nvPr>
+            <p:ph type="title"/>
+          </p:nvPr>
+        </p:nvSpPr>
+        <p:spPr/>
+        <p:txBody>
+          <a:bodyPr/>
+          <a:lstStyle/>
+          <a:p>
+            <a:r>
+              <a:rPr lang="de-DE" dirty="0" smtClean="0"/>
+              <a:t>CYCLON: Konvergenz</a:t>
+            </a:r>
+            <a:endParaRPr lang="de-DE" dirty="0"/>
+          </a:p>
+        </p:txBody>
+      </p:sp>
+      <p:pic>
+        <p:nvPicPr>
+          <p:cNvPr id="7" name="Inhaltsplatzhalter 6" descr="avg_shrt_path.png"/>
+          <p:cNvPicPr>
+            <a:picLocks noGrp="1" noChangeAspect="1"/>
+          </p:cNvPicPr>
+          <p:nvPr>
+            <p:ph sz="half" idx="1"/>
+          </p:nvPr>
+        </p:nvPicPr>
+        <p:blipFill>
+          <a:blip r:embed="rId2" cstate="print"/>
+          <a:stretch>
+            <a:fillRect/>
+          </a:stretch>
+        </p:blipFill>
+        <p:spPr>
+          <a:xfrm>
+            <a:off x="250825" y="2512997"/>
+            <a:ext cx="4244975" cy="3098832"/>
+          </a:xfrm>
+        </p:spPr>
+      </p:pic>
+      <p:sp>
+        <p:nvSpPr>
+          <p:cNvPr id="6" name="Inhaltsplatzhalter 5"/>
+          <p:cNvSpPr>
+            <a:spLocks noGrp="1"/>
+          </p:cNvSpPr>
+          <p:nvPr>
+            <p:ph sz="half" idx="2"/>
+          </p:nvPr>
+        </p:nvSpPr>
+        <p:spPr/>
+        <p:txBody>
+          <a:bodyPr/>
+          <a:lstStyle/>
+          <a:p>
+            <a:pPr lvl="1">
+              <a:buFont typeface="Arial" pitchFamily="34" charset="0"/>
+              <a:buChar char="•"/>
+            </a:pPr>
+            <a:endParaRPr lang="de-DE" dirty="0" smtClean="0"/>
+          </a:p>
+          <a:p>
+            <a:pPr lvl="1">
+              <a:buFont typeface="Arial" pitchFamily="34" charset="0"/>
+              <a:buChar char="•"/>
+            </a:pPr>
+            <a:endParaRPr lang="de-DE" dirty="0" smtClean="0"/>
+          </a:p>
+          <a:p>
+            <a:pPr lvl="1">
+              <a:buFont typeface="Arial" pitchFamily="34" charset="0"/>
+              <a:buChar char="•"/>
+            </a:pPr>
+            <a:endParaRPr lang="de-DE" dirty="0" smtClean="0"/>
+          </a:p>
+          <a:p>
+            <a:pPr lvl="1">
+              <a:buFont typeface="Arial" pitchFamily="34" charset="0"/>
+              <a:buChar char="•"/>
+            </a:pPr>
+            <a:r>
+              <a:rPr lang="de-DE" dirty="0" smtClean="0"/>
+              <a:t>Durchschnittlicher kürzester Weg im Netzwerk</a:t>
+            </a:r>
+          </a:p>
+          <a:p>
+            <a:pPr lvl="1">
+              <a:buFont typeface="Arial" pitchFamily="34" charset="0"/>
+              <a:buChar char="•"/>
+            </a:pPr>
+            <a:r>
+              <a:rPr lang="de-DE" dirty="0" smtClean="0"/>
+              <a:t>Enhanced </a:t>
+            </a:r>
+            <a:r>
+              <a:rPr lang="de-DE" dirty="0" err="1" smtClean="0"/>
+              <a:t>shuffling</a:t>
+            </a:r>
+            <a:r>
+              <a:rPr lang="de-DE" dirty="0" smtClean="0"/>
+              <a:t> konvergiert zu Zufallsgraphen </a:t>
+            </a:r>
+            <a:endParaRPr lang="de-DE" dirty="0"/>
+          </a:p>
+        </p:txBody>
+      </p:sp>
+      <p:sp>
+        <p:nvSpPr>
+          <p:cNvPr id="4" name="Fußzeilenplatzhalter 3"/>
+          <p:cNvSpPr>
+            <a:spLocks noGrp="1"/>
+          </p:cNvSpPr>
+          <p:nvPr>
+            <p:ph type="ftr" sz="quarter" idx="10"/>
+          </p:nvPr>
+        </p:nvSpPr>
+        <p:spPr/>
+        <p:txBody>
+          <a:bodyPr/>
+          <a:lstStyle/>
+          <a:p>
+            <a:r>
+              <a:rPr lang="de-DE" smtClean="0"/>
+              <a:t>Gossip und CYCLON, 13.06.2013</a:t>
+            </a:r>
+            <a:endParaRPr lang="de-DE"/>
+          </a:p>
+        </p:txBody>
+      </p:sp>
+    </p:spTree>
+  </p:cSld>
+  <p:clrMapOvr>
+    <a:masterClrMapping/>
+  </p:clrMapOvr>
+  <p:transition spd="slow"/>
+</p:sld>
+</file>
+
+<file path=ppt/slides/slide22.xml><?xml version="1.0" encoding="utf-8"?>
+<p:sld xmlns:a="http://schemas.openxmlformats.org/drawingml/2006/main" xmlns:r="http://schemas.openxmlformats.org/officeDocument/2006/relationships" xmlns:p="http://schemas.openxmlformats.org/presentationml/2006/main">
+  <p:cSld>
+    <p:spTree>
+      <p:nvGrpSpPr>
+        <p:cNvPr id="1" name=""/>
+        <p:cNvGrpSpPr/>
+        <p:nvPr/>
+      </p:nvGrpSpPr>
+      <p:grpSpPr>
+        <a:xfrm>
+          <a:off x="0" y="0"/>
+          <a:ext cx="0" cy="0"/>
+          <a:chOff x="0" y="0"/>
+          <a:chExt cx="0" cy="0"/>
+        </a:xfrm>
+      </p:grpSpPr>
+      <p:sp>
+        <p:nvSpPr>
+          <p:cNvPr id="2" name="Titel 1"/>
+          <p:cNvSpPr>
+            <a:spLocks noGrp="1"/>
+          </p:cNvSpPr>
+          <p:nvPr>
+            <p:ph type="title"/>
+          </p:nvPr>
+        </p:nvSpPr>
+        <p:spPr/>
+        <p:txBody>
+          <a:bodyPr/>
+          <a:lstStyle/>
+          <a:p>
+            <a:r>
+              <a:rPr lang="de-DE" dirty="0" smtClean="0"/>
+              <a:t>CYCLON: </a:t>
+            </a:r>
+            <a:r>
+              <a:rPr lang="de-DE" dirty="0" err="1" smtClean="0"/>
+              <a:t>Ingradverteilung</a:t>
+            </a:r>
+            <a:endParaRPr lang="de-DE" dirty="0"/>
+          </a:p>
+        </p:txBody>
+      </p:sp>
+      <p:sp>
+        <p:nvSpPr>
+          <p:cNvPr id="3" name="Inhaltsplatzhalter 2"/>
+          <p:cNvSpPr>
+            <a:spLocks noGrp="1"/>
+          </p:cNvSpPr>
+          <p:nvPr>
+            <p:ph idx="1"/>
+          </p:nvPr>
+        </p:nvSpPr>
+        <p:spPr/>
+        <p:txBody>
+          <a:bodyPr/>
+          <a:lstStyle/>
+          <a:p>
+            <a:pPr lvl="1">
+              <a:lnSpc>
+                <a:spcPct val="100000"/>
+              </a:lnSpc>
+              <a:buNone/>
+            </a:pPr>
+            <a:endParaRPr lang="de-DE" sz="2400" b="1" dirty="0" smtClean="0"/>
+          </a:p>
+          <a:p>
+            <a:pPr lvl="1">
+              <a:lnSpc>
+                <a:spcPct val="100000"/>
+              </a:lnSpc>
+              <a:buNone/>
+            </a:pPr>
+            <a:r>
+              <a:rPr lang="de-DE" sz="2400" b="1" dirty="0" err="1" smtClean="0"/>
+              <a:t>Ausgrad</a:t>
+            </a:r>
+            <a:r>
+              <a:rPr lang="de-DE" sz="2400" dirty="0" smtClean="0"/>
+              <a:t> </a:t>
+            </a:r>
+          </a:p>
+          <a:p>
+            <a:pPr lvl="1">
+              <a:lnSpc>
+                <a:spcPct val="100000"/>
+              </a:lnSpc>
+              <a:buNone/>
+            </a:pPr>
+            <a:r>
+              <a:rPr lang="de-DE" sz="2400" dirty="0" smtClean="0"/>
+              <a:t>	</a:t>
+            </a:r>
+            <a:r>
+              <a:rPr lang="de-DE" sz="2400" dirty="0" smtClean="0"/>
+              <a:t>Nachbarn eines Knoten</a:t>
+            </a:r>
+          </a:p>
+          <a:p>
+            <a:pPr lvl="2">
+              <a:lnSpc>
+                <a:spcPct val="200000"/>
+              </a:lnSpc>
+              <a:buFont typeface="Arial" pitchFamily="34" charset="0"/>
+              <a:buChar char="•"/>
+            </a:pPr>
+            <a:r>
+              <a:rPr lang="de-DE" sz="2400" dirty="0" err="1" smtClean="0"/>
+              <a:t>Ausgrad</a:t>
+            </a:r>
+            <a:r>
+              <a:rPr lang="de-DE" sz="2400" dirty="0" smtClean="0"/>
+              <a:t> ist durch Cachegröße gegeben</a:t>
+            </a:r>
+          </a:p>
+          <a:p>
+            <a:pPr lvl="1">
+              <a:lnSpc>
+                <a:spcPct val="100000"/>
+              </a:lnSpc>
+              <a:buNone/>
+            </a:pPr>
+            <a:endParaRPr lang="de-DE" sz="2400" b="1" dirty="0" smtClean="0"/>
+          </a:p>
+          <a:p>
+            <a:pPr lvl="1">
+              <a:lnSpc>
+                <a:spcPct val="100000"/>
+              </a:lnSpc>
+              <a:buNone/>
+            </a:pPr>
+            <a:r>
+              <a:rPr lang="de-DE" sz="2400" b="1" dirty="0" err="1" smtClean="0"/>
+              <a:t>Ingrad</a:t>
+            </a:r>
+            <a:r>
+              <a:rPr lang="de-DE" sz="2400" dirty="0" smtClean="0"/>
+              <a:t> </a:t>
+            </a:r>
+          </a:p>
+          <a:p>
+            <a:pPr lvl="1">
+              <a:lnSpc>
+                <a:spcPct val="100000"/>
+              </a:lnSpc>
+              <a:buNone/>
+            </a:pPr>
+            <a:r>
+              <a:rPr lang="de-DE" sz="2400" dirty="0" smtClean="0"/>
+              <a:t>	</a:t>
+            </a:r>
+            <a:r>
+              <a:rPr lang="de-DE" sz="2400" dirty="0" smtClean="0"/>
+              <a:t>Nachbarn die den Knoten kennen</a:t>
+            </a:r>
+          </a:p>
+          <a:p>
+            <a:pPr lvl="2">
+              <a:lnSpc>
+                <a:spcPct val="200000"/>
+              </a:lnSpc>
+              <a:buFont typeface="Arial" pitchFamily="34" charset="0"/>
+              <a:buChar char="•"/>
+            </a:pPr>
+            <a:r>
+              <a:rPr lang="de-DE" sz="2400" dirty="0" smtClean="0"/>
+              <a:t>Ideal ist </a:t>
+            </a:r>
+            <a:r>
+              <a:rPr lang="de-DE" sz="2400" dirty="0" err="1" smtClean="0"/>
+              <a:t>gleichmässige</a:t>
+            </a:r>
+            <a:r>
+              <a:rPr lang="de-DE" sz="2400" dirty="0" smtClean="0"/>
+              <a:t> Verteilung des </a:t>
+            </a:r>
+            <a:r>
+              <a:rPr lang="de-DE" sz="2400" dirty="0" err="1" smtClean="0"/>
+              <a:t>Ingrad</a:t>
+            </a:r>
+            <a:r>
+              <a:rPr lang="de-DE" sz="2400" dirty="0" smtClean="0"/>
+              <a:t> </a:t>
+            </a:r>
+          </a:p>
+          <a:p>
+            <a:pPr lvl="1">
+              <a:buFont typeface="Arial" pitchFamily="34" charset="0"/>
+              <a:buChar char="•"/>
+            </a:pPr>
+            <a:endParaRPr lang="de-DE" sz="2400" dirty="0"/>
+          </a:p>
+        </p:txBody>
+      </p:sp>
+      <p:sp>
+        <p:nvSpPr>
+          <p:cNvPr id="4" name="Fußzeilenplatzhalter 3"/>
+          <p:cNvSpPr>
+            <a:spLocks noGrp="1"/>
+          </p:cNvSpPr>
+          <p:nvPr>
+            <p:ph type="ftr" sz="quarter" idx="10"/>
+          </p:nvPr>
+        </p:nvSpPr>
+        <p:spPr/>
+        <p:txBody>
+          <a:bodyPr/>
+          <a:lstStyle/>
+          <a:p>
+            <a:r>
+              <a:rPr lang="de-DE" smtClean="0"/>
+              <a:t>Gossip und CYCLON, 13.06.2013</a:t>
+            </a:r>
+            <a:endParaRPr lang="de-DE"/>
+          </a:p>
+        </p:txBody>
+      </p:sp>
+    </p:spTree>
+  </p:cSld>
+  <p:clrMapOvr>
+    <a:masterClrMapping/>
+  </p:clrMapOvr>
+  <p:transition spd="slow"/>
+</p:sld>
+</file>
+
+<file path=ppt/slides/slide23.xml><?xml version="1.0" encoding="utf-8"?>
+<p:sld xmlns:a="http://schemas.openxmlformats.org/drawingml/2006/main" xmlns:r="http://schemas.openxmlformats.org/officeDocument/2006/relationships" xmlns:p="http://schemas.openxmlformats.org/presentationml/2006/main">
+  <p:cSld>
+    <p:spTree>
+      <p:nvGrpSpPr>
+        <p:cNvPr id="1" name=""/>
+        <p:cNvGrpSpPr/>
+        <p:nvPr/>
+      </p:nvGrpSpPr>
+      <p:grpSpPr>
+        <a:xfrm>
+          <a:off x="0" y="0"/>
+          <a:ext cx="0" cy="0"/>
+          <a:chOff x="0" y="0"/>
+          <a:chExt cx="0" cy="0"/>
+        </a:xfrm>
+      </p:grpSpPr>
+      <p:sp>
+        <p:nvSpPr>
+          <p:cNvPr id="2" name="Titel 1"/>
+          <p:cNvSpPr>
+            <a:spLocks noGrp="1"/>
+          </p:cNvSpPr>
+          <p:nvPr>
+            <p:ph type="title"/>
+          </p:nvPr>
+        </p:nvSpPr>
+        <p:spPr/>
+        <p:txBody>
+          <a:bodyPr/>
+          <a:lstStyle/>
+          <a:p>
+            <a:r>
+              <a:rPr lang="de-DE" dirty="0" smtClean="0"/>
+              <a:t>CYCLON: Robustheit</a:t>
+            </a:r>
+            <a:endParaRPr lang="de-DE" dirty="0"/>
+          </a:p>
+        </p:txBody>
+      </p:sp>
+      <p:pic>
+        <p:nvPicPr>
+          <p:cNvPr id="7" name="Inhaltsplatzhalter 6" descr="selfhealing.png"/>
+          <p:cNvPicPr>
+            <a:picLocks noGrp="1" noChangeAspect="1"/>
+          </p:cNvPicPr>
+          <p:nvPr>
+            <p:ph sz="half" idx="1"/>
+          </p:nvPr>
+        </p:nvPicPr>
+        <p:blipFill>
+          <a:blip r:embed="rId2" cstate="print"/>
+          <a:stretch>
+            <a:fillRect/>
+          </a:stretch>
+        </p:blipFill>
+        <p:spPr>
+          <a:xfrm>
+            <a:off x="441589" y="1625277"/>
+            <a:ext cx="8226851" cy="3561859"/>
+          </a:xfrm>
+        </p:spPr>
+      </p:pic>
+      <p:sp>
+        <p:nvSpPr>
+          <p:cNvPr id="6" name="Inhaltsplatzhalter 5"/>
+          <p:cNvSpPr>
+            <a:spLocks noGrp="1"/>
+          </p:cNvSpPr>
+          <p:nvPr>
+            <p:ph sz="half" idx="2"/>
+          </p:nvPr>
+        </p:nvSpPr>
+        <p:spPr>
+          <a:xfrm>
+            <a:off x="257696" y="5178830"/>
+            <a:ext cx="8635480" cy="1137834"/>
+          </a:xfrm>
+        </p:spPr>
+        <p:txBody>
+          <a:bodyPr/>
+          <a:lstStyle/>
+          <a:p>
+            <a:pPr lvl="1">
+              <a:buFont typeface="Arial" pitchFamily="34" charset="0"/>
+              <a:buChar char="•"/>
+            </a:pPr>
+            <a:r>
+              <a:rPr lang="de-DE" dirty="0" smtClean="0"/>
+              <a:t>100.000 Knoten</a:t>
+            </a:r>
+          </a:p>
+          <a:p>
+            <a:pPr lvl="1">
+              <a:buFont typeface="Arial" pitchFamily="34" charset="0"/>
+              <a:buChar char="•"/>
+            </a:pPr>
+            <a:r>
+              <a:rPr lang="de-DE" dirty="0" smtClean="0"/>
+              <a:t>80% der Knoten können entfernt werden bevor Partitionierung einsetzt</a:t>
+            </a:r>
+            <a:endParaRPr lang="de-DE" dirty="0"/>
+          </a:p>
+        </p:txBody>
+      </p:sp>
+      <p:sp>
+        <p:nvSpPr>
+          <p:cNvPr id="4" name="Fußzeilenplatzhalter 3"/>
+          <p:cNvSpPr>
+            <a:spLocks noGrp="1"/>
+          </p:cNvSpPr>
+          <p:nvPr>
+            <p:ph type="ftr" sz="quarter" idx="10"/>
+          </p:nvPr>
+        </p:nvSpPr>
+        <p:spPr/>
+        <p:txBody>
+          <a:bodyPr/>
+          <a:lstStyle/>
+          <a:p>
+            <a:r>
+              <a:rPr lang="de-DE" smtClean="0"/>
+              <a:t>Gossip und CYCLON, 13.06.2013</a:t>
+            </a:r>
+            <a:endParaRPr lang="de-DE"/>
+          </a:p>
+        </p:txBody>
+      </p:sp>
+    </p:spTree>
+  </p:cSld>
+  <p:clrMapOvr>
+    <a:masterClrMapping/>
+  </p:clrMapOvr>
+  <p:transition spd="slow"/>
+</p:sld>
+</file>
+
+<file path=ppt/slides/slide24.xml><?xml version="1.0" encoding="utf-8"?>
+<p:sld xmlns:a="http://schemas.openxmlformats.org/drawingml/2006/main" xmlns:r="http://schemas.openxmlformats.org/officeDocument/2006/relationships" xmlns:p="http://schemas.openxmlformats.org/presentationml/2006/main">
+  <p:cSld>
+    <p:spTree>
+      <p:nvGrpSpPr>
+        <p:cNvPr id="1" name=""/>
+        <p:cNvGrpSpPr/>
+        <p:nvPr/>
+      </p:nvGrpSpPr>
+      <p:grpSpPr>
+        <a:xfrm>
+          <a:off x="0" y="0"/>
+          <a:ext cx="0" cy="0"/>
+          <a:chOff x="0" y="0"/>
+          <a:chExt cx="0" cy="0"/>
+        </a:xfrm>
+      </p:grpSpPr>
+      <p:sp>
+        <p:nvSpPr>
+          <p:cNvPr id="2" name="Titel 1"/>
+          <p:cNvSpPr>
+            <a:spLocks noGrp="1"/>
+          </p:cNvSpPr>
+          <p:nvPr>
+            <p:ph type="title"/>
+          </p:nvPr>
+        </p:nvSpPr>
+        <p:spPr/>
+        <p:txBody>
+          <a:bodyPr/>
+          <a:lstStyle/>
+          <a:p>
+            <a:r>
+              <a:rPr lang="de-DE" dirty="0" smtClean="0"/>
+              <a:t>CYCLON: Selbstheilung</a:t>
+            </a:r>
+            <a:endParaRPr lang="de-DE" dirty="0"/>
+          </a:p>
+        </p:txBody>
+      </p:sp>
+      <p:pic>
+        <p:nvPicPr>
+          <p:cNvPr id="6" name="Inhaltsplatzhalter 5" descr="dead_remember.png"/>
+          <p:cNvPicPr>
+            <a:picLocks noGrp="1" noChangeAspect="1"/>
+          </p:cNvPicPr>
+          <p:nvPr>
+            <p:ph sz="half" idx="1"/>
+          </p:nvPr>
+        </p:nvPicPr>
+        <p:blipFill>
+          <a:blip r:embed="rId2" cstate="print"/>
+          <a:stretch>
+            <a:fillRect/>
+          </a:stretch>
+        </p:blipFill>
+        <p:spPr>
+          <a:xfrm>
+            <a:off x="2038062" y="1544564"/>
+            <a:ext cx="4806799" cy="3443072"/>
+          </a:xfrm>
+        </p:spPr>
+      </p:pic>
+      <p:sp>
+        <p:nvSpPr>
+          <p:cNvPr id="4" name="Inhaltsplatzhalter 3"/>
+          <p:cNvSpPr>
+            <a:spLocks noGrp="1"/>
+          </p:cNvSpPr>
+          <p:nvPr>
+            <p:ph sz="half" idx="2"/>
+          </p:nvPr>
+        </p:nvSpPr>
+        <p:spPr>
+          <a:xfrm>
+            <a:off x="249382" y="5020887"/>
+            <a:ext cx="8643793" cy="1295776"/>
+          </a:xfrm>
+        </p:spPr>
+        <p:txBody>
+          <a:bodyPr/>
+          <a:lstStyle/>
+          <a:p>
+            <a:pPr>
+              <a:lnSpc>
+                <a:spcPct val="150000"/>
+              </a:lnSpc>
+              <a:buFont typeface="Arial" pitchFamily="34" charset="0"/>
+              <a:buChar char="•"/>
+            </a:pPr>
+            <a:r>
+              <a:rPr lang="de-DE" sz="2400" dirty="0" smtClean="0"/>
+              <a:t> Anzahl Zyklen bis </a:t>
+            </a:r>
+            <a:r>
+              <a:rPr lang="de-DE" sz="2400" dirty="0" err="1" smtClean="0"/>
+              <a:t>Deadlink</a:t>
+            </a:r>
+            <a:r>
+              <a:rPr lang="de-DE" sz="2400" dirty="0" smtClean="0"/>
+              <a:t> aus Netzwerk verschwindet</a:t>
+            </a:r>
+          </a:p>
+          <a:p>
+            <a:pPr>
+              <a:lnSpc>
+                <a:spcPct val="150000"/>
+              </a:lnSpc>
+              <a:buFont typeface="Arial" pitchFamily="34" charset="0"/>
+              <a:buChar char="•"/>
+            </a:pPr>
+            <a:r>
+              <a:rPr lang="de-DE" sz="2400" dirty="0" smtClean="0"/>
+              <a:t> </a:t>
+            </a:r>
+            <a:r>
+              <a:rPr lang="de-DE" sz="2400" dirty="0" err="1" smtClean="0"/>
+              <a:t>enhanced</a:t>
+            </a:r>
+            <a:r>
+              <a:rPr lang="de-DE" sz="2400" dirty="0" smtClean="0"/>
+              <a:t> deutlich besser als </a:t>
+            </a:r>
+            <a:r>
+              <a:rPr lang="de-DE" sz="2400" dirty="0" err="1" smtClean="0"/>
+              <a:t>basic</a:t>
+            </a:r>
+            <a:endParaRPr lang="de-DE" sz="2400" dirty="0"/>
+          </a:p>
+        </p:txBody>
+      </p:sp>
+      <p:sp>
+        <p:nvSpPr>
+          <p:cNvPr id="5" name="Fußzeilenplatzhalter 4"/>
+          <p:cNvSpPr>
+            <a:spLocks noGrp="1"/>
+          </p:cNvSpPr>
+          <p:nvPr>
+            <p:ph type="ftr" sz="quarter" idx="10"/>
+          </p:nvPr>
+        </p:nvSpPr>
+        <p:spPr/>
+        <p:txBody>
+          <a:bodyPr/>
+          <a:lstStyle/>
+          <a:p>
+            <a:r>
+              <a:rPr lang="de-DE" smtClean="0"/>
+              <a:t>Gossip und CYCLON, 13.06.2013</a:t>
+            </a:r>
+            <a:endParaRPr lang="de-DE"/>
+          </a:p>
+        </p:txBody>
+      </p:sp>
+    </p:spTree>
+  </p:cSld>
+  <p:clrMapOvr>
+    <a:masterClrMapping/>
+  </p:clrMapOvr>
+  <p:transition spd="slow"/>
+</p:sld>
+</file>
+
+<file path=ppt/slides/slide25.xml><?xml version="1.0" encoding="utf-8"?>
+<p:sld xmlns:a="http://schemas.openxmlformats.org/drawingml/2006/main" xmlns:r="http://schemas.openxmlformats.org/officeDocument/2006/relationships" xmlns:p="http://schemas.openxmlformats.org/presentationml/2006/main">
+  <p:cSld>
+    <p:spTree>
+      <p:nvGrpSpPr>
+        <p:cNvPr id="1" name=""/>
+        <p:cNvGrpSpPr/>
+        <p:nvPr/>
+      </p:nvGrpSpPr>
+      <p:grpSpPr>
+        <a:xfrm>
+          <a:off x="0" y="0"/>
+          <a:ext cx="0" cy="0"/>
+          <a:chOff x="0" y="0"/>
+          <a:chExt cx="0" cy="0"/>
+        </a:xfrm>
+      </p:grpSpPr>
+      <p:sp>
+        <p:nvSpPr>
+          <p:cNvPr id="2" name="Titel 1"/>
+          <p:cNvSpPr>
+            <a:spLocks noGrp="1"/>
+          </p:cNvSpPr>
+          <p:nvPr>
+            <p:ph type="title"/>
+          </p:nvPr>
+        </p:nvSpPr>
+        <p:spPr/>
+        <p:txBody>
+          <a:bodyPr/>
+          <a:lstStyle/>
+          <a:p>
+            <a:r>
+              <a:rPr lang="de-DE" dirty="0" smtClean="0"/>
+              <a:t>CYCLON: Fazit</a:t>
+            </a:r>
+            <a:endParaRPr lang="de-DE" dirty="0"/>
+          </a:p>
+        </p:txBody>
+      </p:sp>
+      <p:sp>
+        <p:nvSpPr>
+          <p:cNvPr id="3" name="Inhaltsplatzhalter 2"/>
+          <p:cNvSpPr>
+            <a:spLocks noGrp="1"/>
+          </p:cNvSpPr>
+          <p:nvPr>
+            <p:ph sz="half" idx="1"/>
+          </p:nvPr>
+        </p:nvSpPr>
+        <p:spPr>
+          <a:xfrm>
+            <a:off x="250825" y="1808163"/>
+            <a:ext cx="8635480" cy="4508500"/>
+          </a:xfrm>
+        </p:spPr>
+        <p:txBody>
+          <a:bodyPr/>
+          <a:lstStyle/>
+          <a:p>
+            <a:endParaRPr lang="de-DE" dirty="0" smtClean="0"/>
+          </a:p>
+          <a:p>
+            <a:endParaRPr lang="de-DE" dirty="0" smtClean="0"/>
+          </a:p>
+          <a:p>
+            <a:r>
+              <a:rPr lang="de-DE" dirty="0" smtClean="0"/>
+              <a:t>Dargestellte Eigenschaften(Robustheit, </a:t>
+            </a:r>
+            <a:r>
+              <a:rPr lang="de-DE" dirty="0" err="1" smtClean="0"/>
+              <a:t>Ingradverteilung</a:t>
+            </a:r>
+            <a:r>
+              <a:rPr lang="de-DE" dirty="0" smtClean="0"/>
+              <a:t>, kurze durchschnittliche kürzeste Wege) sind E. des Gesamtsystems. CYCLON schafft es diese dezentral, mit minimalen Aufwand und ausschließlich lokaler Sicht sehr gut zu approximieren.</a:t>
+            </a:r>
+            <a:endParaRPr lang="de-DE" dirty="0"/>
+          </a:p>
+        </p:txBody>
+      </p:sp>
+      <p:sp>
+        <p:nvSpPr>
+          <p:cNvPr id="5" name="Fußzeilenplatzhalter 4"/>
+          <p:cNvSpPr>
+            <a:spLocks noGrp="1"/>
+          </p:cNvSpPr>
+          <p:nvPr>
+            <p:ph type="ftr" sz="quarter" idx="10"/>
+          </p:nvPr>
+        </p:nvSpPr>
+        <p:spPr/>
+        <p:txBody>
+          <a:bodyPr/>
+          <a:lstStyle/>
+          <a:p>
+            <a:r>
+              <a:rPr lang="de-DE" smtClean="0"/>
+              <a:t>Gossip und CYCLON, 13.06.2013</a:t>
+            </a:r>
+            <a:endParaRPr lang="de-DE"/>
+          </a:p>
+        </p:txBody>
+      </p:sp>
+    </p:spTree>
+  </p:cSld>
+  <p:clrMapOvr>
+    <a:masterClrMapping/>
+  </p:clrMapOvr>
+  <p:transition spd="slow"/>
+</p:sld>
+</file>
+
+<file path=ppt/slides/slide26.xml><?xml version="1.0" encoding="utf-8"?>
+<p:sld xmlns:a="http://schemas.openxmlformats.org/drawingml/2006/main" xmlns:r="http://schemas.openxmlformats.org/officeDocument/2006/relationships" xmlns:p="http://schemas.openxmlformats.org/presentationml/2006/main">
+  <p:cSld>
+    <p:spTree>
+      <p:nvGrpSpPr>
+        <p:cNvPr id="1" name=""/>
+        <p:cNvGrpSpPr/>
+        <p:nvPr/>
+      </p:nvGrpSpPr>
+      <p:grpSpPr>
+        <a:xfrm>
+          <a:off x="0" y="0"/>
+          <a:ext cx="0" cy="0"/>
+          <a:chOff x="0" y="0"/>
+          <a:chExt cx="0" cy="0"/>
+        </a:xfrm>
+      </p:grpSpPr>
+      <p:sp>
+        <p:nvSpPr>
+          <p:cNvPr id="2" name="Titel 1"/>
+          <p:cNvSpPr>
+            <a:spLocks noGrp="1"/>
+          </p:cNvSpPr>
+          <p:nvPr>
+            <p:ph type="title"/>
+          </p:nvPr>
+        </p:nvSpPr>
+        <p:spPr/>
+        <p:txBody>
+          <a:bodyPr/>
+          <a:lstStyle/>
+          <a:p>
+            <a:r>
+              <a:rPr lang="de-DE" dirty="0" smtClean="0"/>
+              <a:t>Quellen</a:t>
+            </a:r>
+            <a:endParaRPr lang="de-DE" dirty="0"/>
+          </a:p>
+        </p:txBody>
+      </p:sp>
+      <p:sp>
+        <p:nvSpPr>
+          <p:cNvPr id="3" name="Inhaltsplatzhalter 2"/>
+          <p:cNvSpPr>
+            <a:spLocks noGrp="1"/>
+          </p:cNvSpPr>
+          <p:nvPr>
+            <p:ph idx="1"/>
+          </p:nvPr>
+        </p:nvSpPr>
+        <p:spPr/>
+        <p:txBody>
+          <a:bodyPr/>
+          <a:lstStyle/>
+          <a:p>
+            <a:pPr lvl="1">
+              <a:buFont typeface="Arial" pitchFamily="34" charset="0"/>
+              <a:buChar char="•"/>
+            </a:pPr>
+            <a:r>
+              <a:rPr lang="de-DE" dirty="0" smtClean="0"/>
+              <a:t>Spyros </a:t>
+            </a:r>
+            <a:r>
+              <a:rPr lang="de-DE" dirty="0" err="1" smtClean="0"/>
+              <a:t>Voulgaris</a:t>
+            </a:r>
+            <a:r>
+              <a:rPr lang="de-DE" dirty="0" smtClean="0"/>
+              <a:t>, Daniela </a:t>
+            </a:r>
+            <a:r>
+              <a:rPr lang="de-DE" dirty="0" err="1" smtClean="0"/>
+              <a:t>Gavidia</a:t>
+            </a:r>
+            <a:r>
+              <a:rPr lang="de-DE" dirty="0" smtClean="0"/>
+              <a:t>, Maarten van Steen, </a:t>
+            </a:r>
+            <a:r>
+              <a:rPr lang="de-DE" b="1" dirty="0" smtClean="0"/>
+              <a:t>CYCLON: </a:t>
+            </a:r>
+            <a:r>
+              <a:rPr lang="de-DE" b="1" dirty="0" err="1" smtClean="0"/>
+              <a:t>Inexpensive</a:t>
+            </a:r>
+            <a:r>
+              <a:rPr lang="de-DE" b="1" dirty="0" smtClean="0"/>
+              <a:t> Membership Management </a:t>
+            </a:r>
+            <a:r>
+              <a:rPr lang="de-DE" b="1" dirty="0" err="1" smtClean="0"/>
+              <a:t>for</a:t>
+            </a:r>
+            <a:r>
+              <a:rPr lang="de-DE" b="1" dirty="0" smtClean="0"/>
+              <a:t> </a:t>
+            </a:r>
+            <a:r>
+              <a:rPr lang="de-DE" b="1" dirty="0" err="1" smtClean="0"/>
+              <a:t>Unstructured</a:t>
+            </a:r>
+            <a:r>
+              <a:rPr lang="de-DE" b="1" dirty="0" smtClean="0"/>
+              <a:t> P2P </a:t>
+            </a:r>
+            <a:r>
+              <a:rPr lang="de-DE" b="1" dirty="0" err="1" smtClean="0"/>
+              <a:t>Overlays</a:t>
+            </a:r>
+            <a:r>
+              <a:rPr lang="de-DE" dirty="0" smtClean="0"/>
+              <a:t>. </a:t>
+            </a:r>
+            <a:r>
+              <a:rPr lang="en-US" dirty="0" smtClean="0"/>
+              <a:t>Journal of Network and Systems Management, Vol. 13, No. 2, June 2005</a:t>
+            </a:r>
+          </a:p>
+          <a:p>
+            <a:pPr lvl="1">
+              <a:buFont typeface="Arial" pitchFamily="34" charset="0"/>
+              <a:buChar char="•"/>
+            </a:pPr>
+            <a:r>
+              <a:rPr lang="de-DE" dirty="0" smtClean="0"/>
+              <a:t>Anne-Marie </a:t>
+            </a:r>
+            <a:r>
+              <a:rPr lang="de-DE" dirty="0" err="1" smtClean="0"/>
+              <a:t>Kermarrec</a:t>
+            </a:r>
+            <a:r>
+              <a:rPr lang="de-DE" dirty="0" smtClean="0"/>
+              <a:t>, Maarten van Steen, </a:t>
+            </a:r>
+            <a:r>
+              <a:rPr lang="de-DE" b="1" dirty="0" err="1" smtClean="0"/>
+              <a:t>Gossiping</a:t>
+            </a:r>
+            <a:r>
+              <a:rPr lang="de-DE" b="1" dirty="0" smtClean="0"/>
+              <a:t> in Distributed Systems. </a:t>
+            </a:r>
+            <a:r>
+              <a:rPr lang="en-US" dirty="0" smtClean="0"/>
+              <a:t>ACM SIGOPS Operating Systems Review - Gossip-based computer networking, Volume 41 Issue 5, October 2007</a:t>
+            </a:r>
+            <a:endParaRPr lang="de-DE" dirty="0"/>
+          </a:p>
+        </p:txBody>
+      </p:sp>
+      <p:sp>
+        <p:nvSpPr>
+          <p:cNvPr id="4" name="Fußzeilenplatzhalter 3"/>
+          <p:cNvSpPr>
+            <a:spLocks noGrp="1"/>
+          </p:cNvSpPr>
+          <p:nvPr>
+            <p:ph type="ftr" sz="quarter" idx="10"/>
+          </p:nvPr>
+        </p:nvSpPr>
+        <p:spPr/>
+        <p:txBody>
+          <a:bodyPr/>
+          <a:lstStyle/>
+          <a:p>
+            <a:r>
+              <a:rPr lang="de-DE" smtClean="0"/>
+              <a:t>Gossip und CYCLON, 13.06.2013</a:t>
+            </a:r>
+            <a:endParaRPr lang="de-DE"/>
           </a:p>
         </p:txBody>
       </p:sp>
@@ -5025,12 +6955,12 @@
               <a:t>historisch zur Sicherung der Konsistenz </a:t>
             </a:r>
             <a:r>
-              <a:rPr lang="de-DE" sz="2400" dirty="0" err="1" smtClean="0"/>
-              <a:t>verteiler</a:t>
-            </a:r>
-            <a:r>
-              <a:rPr lang="de-DE" sz="2400" dirty="0" smtClean="0"/>
-              <a:t> Datenbanken</a:t>
+              <a:rPr lang="de-DE" sz="2400" dirty="0" smtClean="0"/>
+              <a:t>verteilter </a:t>
+            </a:r>
+            <a:r>
+              <a:rPr lang="de-DE" sz="2400" dirty="0" smtClean="0"/>
+              <a:t>Datenbanken</a:t>
             </a:r>
             <a:endParaRPr lang="de-DE" sz="2400" dirty="0"/>
           </a:p>
@@ -5307,7 +7237,7 @@
           <a:p>
             <a:pPr lvl="1">
               <a:lnSpc>
-                <a:spcPct val="100000"/>
+                <a:spcPct val="150000"/>
               </a:lnSpc>
               <a:buFont typeface="Arial" pitchFamily="34" charset="0"/>
               <a:buChar char="•"/>
@@ -5320,7 +7250,7 @@
           <a:p>
             <a:pPr lvl="1">
               <a:lnSpc>
-                <a:spcPct val="100000"/>
+                <a:spcPct val="150000"/>
               </a:lnSpc>
               <a:buFont typeface="Arial" pitchFamily="34" charset="0"/>
               <a:buChar char="•"/>
@@ -5333,7 +7263,7 @@
           <a:p>
             <a:pPr lvl="1">
               <a:lnSpc>
-                <a:spcPct val="100000"/>
+                <a:spcPct val="150000"/>
               </a:lnSpc>
               <a:buFont typeface="Arial" pitchFamily="34" charset="0"/>
               <a:buChar char="•"/>
@@ -5466,11 +7396,7 @@
             </a:pPr>
             <a:r>
               <a:rPr lang="de-DE" sz="2400" dirty="0" smtClean="0"/>
-              <a:t>Peers </a:t>
-            </a:r>
-            <a:r>
-              <a:rPr lang="de-DE" sz="2400" dirty="0" smtClean="0"/>
-              <a:t>entscheiden, welche Daten sie austauschen</a:t>
+              <a:t>Peers entscheiden, welche Daten sie austauschen</a:t>
             </a:r>
           </a:p>
           <a:p>
@@ -5506,23 +7432,7 @@
                   <a:srgbClr val="003366"/>
                 </a:solidFill>
               </a:rPr>
-              <a:t> </a:t>
-            </a:r>
-            <a:r>
-              <a:rPr lang="de-DE" sz="3000" b="1" dirty="0" smtClean="0">
-                <a:solidFill>
-                  <a:srgbClr val="003366"/>
-                </a:solidFill>
-              </a:rPr>
-              <a:t>Struktur: </a:t>
-            </a:r>
-            <a:r>
-              <a:rPr lang="de-DE" sz="3000" b="1" dirty="0" smtClean="0">
-                <a:solidFill>
-                  <a:srgbClr val="003366"/>
-                </a:solidFill>
-              </a:rPr>
-              <a:t>Datenaustausch</a:t>
+              <a:t> Struktur: Datenaustausch</a:t>
             </a:r>
             <a:endParaRPr lang="de-DE" sz="3000" dirty="0" smtClean="0"/>
           </a:p>
@@ -5616,7 +7526,7 @@
             </a:r>
             <a:r>
               <a:rPr lang="de-DE" dirty="0" smtClean="0"/>
-              <a:t>Verteilung</a:t>
+              <a:t>Verteilung 1/2</a:t>
             </a:r>
             <a:endParaRPr lang="de-DE" dirty="0"/>
           </a:p>
@@ -5659,11 +7569,7 @@
             </a:pPr>
             <a:r>
               <a:rPr lang="de-DE" sz="2400" dirty="0" smtClean="0"/>
-              <a:t>Jeder </a:t>
-            </a:r>
-            <a:r>
-              <a:rPr lang="de-DE" sz="2400" dirty="0" smtClean="0"/>
-              <a:t>Knoten hat lokalen Cache, in welchem die Nachrichten/Datensätze abgelegt werden</a:t>
+              <a:t>Jeder Knoten hat lokalen Cache, in welchem die Nachrichten/Datensätze abgelegt werden</a:t>
             </a:r>
           </a:p>
           <a:p>
@@ -5673,10 +7579,7 @@
               </a:lnSpc>
               <a:buNone/>
             </a:pPr>
-            <a:r>
-              <a:rPr lang="de-DE" sz="2400" dirty="0" smtClean="0"/>
-              <a:t>Peerauswahl: Zufällige Auswahl einer bestimmten Anzahl von Kommunikationspartnern</a:t>
-            </a:r>
+            <a:endParaRPr lang="de-DE" sz="2400" b="1" dirty="0" smtClean="0"/>
           </a:p>
           <a:p>
             <a:pPr lvl="1">
@@ -5686,8 +7589,23 @@
               <a:buNone/>
             </a:pPr>
             <a:r>
-              <a:rPr lang="de-DE" sz="2400" dirty="0" smtClean="0"/>
-              <a:t>Datenaustausch: Eine Nachricht aus dem lokalen Cache eines Peers in den lokalen Cache eines anderen Peers kopiert</a:t>
+              <a:rPr lang="de-DE" sz="2400" b="1" dirty="0" smtClean="0"/>
+              <a:t>Peerauswahl</a:t>
+            </a:r>
+            <a:r>
+              <a:rPr lang="de-DE" sz="2400" dirty="0" smtClean="0"/>
+              <a:t/>
+            </a:r>
+            <a:br>
+              <a:rPr lang="de-DE" sz="2400" dirty="0" smtClean="0"/>
+            </a:br>
+            <a:r>
+              <a:rPr lang="de-DE" sz="2400" dirty="0" smtClean="0"/>
+              <a:t>Zufällige </a:t>
+            </a:r>
+            <a:r>
+              <a:rPr lang="de-DE" sz="2400" dirty="0" smtClean="0"/>
+              <a:t>Auswahl einer bestimmten Anzahl von Kommunikationspartnern</a:t>
             </a:r>
           </a:p>
           <a:p>
@@ -5698,36 +7616,29 @@
               <a:buNone/>
             </a:pPr>
             <a:r>
-              <a:rPr lang="de-DE" sz="2400" dirty="0" smtClean="0"/>
-              <a:t>Datenverarbeitung: Eventuell Weiterleitung neuer Nachrichten an höhere Schichten, Löschung veralteter Nachrichten</a:t>
-            </a:r>
-          </a:p>
-          <a:p>
-            <a:pPr lvl="1">
-              <a:lnSpc>
-                <a:spcPct val="100000"/>
-              </a:lnSpc>
-              <a:buFont typeface="Arial" pitchFamily="34" charset="0"/>
-              <a:buChar char="•"/>
-            </a:pPr>
-            <a:r>
-              <a:rPr lang="de-DE" sz="2400" dirty="0" smtClean="0"/>
-              <a:t>- push/pull/hybrid Modus</a:t>
-            </a:r>
-          </a:p>
-          <a:p>
-            <a:pPr lvl="1">
-              <a:lnSpc>
-                <a:spcPct val="100000"/>
-              </a:lnSpc>
-              <a:buFont typeface="Arial" pitchFamily="34" charset="0"/>
-              <a:buChar char="•"/>
-            </a:pPr>
-            <a:r>
-              <a:rPr lang="de-DE" sz="2400" dirty="0" smtClean="0"/>
-              <a:t>- Durchschnittliche Verbreitungsgeschwindigkeit: O(log N) mit N = Anzahl der Knoten</a:t>
-            </a:r>
-            <a:endParaRPr lang="de-DE" sz="2400" dirty="0"/>
+              <a:rPr lang="de-DE" sz="2400" b="1" dirty="0" smtClean="0"/>
+              <a:t>Datenaustausch</a:t>
+            </a:r>
+            <a:r>
+              <a:rPr lang="de-DE" sz="2400" dirty="0" smtClean="0"/>
+              <a:t> </a:t>
+            </a:r>
+            <a:br>
+              <a:rPr lang="de-DE" sz="2400" dirty="0" smtClean="0"/>
+            </a:br>
+            <a:r>
+              <a:rPr lang="de-DE" sz="2400" dirty="0" smtClean="0"/>
+              <a:t>Eine </a:t>
+            </a:r>
+            <a:r>
+              <a:rPr lang="de-DE" sz="2400" dirty="0" smtClean="0"/>
+              <a:t>Nachricht aus dem lokalen Cache eines Peers in den lokalen Cache eines anderen Peers </a:t>
+            </a:r>
+            <a:r>
+              <a:rPr lang="de-DE" sz="2400" dirty="0" smtClean="0"/>
+              <a:t>kopiert</a:t>
+            </a:r>
+            <a:endParaRPr lang="de-DE" sz="2400" dirty="0" smtClean="0"/>
           </a:p>
         </p:txBody>
       </p:sp>
@@ -5808,11 +7719,11 @@
             </a:r>
             <a:r>
               <a:rPr lang="de-DE" dirty="0" smtClean="0"/>
-              <a:t> Anwendung: </a:t>
+              <a:t> Anwendung: Verteilung </a:t>
             </a:r>
             <a:r>
               <a:rPr lang="de-DE" dirty="0" smtClean="0"/>
-              <a:t>Partnerfindung</a:t>
+              <a:t>2/2</a:t>
             </a:r>
             <a:endParaRPr lang="de-DE" dirty="0"/>
           </a:p>
@@ -5835,123 +7746,66 @@
           <a:p>
             <a:pPr lvl="1">
               <a:lnSpc>
-                <a:spcPct val="150000"/>
+                <a:spcPct val="100000"/>
+              </a:lnSpc>
+              <a:buNone/>
+            </a:pPr>
+            <a:r>
+              <a:rPr lang="de-DE" sz="2400" b="1" dirty="0" smtClean="0"/>
+              <a:t>Datenverarbeitung</a:t>
+            </a:r>
+            <a:r>
+              <a:rPr lang="de-DE" sz="2400" dirty="0" smtClean="0"/>
+              <a:t> </a:t>
+            </a:r>
+            <a:br>
+              <a:rPr lang="de-DE" sz="2400" dirty="0" smtClean="0"/>
+            </a:br>
+            <a:r>
+              <a:rPr lang="de-DE" sz="2400" dirty="0" smtClean="0"/>
+              <a:t>Eventuell </a:t>
+            </a:r>
+            <a:r>
+              <a:rPr lang="de-DE" sz="2400" dirty="0" smtClean="0"/>
+              <a:t>Weiterleitung neuer Nachrichten an höhere Schichten, Löschung veralteter Nachrichten</a:t>
+            </a:r>
+          </a:p>
+          <a:p>
+            <a:pPr lvl="1">
+              <a:lnSpc>
+                <a:spcPct val="200000"/>
               </a:lnSpc>
               <a:buFont typeface="Arial" pitchFamily="34" charset="0"/>
               <a:buChar char="•"/>
             </a:pPr>
             <a:r>
               <a:rPr lang="de-DE" sz="2400" dirty="0" smtClean="0"/>
-              <a:t>Peerauswahl: Austauschpartner werden zufällig aus einem lokalen Cache (Nachbarliste) ausgewählt</a:t>
+              <a:t>push/pull/hybrid </a:t>
+            </a:r>
+            <a:r>
+              <a:rPr lang="de-DE" sz="2400" dirty="0" smtClean="0"/>
+              <a:t>Modus</a:t>
             </a:r>
           </a:p>
           <a:p>
             <a:pPr lvl="1">
               <a:lnSpc>
-                <a:spcPct val="150000"/>
+                <a:spcPct val="100000"/>
               </a:lnSpc>
               <a:buFont typeface="Arial" pitchFamily="34" charset="0"/>
               <a:buChar char="•"/>
             </a:pPr>
             <a:r>
               <a:rPr lang="de-DE" sz="2400" dirty="0" smtClean="0"/>
-              <a:t>Datenaustausch: Weitergabe der lokalen Liste</a:t>
-            </a:r>
-          </a:p>
-          <a:p>
-            <a:pPr lvl="1">
-              <a:lnSpc>
-                <a:spcPct val="150000"/>
-              </a:lnSpc>
-              <a:buFont typeface="Arial" pitchFamily="34" charset="0"/>
-              <a:buChar char="•"/>
-            </a:pPr>
-            <a:r>
-              <a:rPr lang="de-DE" sz="2400" dirty="0" smtClean="0"/>
-              <a:t>Datenverarbeitung: Empfangene Nachbarlisten werden in lokale Liste eingefügt</a:t>
-            </a:r>
-          </a:p>
-          <a:p>
-            <a:pPr lvl="1">
-              <a:lnSpc>
-                <a:spcPct val="150000"/>
-              </a:lnSpc>
-              <a:buFont typeface="Arial" pitchFamily="34" charset="0"/>
-              <a:buChar char="•"/>
-            </a:pPr>
-            <a:r>
-              <a:rPr lang="de-DE" sz="2400" dirty="0" smtClean="0"/>
-              <a:t>Grundlage </a:t>
-            </a:r>
-            <a:r>
-              <a:rPr lang="de-DE" sz="2400" dirty="0" smtClean="0"/>
-              <a:t>für viele andere </a:t>
-            </a:r>
-            <a:r>
-              <a:rPr lang="de-DE" sz="2400" dirty="0" err="1" smtClean="0"/>
-              <a:t>Gossipingsysteme</a:t>
-            </a:r>
-            <a:endParaRPr lang="de-DE" sz="2400" dirty="0" smtClean="0"/>
-          </a:p>
-          <a:p>
-            <a:pPr lvl="1">
-              <a:lnSpc>
-                <a:spcPct val="150000"/>
-              </a:lnSpc>
-              <a:buFont typeface="Arial" pitchFamily="34" charset="0"/>
-              <a:buChar char="•"/>
-            </a:pPr>
-            <a:r>
-              <a:rPr lang="de-DE" sz="2400" dirty="0" smtClean="0"/>
-              <a:t>Anzahl </a:t>
-            </a:r>
-            <a:r>
-              <a:rPr lang="de-DE" sz="2400" dirty="0" smtClean="0"/>
-              <a:t>übernommener Nachrichten ausschlaggebend für </a:t>
-            </a:r>
-            <a:r>
-              <a:rPr lang="de-DE" sz="2400" dirty="0" err="1" smtClean="0"/>
-              <a:t>Diversität</a:t>
-            </a:r>
-            <a:r>
-              <a:rPr lang="de-DE" sz="2400" dirty="0" smtClean="0"/>
-              <a:t> des lokalen Cache</a:t>
-            </a:r>
-          </a:p>
-          <a:p>
-            <a:pPr lvl="1">
-              <a:lnSpc>
-                <a:spcPct val="150000"/>
-              </a:lnSpc>
-              <a:buFont typeface="Arial" pitchFamily="34" charset="0"/>
-              <a:buChar char="•"/>
-            </a:pPr>
-            <a:r>
-              <a:rPr lang="de-DE" sz="2400" dirty="0" smtClean="0"/>
-              <a:t>In </a:t>
-            </a:r>
-            <a:r>
-              <a:rPr lang="de-DE" sz="2400" dirty="0" smtClean="0"/>
-              <a:t>dynamischen Netzwerken Mechanismus zur Löschung veralteter(inaktiver) Knoten notwendig</a:t>
-            </a:r>
-          </a:p>
-          <a:p>
-            <a:pPr lvl="1">
-              <a:lnSpc>
-                <a:spcPct val="150000"/>
-              </a:lnSpc>
-              <a:buFont typeface="Arial" pitchFamily="34" charset="0"/>
-              <a:buChar char="•"/>
-            </a:pPr>
-            <a:r>
-              <a:rPr lang="de-DE" sz="2400" dirty="0" smtClean="0"/>
-              <a:t>Annahme </a:t>
-            </a:r>
-            <a:r>
-              <a:rPr lang="de-DE" sz="2400" dirty="0" smtClean="0"/>
-              <a:t>eines homogen strukturierten zugrundeliegenden Netzes</a:t>
-            </a:r>
-            <a:endParaRPr lang="de-DE" sz="2400" dirty="0"/>
+              <a:t>Durchschnittliche </a:t>
+            </a:r>
+            <a:r>
+              <a:rPr lang="de-DE" sz="2400" dirty="0" smtClean="0"/>
+              <a:t>Verbreitungsgeschwindigkeit: O(log N) mit N = Anzahl der Knoten</a:t>
+            </a:r>
+          </a:p>
+          <a:p>
+            <a:endParaRPr lang="de-DE" dirty="0"/>
           </a:p>
         </p:txBody>
       </p:sp>
@@ -5971,14 +7825,10 @@
           <a:lstStyle/>
           <a:p>
             <a:r>
-              <a:rPr lang="de-DE" dirty="0" err="1" smtClean="0"/>
-              <a:t>Gossip</a:t>
-            </a:r>
-            <a:r>
-              <a:rPr lang="de-DE" dirty="0" smtClean="0"/>
-              <a:t> und CYCLON, 13.06.2013</a:t>
-            </a:r>
-            <a:endParaRPr lang="de-DE" dirty="0"/>
+              <a:rPr lang="de-DE" smtClean="0"/>
+              <a:t>Gossip und CYCLON, 13.06.2013</a:t>
+            </a:r>
+            <a:endParaRPr lang="de-DE"/>
           </a:p>
         </p:txBody>
       </p:sp>
@@ -5988,13 +7838,6 @@
     <a:masterClrMapping/>
   </p:clrMapOvr>
   <p:transition spd="slow"/>
-  <p:timing>
-    <p:tnLst>
-      <p:par>
-        <p:cTn id="1" dur="indefinite" restart="never" nodeType="tmRoot"/>
-      </p:par>
-    </p:tnLst>
-  </p:timing>
 </p:sld>
 </file>
 
@@ -6036,7 +7879,11 @@
             </a:r>
             <a:r>
               <a:rPr lang="de-DE" dirty="0" smtClean="0"/>
-              <a:t> Anwendung: Topologie Konstruktion </a:t>
+              <a:t> Anwendung: </a:t>
+            </a:r>
+            <a:r>
+              <a:rPr lang="de-DE" dirty="0" smtClean="0"/>
+              <a:t>Partnerfindung 1/2</a:t>
             </a:r>
             <a:endParaRPr lang="de-DE" dirty="0"/>
           </a:p>
@@ -6057,82 +7904,142 @@
           <a:bodyPr/>
           <a:lstStyle/>
           <a:p>
+            <a:pPr lvl="1">
+              <a:lnSpc>
+                <a:spcPct val="100000"/>
+              </a:lnSpc>
+              <a:buNone/>
+            </a:pPr>
+            <a:r>
+              <a:rPr lang="de-DE" sz="2400" b="1" dirty="0" smtClean="0"/>
+              <a:t>Peerauswahl</a:t>
+            </a:r>
+          </a:p>
+          <a:p>
+            <a:pPr lvl="1">
+              <a:lnSpc>
+                <a:spcPct val="100000"/>
+              </a:lnSpc>
+              <a:buNone/>
+            </a:pPr>
+            <a:r>
+              <a:rPr lang="de-DE" sz="2400" dirty="0" smtClean="0"/>
+              <a:t>	</a:t>
+            </a:r>
+            <a:r>
+              <a:rPr lang="de-DE" sz="2400" dirty="0" smtClean="0"/>
+              <a:t>Austauschpartner </a:t>
+            </a:r>
+            <a:r>
+              <a:rPr lang="de-DE" sz="2400" dirty="0" smtClean="0"/>
+              <a:t>werden zufällig aus </a:t>
+            </a:r>
+            <a:r>
+              <a:rPr lang="de-DE" sz="2400" dirty="0" smtClean="0"/>
+              <a:t>einem</a:t>
+            </a:r>
+            <a:br>
+              <a:rPr lang="de-DE" sz="2400" dirty="0" smtClean="0"/>
+            </a:br>
+            <a:r>
+              <a:rPr lang="de-DE" sz="2400" dirty="0" smtClean="0"/>
+              <a:t>lokalen </a:t>
+            </a:r>
+            <a:r>
+              <a:rPr lang="de-DE" sz="2400" dirty="0" smtClean="0"/>
+              <a:t>Cache (Nachbarliste) ausgewählt</a:t>
+            </a:r>
+          </a:p>
+          <a:p>
+            <a:pPr lvl="1">
+              <a:lnSpc>
+                <a:spcPct val="100000"/>
+              </a:lnSpc>
+              <a:buNone/>
+            </a:pPr>
+            <a:r>
+              <a:rPr lang="de-DE" sz="2400" b="1" dirty="0" smtClean="0"/>
+              <a:t>Datenaustausch </a:t>
+            </a:r>
+          </a:p>
+          <a:p>
+            <a:pPr lvl="1">
+              <a:lnSpc>
+                <a:spcPct val="100000"/>
+              </a:lnSpc>
+              <a:buNone/>
+            </a:pPr>
+            <a:r>
+              <a:rPr lang="de-DE" sz="2400" dirty="0" smtClean="0"/>
+              <a:t>	</a:t>
+            </a:r>
+            <a:r>
+              <a:rPr lang="de-DE" sz="2400" dirty="0" smtClean="0"/>
+              <a:t>Weitergabe </a:t>
+            </a:r>
+            <a:r>
+              <a:rPr lang="de-DE" sz="2400" dirty="0" smtClean="0"/>
+              <a:t>der lokalen Liste</a:t>
+            </a:r>
+          </a:p>
+          <a:p>
+            <a:pPr lvl="1">
+              <a:lnSpc>
+                <a:spcPct val="100000"/>
+              </a:lnSpc>
+              <a:buNone/>
+            </a:pPr>
+            <a:r>
+              <a:rPr lang="de-DE" sz="2400" b="1" dirty="0" smtClean="0"/>
+              <a:t>Datenverarbeitung</a:t>
+            </a:r>
+            <a:r>
+              <a:rPr lang="de-DE" sz="2400" dirty="0" smtClean="0"/>
+              <a:t> </a:t>
+            </a:r>
+            <a:br>
+              <a:rPr lang="de-DE" sz="2400" dirty="0" smtClean="0"/>
+            </a:br>
+            <a:r>
+              <a:rPr lang="de-DE" sz="2400" dirty="0" smtClean="0"/>
+              <a:t>Empfangene </a:t>
+            </a:r>
+            <a:r>
+              <a:rPr lang="de-DE" sz="2400" dirty="0" smtClean="0"/>
+              <a:t>Nachbarlisten werden in lokale Liste </a:t>
+            </a:r>
+            <a:r>
+              <a:rPr lang="de-DE" sz="2400" dirty="0" smtClean="0"/>
+              <a:t>eingefügt</a:t>
+            </a:r>
+            <a:endParaRPr lang="de-DE" sz="2400" dirty="0" smtClean="0"/>
+          </a:p>
+        </p:txBody>
+      </p:sp>
+      <p:sp>
+        <p:nvSpPr>
+          <p:cNvPr id="4" name="Fußzeilenplatzhalter 3"/>
+          <p:cNvSpPr>
+            <a:spLocks noGrp="1"/>
+          </p:cNvSpPr>
+          <p:nvPr>
+            <p:ph type="ftr" sz="quarter" idx="10"/>
+          </p:nvPr>
+        </p:nvSpPr>
+        <p:spPr/>
+        <p:txBody>
+          <a:bodyPr/>
+          <a:lstStyle/>
+          <a:p>
+            <a:r>
+              <a:rPr lang="de-DE" dirty="0" err="1" smtClean="0"/>
+              <a:t>Gossip</a:t>
+            </a:r>
             <a:r>
               <a:rPr lang="de-DE" dirty="0" smtClean="0"/>
-              <a:t>- Manchmal striktere Kontrolle über </a:t>
-            </a:r>
-            <a:r>
-              <a:rPr lang="de-DE" dirty="0" err="1" smtClean="0"/>
-              <a:t>Overlay</a:t>
-            </a:r>
-            <a:r>
-              <a:rPr lang="de-DE" dirty="0" smtClean="0"/>
-              <a:t>-Netzkonstruktion notwendig</a:t>
-            </a:r>
-          </a:p>
-          <a:p>
-            <a:r>
-              <a:rPr lang="de-DE" dirty="0" smtClean="0"/>
-              <a:t>- Jeder Peer hat nur partielle Sicht auf das Gesamtsystem</a:t>
-            </a:r>
-          </a:p>
-          <a:p>
-            <a:r>
-              <a:rPr lang="de-DE" dirty="0" smtClean="0"/>
-              <a:t>- Einführung einer Bewertungsfunktion für Nachbarn</a:t>
-            </a:r>
-          </a:p>
-          <a:p>
-            <a:r>
-              <a:rPr lang="de-DE" dirty="0" smtClean="0"/>
-              <a:t>Peerauswahl: Zufällige Auswahl aus dem lokalen Cache</a:t>
-            </a:r>
-          </a:p>
-          <a:p>
-            <a:r>
-              <a:rPr lang="de-DE" dirty="0" smtClean="0"/>
-              <a:t>Datenaustausch: Listen von Peers</a:t>
-            </a:r>
-          </a:p>
-          <a:p>
-            <a:r>
-              <a:rPr lang="de-DE" dirty="0" smtClean="0"/>
-              <a:t>Datenverarbeitung: Einfügen der empfangenen Liste in den lokalen Cache und Bewertung der neuen Peers (evtl. Löschung von </a:t>
-            </a:r>
-            <a:r>
-              <a:rPr lang="de-DE" dirty="0" smtClean="0"/>
-              <a:t>Peers)</a:t>
-            </a:r>
-          </a:p>
-          <a:p>
-            <a:r>
-              <a:rPr lang="de-DE" dirty="0" smtClean="0"/>
-              <a:t>- Bewertungsfunktionen: Anbindungsgeschwindigkeit, Verfügbarkeit, ID-abhängige Kriterien (z.B. Ringkonstruktion)</a:t>
+              <a:t> und CYCLON, 13.06.2013</a:t>
             </a:r>
             <a:endParaRPr lang="de-DE" dirty="0"/>
-          </a:p>
-        </p:txBody>
-      </p:sp>
-      <p:sp>
-        <p:nvSpPr>
-          <p:cNvPr id="4" name="Fußzeilenplatzhalter 3"/>
-          <p:cNvSpPr>
-            <a:spLocks noGrp="1"/>
-          </p:cNvSpPr>
-          <p:nvPr>
-            <p:ph type="ftr" sz="quarter" idx="10"/>
-          </p:nvPr>
-        </p:nvSpPr>
-        <p:spPr/>
-        <p:txBody>
-          <a:bodyPr/>
-          <a:lstStyle/>
-          <a:p>
-            <a:r>
-              <a:rPr lang="de-DE" smtClean="0"/>
-              <a:t>Gossip und CYCLON, 13.06.2013</a:t>
-            </a:r>
-            <a:endParaRPr lang="de-DE"/>
           </a:p>
         </p:txBody>
       </p:sp>

--- a/Vortrag/[MASTER] Präsentation.pptx
+++ b/Vortrag/[MASTER] Präsentation.pptx
@@ -5,10 +5,10 @@
     <p:sldMasterId id="2147483678" r:id="rId1"/>
   </p:sldMasterIdLst>
   <p:notesMasterIdLst>
-    <p:notesMasterId r:id="rId28"/>
+    <p:notesMasterId r:id="rId29"/>
   </p:notesMasterIdLst>
   <p:handoutMasterIdLst>
-    <p:handoutMasterId r:id="rId29"/>
+    <p:handoutMasterId r:id="rId30"/>
   </p:handoutMasterIdLst>
   <p:sldIdLst>
     <p:sldId id="256" r:id="rId2"/>
@@ -22,21 +22,22 @@
     <p:sldId id="263" r:id="rId10"/>
     <p:sldId id="279" r:id="rId11"/>
     <p:sldId id="264" r:id="rId12"/>
-    <p:sldId id="265" r:id="rId13"/>
-    <p:sldId id="266" r:id="rId14"/>
-    <p:sldId id="267" r:id="rId15"/>
-    <p:sldId id="270" r:id="rId16"/>
-    <p:sldId id="259" r:id="rId17"/>
-    <p:sldId id="271" r:id="rId18"/>
-    <p:sldId id="272" r:id="rId19"/>
-    <p:sldId id="273" r:id="rId20"/>
-    <p:sldId id="274" r:id="rId21"/>
-    <p:sldId id="275" r:id="rId22"/>
-    <p:sldId id="276" r:id="rId23"/>
-    <p:sldId id="277" r:id="rId24"/>
-    <p:sldId id="281" r:id="rId25"/>
-    <p:sldId id="280" r:id="rId26"/>
-    <p:sldId id="260" r:id="rId27"/>
+    <p:sldId id="282" r:id="rId13"/>
+    <p:sldId id="265" r:id="rId14"/>
+    <p:sldId id="266" r:id="rId15"/>
+    <p:sldId id="267" r:id="rId16"/>
+    <p:sldId id="270" r:id="rId17"/>
+    <p:sldId id="259" r:id="rId18"/>
+    <p:sldId id="271" r:id="rId19"/>
+    <p:sldId id="272" r:id="rId20"/>
+    <p:sldId id="273" r:id="rId21"/>
+    <p:sldId id="274" r:id="rId22"/>
+    <p:sldId id="275" r:id="rId23"/>
+    <p:sldId id="276" r:id="rId24"/>
+    <p:sldId id="277" r:id="rId25"/>
+    <p:sldId id="281" r:id="rId26"/>
+    <p:sldId id="280" r:id="rId27"/>
+    <p:sldId id="260" r:id="rId28"/>
   </p:sldIdLst>
   <p:sldSz cx="9144000" cy="6858000" type="screen4x3"/>
   <p:notesSz cx="7099300" cy="10234613"/>
@@ -4012,11 +4013,7 @@
             </a:r>
             <a:r>
               <a:rPr lang="de-DE" dirty="0" smtClean="0"/>
-              <a:t> Anwendung: Partnerfindung </a:t>
-            </a:r>
-            <a:r>
-              <a:rPr lang="de-DE" dirty="0" smtClean="0"/>
-              <a:t>2/2</a:t>
+              <a:t> Anwendung: Partnerfindung 2/2</a:t>
             </a:r>
             <a:endParaRPr lang="de-DE" dirty="0"/>
           </a:p>
@@ -4135,6 +4132,13 @@
     <a:masterClrMapping/>
   </p:clrMapOvr>
   <p:transition spd="slow"/>
+  <p:timing>
+    <p:tnLst>
+      <p:par>
+        <p:cTn id="1" dur="indefinite" restart="never" nodeType="tmRoot"/>
+      </p:par>
+    </p:tnLst>
+  </p:timing>
 </p:sld>
 </file>
 
@@ -4197,9 +4201,17 @@
           <a:bodyPr/>
           <a:lstStyle/>
           <a:p>
-            <a:r>
-              <a:rPr lang="de-DE" sz="2400" dirty="0" smtClean="0"/>
-              <a:t>- Manchmal striktere Kontrolle über </a:t>
+            <a:pPr lvl="1">
+              <a:buFont typeface="Arial" pitchFamily="34" charset="0"/>
+              <a:buChar char="•"/>
+            </a:pPr>
+            <a:r>
+              <a:rPr lang="de-DE" sz="2400" dirty="0" smtClean="0"/>
+              <a:t>Manchmal </a:t>
+            </a:r>
+            <a:r>
+              <a:rPr lang="de-DE" sz="2400" dirty="0" smtClean="0"/>
+              <a:t>striktere Kontrolle über </a:t>
             </a:r>
             <a:r>
               <a:rPr lang="de-DE" sz="2400" dirty="0" err="1" smtClean="0"/>
@@ -4207,45 +4219,85 @@
             </a:r>
             <a:r>
               <a:rPr lang="de-DE" sz="2400" dirty="0" smtClean="0"/>
-              <a:t>-Netzkonstruktion notwendig</a:t>
-            </a:r>
-          </a:p>
-          <a:p>
-            <a:r>
-              <a:rPr lang="de-DE" sz="2400" dirty="0" smtClean="0"/>
-              <a:t>- Jeder Peer hat nur partielle Sicht auf das Gesamtsystem</a:t>
-            </a:r>
-          </a:p>
-          <a:p>
-            <a:r>
-              <a:rPr lang="de-DE" sz="2400" dirty="0" smtClean="0"/>
-              <a:t>- Einführung einer Bewertungsfunktion für Nachbarn</a:t>
-            </a:r>
-          </a:p>
-          <a:p>
-            <a:r>
-              <a:rPr lang="de-DE" sz="2400" dirty="0" smtClean="0"/>
-              <a:t>Peerauswahl: Zufällige Auswahl aus dem lokalen Cache</a:t>
-            </a:r>
-          </a:p>
-          <a:p>
-            <a:r>
-              <a:rPr lang="de-DE" sz="2400" dirty="0" smtClean="0"/>
-              <a:t>Datenaustausch: Listen von Peers</a:t>
-            </a:r>
-          </a:p>
-          <a:p>
-            <a:r>
-              <a:rPr lang="de-DE" sz="2400" dirty="0" smtClean="0"/>
-              <a:t>Datenverarbeitung: Einfügen der empfangenen Liste in den lokalen Cache und Bewertung der neuen Peers (evtl. Löschung von Peers)</a:t>
-            </a:r>
-          </a:p>
-          <a:p>
-            <a:r>
-              <a:rPr lang="de-DE" sz="2400" dirty="0" smtClean="0"/>
-              <a:t>- Bewertungsfunktionen: Anbindungsgeschwindigkeit, Verfügbarkeit, ID-abhängige Kriterien (z.B. Ringkonstruktion)</a:t>
-            </a:r>
-            <a:endParaRPr lang="de-DE" sz="2400" dirty="0"/>
+              <a:t>-Netzkonstruktion </a:t>
+            </a:r>
+            <a:r>
+              <a:rPr lang="de-DE" sz="2400" dirty="0" smtClean="0"/>
+              <a:t>notwendig</a:t>
+            </a:r>
+          </a:p>
+          <a:p>
+            <a:r>
+              <a:rPr lang="de-DE" sz="2400" b="1" dirty="0" smtClean="0"/>
+              <a:t>Peerauswahl</a:t>
+            </a:r>
+          </a:p>
+          <a:p>
+            <a:r>
+              <a:rPr lang="de-DE" sz="2400" dirty="0" smtClean="0"/>
+              <a:t>	</a:t>
+            </a:r>
+            <a:r>
+              <a:rPr lang="de-DE" sz="2400" dirty="0" smtClean="0"/>
+              <a:t>Zufällige </a:t>
+            </a:r>
+            <a:r>
+              <a:rPr lang="de-DE" sz="2400" dirty="0" smtClean="0"/>
+              <a:t>Auswahl aus dem lokalen Cache</a:t>
+            </a:r>
+          </a:p>
+          <a:p>
+            <a:r>
+              <a:rPr lang="de-DE" sz="2400" b="1" dirty="0" smtClean="0"/>
+              <a:t>Datenaustausch</a:t>
+            </a:r>
+          </a:p>
+          <a:p>
+            <a:r>
+              <a:rPr lang="de-DE" sz="2400" dirty="0" smtClean="0"/>
+              <a:t>	</a:t>
+            </a:r>
+            <a:r>
+              <a:rPr lang="de-DE" sz="2400" dirty="0" smtClean="0"/>
+              <a:t>Listen </a:t>
+            </a:r>
+            <a:r>
+              <a:rPr lang="de-DE" sz="2400" dirty="0" smtClean="0"/>
+              <a:t>von Peers</a:t>
+            </a:r>
+          </a:p>
+          <a:p>
+            <a:r>
+              <a:rPr lang="de-DE" sz="2400" b="1" dirty="0" smtClean="0"/>
+              <a:t>Datenverarbeitung</a:t>
+            </a:r>
+          </a:p>
+          <a:p>
+            <a:r>
+              <a:rPr lang="de-DE" sz="2400" dirty="0" smtClean="0"/>
+              <a:t>	</a:t>
+            </a:r>
+            <a:r>
+              <a:rPr lang="de-DE" sz="2400" dirty="0" smtClean="0"/>
+              <a:t>Einfügen </a:t>
+            </a:r>
+            <a:r>
+              <a:rPr lang="de-DE" sz="2400" dirty="0" smtClean="0"/>
+              <a:t>der empfangenen Liste in den lokalen Cache </a:t>
+            </a:r>
+            <a:r>
+              <a:rPr lang="de-DE" sz="2400" dirty="0" smtClean="0"/>
+              <a:t>	und </a:t>
+            </a:r>
+            <a:r>
+              <a:rPr lang="de-DE" sz="2400" dirty="0" smtClean="0"/>
+              <a:t>Bewertung der neuen Peers (evtl. Löschung von </a:t>
+            </a:r>
+            <a:r>
+              <a:rPr lang="de-DE" sz="2400" dirty="0" smtClean="0"/>
+              <a:t>	Peers)</a:t>
+            </a:r>
+            <a:endParaRPr lang="de-DE" sz="2400" dirty="0" smtClean="0"/>
           </a:p>
         </p:txBody>
       </p:sp>
@@ -4326,64 +4378,92 @@
             </a:r>
             <a:r>
               <a:rPr lang="de-DE" dirty="0" smtClean="0"/>
-              <a:t> Anwendung: </a:t>
-            </a:r>
-            <a:r>
-              <a:rPr lang="de-DE" dirty="0" err="1" smtClean="0"/>
-              <a:t>Resourcenverwaltung</a:t>
+              <a:t> Anwendung: Topologie </a:t>
             </a:r>
             <a:r>
               <a:rPr lang="de-DE" dirty="0" smtClean="0"/>
+              <a:t>Konstruktion</a:t>
+            </a:r>
+            <a:endParaRPr lang="de-DE" dirty="0"/>
+          </a:p>
+        </p:txBody>
+      </p:sp>
+      <p:sp>
+        <p:nvSpPr>
+          <p:cNvPr id="3" name="Inhaltsplatzhalter 2"/>
+          <p:cNvSpPr>
+            <a:spLocks noGrp="1"/>
+          </p:cNvSpPr>
+          <p:nvPr>
+            <p:ph idx="1"/>
+          </p:nvPr>
+        </p:nvSpPr>
+        <p:spPr/>
+        <p:txBody>
+          <a:bodyPr/>
+          <a:lstStyle/>
+          <a:p>
+            <a:pPr>
+              <a:lnSpc>
+                <a:spcPct val="200000"/>
+              </a:lnSpc>
+              <a:buFont typeface="Arial" pitchFamily="34" charset="0"/>
+              <a:buChar char="•"/>
+            </a:pPr>
+            <a:r>
+              <a:rPr lang="de-DE" sz="2400" dirty="0" smtClean="0"/>
+              <a:t> Jeder </a:t>
+            </a:r>
+            <a:r>
+              <a:rPr lang="de-DE" sz="2400" dirty="0" smtClean="0"/>
+              <a:t>Peer hat nur partielle Sicht auf das Gesamtsystem</a:t>
+            </a:r>
+          </a:p>
+          <a:p>
+            <a:pPr>
+              <a:lnSpc>
+                <a:spcPct val="200000"/>
+              </a:lnSpc>
+              <a:buFont typeface="Arial" pitchFamily="34" charset="0"/>
+              <a:buChar char="•"/>
+            </a:pPr>
+            <a:r>
+              <a:rPr lang="de-DE" sz="2400" dirty="0" smtClean="0"/>
               <a:t> </a:t>
             </a:r>
-            <a:endParaRPr lang="de-DE" dirty="0"/>
-          </a:p>
-        </p:txBody>
-      </p:sp>
-      <p:sp>
-        <p:nvSpPr>
-          <p:cNvPr id="3" name="Inhaltsplatzhalter 2"/>
-          <p:cNvSpPr>
-            <a:spLocks noGrp="1"/>
-          </p:cNvSpPr>
-          <p:nvPr>
-            <p:ph idx="1"/>
-          </p:nvPr>
-        </p:nvSpPr>
-        <p:spPr/>
-        <p:txBody>
-          <a:bodyPr/>
-          <a:lstStyle/>
-          <a:p>
-            <a:r>
-              <a:rPr lang="de-DE" dirty="0" smtClean="0"/>
-              <a:t>Peerauswahl: Zufällige Auswahl aus dem lokalen Cache</a:t>
-            </a:r>
-          </a:p>
-          <a:p>
-            <a:r>
-              <a:rPr lang="de-DE" dirty="0" smtClean="0"/>
-              <a:t>Datenaustausch: Statusinformationen über benachbarte Peers</a:t>
-            </a:r>
-          </a:p>
-          <a:p>
-            <a:r>
-              <a:rPr lang="de-DE" dirty="0" smtClean="0"/>
-              <a:t>Datenverarbeitung: Updaten des lokalen Cache mit neuen Statusinformationen</a:t>
-            </a:r>
-          </a:p>
-          <a:p>
-            <a:r>
-              <a:rPr lang="de-DE" dirty="0" smtClean="0"/>
-              <a:t>- Fehlererkennung</a:t>
-            </a:r>
-          </a:p>
-          <a:p>
-            <a:r>
-              <a:rPr lang="de-DE" dirty="0" smtClean="0"/>
-              <a:t>- Verwerfen von Statusinformationen fehlerhafter Peers</a:t>
-            </a:r>
-            <a:endParaRPr lang="de-DE" dirty="0"/>
+            <a:r>
+              <a:rPr lang="de-DE" sz="2400" dirty="0" smtClean="0"/>
+              <a:t>Einführung einer Bewertungsfunktion für </a:t>
+            </a:r>
+            <a:r>
+              <a:rPr lang="de-DE" sz="2400" dirty="0" smtClean="0"/>
+              <a:t>Nachbarn</a:t>
+            </a:r>
+            <a:endParaRPr lang="de-DE" sz="2400" dirty="0" smtClean="0"/>
+          </a:p>
+          <a:p>
+            <a:pPr>
+              <a:lnSpc>
+                <a:spcPct val="200000"/>
+              </a:lnSpc>
+              <a:buFont typeface="Arial" pitchFamily="34" charset="0"/>
+              <a:buChar char="•"/>
+            </a:pPr>
+            <a:r>
+              <a:rPr lang="de-DE" sz="2400" dirty="0" smtClean="0"/>
+              <a:t> </a:t>
+            </a:r>
+            <a:r>
+              <a:rPr lang="de-DE" sz="2400" dirty="0" smtClean="0"/>
+              <a:t>Bewertungsfunktionen: Anbindungsgeschwindigkeit, Verfügbarkeit, ID-abhängige Kriterien (z.B. Ringkonstruktion)</a:t>
+            </a:r>
+          </a:p>
+          <a:p>
+            <a:pPr>
+              <a:buFont typeface="Arial" pitchFamily="34" charset="0"/>
+              <a:buChar char="•"/>
+            </a:pPr>
+            <a:endParaRPr lang="de-DE" sz="2400" dirty="0"/>
           </a:p>
         </p:txBody>
       </p:sp>
@@ -4468,7 +4548,11 @@
             </a:r>
             <a:r>
               <a:rPr lang="de-DE" dirty="0" err="1" smtClean="0"/>
-              <a:t>Berechnungsschlontz</a:t>
+              <a:t>Resourcenverwaltung</a:t>
+            </a:r>
+            <a:r>
+              <a:rPr lang="de-DE" dirty="0" smtClean="0"/>
+              <a:t> </a:t>
             </a:r>
             <a:endParaRPr lang="de-DE" dirty="0"/>
           </a:p>
@@ -4490,34 +4574,104 @@
           <a:lstStyle/>
           <a:p>
             <a:r>
-              <a:rPr lang="de-DE" dirty="0" smtClean="0"/>
-              <a:t>- Aggregationen wie Durchschnittsfindung, Extremwertbestimmung</a:t>
-            </a:r>
-          </a:p>
-          <a:p>
-            <a:r>
-              <a:rPr lang="de-DE" dirty="0" smtClean="0"/>
-              <a:t>- Einsatz z.B. in Sensornetzen</a:t>
-            </a:r>
-          </a:p>
-          <a:p>
-            <a:r>
-              <a:rPr lang="de-DE" dirty="0" smtClean="0"/>
-              <a:t>Peerauswahl: Zufällige Auswahl aus dem lokalen Cache</a:t>
-            </a:r>
-          </a:p>
-          <a:p>
-            <a:r>
-              <a:rPr lang="de-DE" dirty="0" smtClean="0"/>
-              <a:t>Datenaustausch: Anwendungsabhängiges Datum wird kopiert</a:t>
-            </a:r>
-          </a:p>
-          <a:p>
-            <a:r>
-              <a:rPr lang="de-DE" dirty="0" smtClean="0"/>
-              <a:t>Datenverarbeitung: Neues Datum wird aus dem empfangenen und dem lokalen Datum berechnet</a:t>
-            </a:r>
-            <a:endParaRPr lang="de-DE" dirty="0"/>
+              <a:rPr lang="de-DE" sz="2400" b="1" dirty="0" smtClean="0"/>
+              <a:t>Peerauswahl</a:t>
+            </a:r>
+          </a:p>
+          <a:p>
+            <a:r>
+              <a:rPr lang="de-DE" sz="2400" dirty="0" smtClean="0"/>
+              <a:t>	</a:t>
+            </a:r>
+            <a:r>
+              <a:rPr lang="de-DE" sz="2400" dirty="0" smtClean="0"/>
+              <a:t>Zufällige </a:t>
+            </a:r>
+            <a:r>
+              <a:rPr lang="de-DE" sz="2400" dirty="0" smtClean="0"/>
+              <a:t>Auswahl aus dem lokalen Cache</a:t>
+            </a:r>
+          </a:p>
+          <a:p>
+            <a:r>
+              <a:rPr lang="de-DE" sz="2400" b="1" dirty="0" smtClean="0"/>
+              <a:t>Datenaustausch</a:t>
+            </a:r>
+          </a:p>
+          <a:p>
+            <a:r>
+              <a:rPr lang="de-DE" sz="2400" dirty="0" smtClean="0"/>
+              <a:t>	</a:t>
+            </a:r>
+            <a:r>
+              <a:rPr lang="de-DE" sz="2400" dirty="0" smtClean="0"/>
+              <a:t>Statusinformationen </a:t>
+            </a:r>
+            <a:r>
+              <a:rPr lang="de-DE" sz="2400" dirty="0" smtClean="0"/>
+              <a:t>über benachbarte Peers</a:t>
+            </a:r>
+          </a:p>
+          <a:p>
+            <a:r>
+              <a:rPr lang="de-DE" sz="2400" b="1" dirty="0" smtClean="0"/>
+              <a:t>Datenverarbeitung</a:t>
+            </a:r>
+          </a:p>
+          <a:p>
+            <a:r>
+              <a:rPr lang="de-DE" sz="2400" dirty="0" smtClean="0"/>
+              <a:t>	</a:t>
+            </a:r>
+            <a:r>
+              <a:rPr lang="de-DE" sz="2400" dirty="0" smtClean="0"/>
+              <a:t>Updaten </a:t>
+            </a:r>
+            <a:r>
+              <a:rPr lang="de-DE" sz="2400" dirty="0" smtClean="0"/>
+              <a:t>des lokalen Cache mit </a:t>
+            </a:r>
+            <a:r>
+              <a:rPr lang="de-DE" sz="2400" dirty="0" smtClean="0"/>
+              <a:t>neuen 	Statusinformationen</a:t>
+            </a:r>
+            <a:endParaRPr lang="de-DE" sz="2400" dirty="0" smtClean="0"/>
+          </a:p>
+          <a:p>
+            <a:pPr lvl="1">
+              <a:buNone/>
+            </a:pPr>
+            <a:r>
+              <a:rPr lang="de-DE" sz="2400" dirty="0" smtClean="0"/>
+              <a:t> </a:t>
+            </a:r>
+            <a:endParaRPr lang="de-DE" sz="2400" dirty="0" smtClean="0"/>
+          </a:p>
+          <a:p>
+            <a:pPr lvl="1">
+              <a:buFont typeface="Arial" pitchFamily="34" charset="0"/>
+              <a:buChar char="•"/>
+            </a:pPr>
+            <a:r>
+              <a:rPr lang="de-DE" sz="2400" dirty="0" smtClean="0"/>
+              <a:t>Fehlererkennung</a:t>
+            </a:r>
+            <a:endParaRPr lang="de-DE" sz="2400" dirty="0" smtClean="0"/>
+          </a:p>
+          <a:p>
+            <a:pPr lvl="1">
+              <a:buFont typeface="Arial" pitchFamily="34" charset="0"/>
+              <a:buChar char="•"/>
+            </a:pPr>
+            <a:r>
+              <a:rPr lang="de-DE" sz="2400" dirty="0" smtClean="0"/>
+              <a:t> Verwerfen </a:t>
+            </a:r>
+            <a:r>
+              <a:rPr lang="de-DE" sz="2400" dirty="0" smtClean="0"/>
+              <a:t>von Statusinformationen fehlerhafter Peers</a:t>
+            </a:r>
+            <a:endParaRPr lang="de-DE" sz="2400" dirty="0"/>
           </a:p>
         </p:txBody>
       </p:sp>
@@ -4598,7 +4752,11 @@
             </a:r>
             <a:r>
               <a:rPr lang="de-DE" dirty="0" smtClean="0"/>
-              <a:t>: Fazit</a:t>
+              <a:t> Anwendung: </a:t>
+            </a:r>
+            <a:r>
+              <a:rPr lang="de-DE" dirty="0" err="1" smtClean="0"/>
+              <a:t>Berechnungsschlontz</a:t>
             </a:r>
             <a:endParaRPr lang="de-DE" dirty="0"/>
           </a:p>
@@ -4619,19 +4777,108 @@
           <a:bodyPr/>
           <a:lstStyle/>
           <a:p>
-            <a:r>
-              <a:rPr lang="de-DE" sz="5400" dirty="0" smtClean="0"/>
-              <a:t>DAS IST VOLL TOLL UND SO; ABER KEINER </a:t>
-            </a:r>
-            <a:r>
-              <a:rPr lang="de-DE" sz="5400" dirty="0" err="1" smtClean="0"/>
-              <a:t>WEIß</a:t>
-            </a:r>
-            <a:r>
-              <a:rPr lang="de-DE" sz="5400" dirty="0" smtClean="0"/>
-              <a:t> GENAU WAS ES IST; BITTE GEBT UNS GELD DAMIT WIR FORSCHEN KÖNNEN.</a:t>
-            </a:r>
-            <a:endParaRPr lang="de-DE" sz="5400" dirty="0"/>
+            <a:pPr lvl="1">
+              <a:buFont typeface="Arial" pitchFamily="34" charset="0"/>
+              <a:buChar char="•"/>
+            </a:pPr>
+            <a:r>
+              <a:rPr lang="de-DE" sz="2400" dirty="0" smtClean="0"/>
+              <a:t>Aggregationen </a:t>
+            </a:r>
+            <a:r>
+              <a:rPr lang="de-DE" sz="2400" dirty="0" smtClean="0"/>
+              <a:t>wie Durchschnittsfindung, Extremwertbestimmung</a:t>
+            </a:r>
+          </a:p>
+          <a:p>
+            <a:pPr lvl="1">
+              <a:buFont typeface="Arial" pitchFamily="34" charset="0"/>
+              <a:buChar char="•"/>
+            </a:pPr>
+            <a:r>
+              <a:rPr lang="de-DE" sz="2400" dirty="0" smtClean="0"/>
+              <a:t>Einsatz </a:t>
+            </a:r>
+            <a:r>
+              <a:rPr lang="de-DE" sz="2400" dirty="0" smtClean="0"/>
+              <a:t>z.B. in Sensornetzen</a:t>
+            </a:r>
+          </a:p>
+          <a:p>
+            <a:endParaRPr lang="de-DE" sz="2400" dirty="0" smtClean="0"/>
+          </a:p>
+          <a:p>
+            <a:r>
+              <a:rPr lang="de-DE" sz="2400" b="1" dirty="0" smtClean="0"/>
+              <a:t>Peerauswahl</a:t>
+            </a:r>
+          </a:p>
+          <a:p>
+            <a:r>
+              <a:rPr lang="de-DE" sz="2400" dirty="0" smtClean="0"/>
+              <a:t>	</a:t>
+            </a:r>
+            <a:r>
+              <a:rPr lang="de-DE" sz="2400" dirty="0" smtClean="0"/>
+              <a:t>Zufällige </a:t>
+            </a:r>
+            <a:r>
+              <a:rPr lang="de-DE" sz="2400" dirty="0" smtClean="0"/>
+              <a:t>Auswahl aus dem lokalen Cache</a:t>
+            </a:r>
+          </a:p>
+          <a:p>
+            <a:r>
+              <a:rPr lang="de-DE" sz="2400" b="1" dirty="0" smtClean="0"/>
+              <a:t>Datenaustausch</a:t>
+            </a:r>
+          </a:p>
+          <a:p>
+            <a:r>
+              <a:rPr lang="de-DE" sz="2400" dirty="0" smtClean="0"/>
+              <a:t>	</a:t>
+            </a:r>
+            <a:r>
+              <a:rPr lang="de-DE" sz="2400" dirty="0" smtClean="0"/>
+              <a:t>Anwendungsabhängiges </a:t>
+            </a:r>
+            <a:r>
+              <a:rPr lang="de-DE" sz="2400" dirty="0" smtClean="0"/>
+              <a:t>Datum wird kopiert</a:t>
+            </a:r>
+          </a:p>
+          <a:p>
+            <a:r>
+              <a:rPr lang="de-DE" sz="2400" b="1" dirty="0" smtClean="0"/>
+              <a:t>Datenverarbeitung</a:t>
+            </a:r>
+          </a:p>
+          <a:p>
+            <a:r>
+              <a:rPr lang="de-DE" sz="2400" dirty="0" smtClean="0"/>
+              <a:t>	</a:t>
+            </a:r>
+            <a:r>
+              <a:rPr lang="de-DE" sz="2400" dirty="0" smtClean="0"/>
+              <a:t>Neues </a:t>
+            </a:r>
+            <a:r>
+              <a:rPr lang="de-DE" sz="2400" dirty="0" smtClean="0"/>
+              <a:t>Datum wird aus dem empfangenen und dem </a:t>
+            </a:r>
+            <a:r>
+              <a:rPr lang="de-DE" sz="2400" dirty="0" smtClean="0"/>
+              <a:t>	lokalen </a:t>
+            </a:r>
+            <a:r>
+              <a:rPr lang="de-DE" sz="2400" dirty="0" smtClean="0"/>
+              <a:t>Datum </a:t>
+            </a:r>
+            <a:r>
+              <a:rPr lang="de-DE" sz="2400" dirty="0" smtClean="0"/>
+              <a:t>berechnet</a:t>
+            </a:r>
+            <a:endParaRPr lang="de-DE" sz="2400" dirty="0"/>
           </a:p>
         </p:txBody>
       </p:sp>
@@ -4707,8 +4954,12 @@
           <a:lstStyle/>
           <a:p>
             <a:r>
+              <a:rPr lang="de-DE" dirty="0" err="1" smtClean="0"/>
+              <a:t>Gossip</a:t>
+            </a:r>
+            <a:r>
               <a:rPr lang="de-DE" dirty="0" smtClean="0"/>
-              <a:t>CYCLON: Allgemein</a:t>
+              <a:t>: Fazit</a:t>
             </a:r>
             <a:endParaRPr lang="de-DE" dirty="0"/>
           </a:p>
@@ -4729,57 +4980,19 @@
           <a:bodyPr/>
           <a:lstStyle/>
           <a:p>
-            <a:pPr lvl="1">
-              <a:lnSpc>
-                <a:spcPct val="200000"/>
-              </a:lnSpc>
-              <a:buFont typeface="Arial" pitchFamily="34" charset="0"/>
-              <a:buChar char="•"/>
-            </a:pPr>
-            <a:r>
-              <a:rPr lang="de-DE" sz="2400" dirty="0" smtClean="0"/>
-              <a:t>Algorithmus zur Peerauswahl</a:t>
-            </a:r>
-          </a:p>
-          <a:p>
-            <a:pPr lvl="1">
-              <a:lnSpc>
-                <a:spcPct val="200000"/>
-              </a:lnSpc>
-              <a:buFont typeface="Arial" pitchFamily="34" charset="0"/>
-              <a:buChar char="•"/>
-            </a:pPr>
-            <a:r>
-              <a:rPr lang="de-DE" sz="2400" dirty="0" smtClean="0"/>
-              <a:t>Zufällig mit gleicher Wahrscheinlichkeit aus gesamten Netzwerk</a:t>
-            </a:r>
-          </a:p>
-          <a:p>
-            <a:pPr lvl="1">
-              <a:lnSpc>
-                <a:spcPct val="200000"/>
-              </a:lnSpc>
-              <a:buFont typeface="Arial" pitchFamily="34" charset="0"/>
-              <a:buChar char="•"/>
-            </a:pPr>
-            <a:r>
-              <a:rPr lang="de-DE" sz="2400" dirty="0" smtClean="0"/>
-              <a:t>Nur lokale Sicht</a:t>
-            </a:r>
-          </a:p>
-          <a:p>
-            <a:pPr lvl="1">
-              <a:lnSpc>
-                <a:spcPct val="200000"/>
-              </a:lnSpc>
-              <a:buFont typeface="Arial" pitchFamily="34" charset="0"/>
-              <a:buChar char="•"/>
-            </a:pPr>
-            <a:r>
-              <a:rPr lang="de-DE" sz="2400" dirty="0" smtClean="0"/>
-              <a:t>Oft in höheren Schichten verwendet</a:t>
-            </a:r>
-            <a:endParaRPr lang="de-DE" sz="2400" dirty="0"/>
+            <a:r>
+              <a:rPr lang="de-DE" sz="5400" dirty="0" smtClean="0"/>
+              <a:t>DAS IST VOLL TOLL UND SO; ABER KEINER </a:t>
+            </a:r>
+            <a:r>
+              <a:rPr lang="de-DE" sz="5400" dirty="0" err="1" smtClean="0"/>
+              <a:t>WEIß</a:t>
+            </a:r>
+            <a:r>
+              <a:rPr lang="de-DE" sz="5400" dirty="0" smtClean="0"/>
+              <a:t> GENAU WAS ES IST; BITTE GEBT UNS GELD DAMIT WIR FORSCHEN KÖNNEN.</a:t>
+            </a:r>
+            <a:endParaRPr lang="de-DE" sz="5400" dirty="0"/>
           </a:p>
         </p:txBody>
       </p:sp>
@@ -4812,6 +5025,13 @@
     <a:masterClrMapping/>
   </p:clrMapOvr>
   <p:transition spd="slow"/>
+  <p:timing>
+    <p:tnLst>
+      <p:par>
+        <p:cTn id="1" dur="indefinite" restart="never" nodeType="tmRoot"/>
+      </p:par>
+    </p:tnLst>
+  </p:timing>
 </p:sld>
 </file>
 
@@ -4849,15 +5069,7 @@
           <a:p>
             <a:r>
               <a:rPr lang="de-DE" dirty="0" smtClean="0"/>
-              <a:t>CYCLON: Enhanced </a:t>
-            </a:r>
-            <a:r>
-              <a:rPr lang="de-DE" dirty="0" err="1" smtClean="0"/>
-              <a:t>Shuffling</a:t>
-            </a:r>
-            <a:r>
-              <a:rPr lang="de-DE" dirty="0" smtClean="0"/>
-              <a:t> 1/2</a:t>
+              <a:t>CYCLON: Allgemein</a:t>
             </a:r>
             <a:endParaRPr lang="de-DE" dirty="0"/>
           </a:p>
@@ -4878,88 +5090,69 @@
           <a:bodyPr/>
           <a:lstStyle/>
           <a:p>
-            <a:pPr marL="522287" lvl="1" indent="-342900">
-              <a:buNone/>
-            </a:pPr>
-            <a:r>
-              <a:rPr lang="de-DE" sz="2400" dirty="0" smtClean="0"/>
-              <a:t>Für Knoten P</a:t>
-            </a:r>
-          </a:p>
-          <a:p>
-            <a:pPr marL="522287" lvl="1" indent="-342900">
-              <a:buFont typeface="+mj-lt"/>
-              <a:buAutoNum type="arabicPeriod"/>
-            </a:pPr>
-            <a:r>
-              <a:rPr lang="de-DE" sz="2400" dirty="0" smtClean="0"/>
-              <a:t>Erhöhe Alter um eins für alle Nachbarn</a:t>
-            </a:r>
-          </a:p>
-          <a:p>
-            <a:pPr marL="522287" lvl="1" indent="-342900">
-              <a:buFont typeface="+mj-lt"/>
-              <a:buAutoNum type="arabicPeriod"/>
-            </a:pPr>
-            <a:r>
-              <a:rPr lang="de-DE" sz="2400" dirty="0" smtClean="0"/>
-              <a:t>Wähle ältesten Nachbar Q und l-1 zufällige Nachbarn</a:t>
-            </a:r>
-          </a:p>
-          <a:p>
-            <a:pPr marL="522287" lvl="1" indent="-342900">
-              <a:buFont typeface="+mj-lt"/>
-              <a:buAutoNum type="arabicPeriod"/>
-            </a:pPr>
-            <a:r>
-              <a:rPr lang="de-DE" sz="2400" dirty="0" smtClean="0"/>
-              <a:t>Ersetze Qs Eintrag mit dem Alter 0 und Adresse von P</a:t>
-            </a:r>
-          </a:p>
-          <a:p>
-            <a:pPr marL="522287" lvl="1" indent="-342900">
-              <a:buFont typeface="+mj-lt"/>
-              <a:buAutoNum type="arabicPeriod"/>
-            </a:pPr>
-            <a:r>
-              <a:rPr lang="de-DE" sz="2400" dirty="0" smtClean="0"/>
-              <a:t>Sende aktualisierte Teilmenge zu Q </a:t>
-            </a:r>
-          </a:p>
-          <a:p>
-            <a:pPr marL="522287" lvl="1" indent="-342900">
-              <a:buFont typeface="+mj-lt"/>
-              <a:buAutoNum type="arabicPeriod"/>
-            </a:pPr>
-            <a:r>
-              <a:rPr lang="de-DE" sz="2400" dirty="0" smtClean="0"/>
-              <a:t>Empfange eine Teilmenge von Q mit i eignen Einträgen</a:t>
-            </a:r>
-          </a:p>
-          <a:p>
-            <a:pPr marL="522287" lvl="1" indent="-342900">
-              <a:buFont typeface="+mj-lt"/>
-              <a:buAutoNum type="arabicPeriod"/>
-            </a:pPr>
-            <a:r>
-              <a:rPr lang="de-DE" sz="2400" dirty="0" smtClean="0"/>
-              <a:t>Verwerfe Einträge die auf P zeigen und in Ps Cache liegen</a:t>
-            </a:r>
-          </a:p>
-          <a:p>
-            <a:pPr marL="522287" lvl="1" indent="-342900">
-              <a:buFont typeface="+mj-lt"/>
-              <a:buAutoNum type="arabicPeriod"/>
-            </a:pPr>
-            <a:r>
-              <a:rPr lang="de-DE" sz="2400" dirty="0" smtClean="0"/>
-              <a:t>Aktualisiere Ps Cache und füge alle verbleibenden Einträge hinzu. (erst die leeren Cacheeinträge nutzen, dann ersetze die Einträge, die man zu Q geschickt hat)</a:t>
-            </a:r>
-            <a:r>
-              <a:rPr lang="de-DE" dirty="0" smtClean="0"/>
-              <a:t> </a:t>
-            </a:r>
-            <a:endParaRPr lang="de-DE" dirty="0"/>
+            <a:pPr lvl="1">
+              <a:lnSpc>
+                <a:spcPct val="200000"/>
+              </a:lnSpc>
+              <a:buFont typeface="Arial" pitchFamily="34" charset="0"/>
+              <a:buChar char="•"/>
+            </a:pPr>
+            <a:r>
+              <a:rPr lang="de-DE" sz="2400" dirty="0" smtClean="0"/>
+              <a:t>Algorithmus zur Peerauswahl</a:t>
+            </a:r>
+          </a:p>
+          <a:p>
+            <a:pPr lvl="1">
+              <a:lnSpc>
+                <a:spcPct val="200000"/>
+              </a:lnSpc>
+              <a:buFont typeface="Arial" pitchFamily="34" charset="0"/>
+              <a:buChar char="•"/>
+            </a:pPr>
+            <a:r>
+              <a:rPr lang="de-DE" sz="2400" dirty="0" smtClean="0"/>
+              <a:t>Zufällig mit gleicher Wahrscheinlichkeit aus gesamten Netzwerk</a:t>
+            </a:r>
+          </a:p>
+          <a:p>
+            <a:pPr lvl="1">
+              <a:lnSpc>
+                <a:spcPct val="200000"/>
+              </a:lnSpc>
+              <a:buFont typeface="Arial" pitchFamily="34" charset="0"/>
+              <a:buChar char="•"/>
+            </a:pPr>
+            <a:r>
+              <a:rPr lang="de-DE" sz="2400" dirty="0" smtClean="0"/>
+              <a:t>Nur lokale Sicht</a:t>
+            </a:r>
+          </a:p>
+          <a:p>
+            <a:pPr lvl="1">
+              <a:lnSpc>
+                <a:spcPct val="200000"/>
+              </a:lnSpc>
+              <a:buFont typeface="Arial" pitchFamily="34" charset="0"/>
+              <a:buChar char="•"/>
+            </a:pPr>
+            <a:r>
+              <a:rPr lang="de-DE" sz="2400" dirty="0" smtClean="0"/>
+              <a:t>Oft </a:t>
+            </a:r>
+            <a:r>
+              <a:rPr lang="de-DE" sz="2400" dirty="0" smtClean="0"/>
+              <a:t>als Service für höhere </a:t>
+            </a:r>
+            <a:r>
+              <a:rPr lang="de-DE" sz="2400" dirty="0" smtClean="0"/>
+              <a:t>Schichten </a:t>
+            </a:r>
+            <a:r>
+              <a:rPr lang="de-DE" sz="2400" dirty="0" smtClean="0"/>
+              <a:t>verwendet</a:t>
+            </a:r>
+            <a:endParaRPr lang="de-DE" sz="2400" dirty="0"/>
           </a:p>
         </p:txBody>
       </p:sp>
@@ -5044,11 +5237,7 @@
             </a:r>
             <a:r>
               <a:rPr lang="de-DE" dirty="0" smtClean="0"/>
-              <a:t> </a:t>
-            </a:r>
-            <a:r>
-              <a:rPr lang="de-DE" dirty="0" smtClean="0"/>
-              <a:t>2/2</a:t>
+              <a:t> 1/2</a:t>
             </a:r>
             <a:endParaRPr lang="de-DE" dirty="0"/>
           </a:p>
@@ -5069,19 +5258,12 @@
           <a:bodyPr/>
           <a:lstStyle/>
           <a:p>
-            <a:r>
-              <a:rPr lang="de-DE" sz="2400" dirty="0" smtClean="0"/>
-              <a:t>Für Knoten Q:</a:t>
-            </a:r>
-          </a:p>
-          <a:p>
-            <a:pPr marL="636587" lvl="1" indent="-457200">
-              <a:buFont typeface="+mj-lt"/>
-              <a:buAutoNum type="arabicPeriod"/>
-            </a:pPr>
-            <a:r>
-              <a:rPr lang="de-DE" sz="2400" dirty="0" smtClean="0"/>
-              <a:t>Wähle l zufällige Nachbarn, sende an P</a:t>
+            <a:pPr marL="522287" lvl="1" indent="-342900">
+              <a:buNone/>
+            </a:pPr>
+            <a:r>
+              <a:rPr lang="de-DE" sz="2400" dirty="0" smtClean="0"/>
+              <a:t>Für Knoten P</a:t>
             </a:r>
           </a:p>
           <a:p>
@@ -5091,27 +5273,7 @@
             </a:pPr>
             <a:r>
               <a:rPr lang="de-DE" sz="2400" dirty="0" smtClean="0"/>
-              <a:t>Verwerfe </a:t>
-            </a:r>
-            <a:r>
-              <a:rPr lang="de-DE" sz="2400" dirty="0" smtClean="0"/>
-              <a:t>Einträge die auf </a:t>
-            </a:r>
-            <a:r>
-              <a:rPr lang="de-DE" sz="2400" dirty="0" smtClean="0"/>
-              <a:t>Q </a:t>
-            </a:r>
-            <a:r>
-              <a:rPr lang="de-DE" sz="2400" dirty="0" smtClean="0"/>
-              <a:t>zeigen und in </a:t>
-            </a:r>
-            <a:r>
-              <a:rPr lang="de-DE" sz="2400" dirty="0" smtClean="0"/>
-              <a:t>Qs </a:t>
-            </a:r>
-            <a:r>
-              <a:rPr lang="de-DE" sz="2400" dirty="0" smtClean="0"/>
-              <a:t>Cache liegen</a:t>
+              <a:t>Erhöhe Alter um eins für alle Nachbarn</a:t>
             </a:r>
           </a:p>
           <a:p>
@@ -5121,31 +5283,63 @@
             </a:pPr>
             <a:r>
               <a:rPr lang="de-DE" sz="2400" dirty="0" smtClean="0"/>
-              <a:t>Aktualisiere </a:t>
-            </a:r>
-            <a:r>
-              <a:rPr lang="de-DE" sz="2400" dirty="0" smtClean="0"/>
-              <a:t>Qs </a:t>
-            </a:r>
-            <a:r>
-              <a:rPr lang="de-DE" sz="2400" dirty="0" smtClean="0"/>
-              <a:t>Cache und füge alle verbleibenden Einträge hinzu. (erst die leeren Cacheeinträge nutzen, dann ersetze die Einträge, die man zu </a:t>
-            </a:r>
-            <a:r>
-              <a:rPr lang="de-DE" sz="2400" dirty="0" smtClean="0"/>
-              <a:t>P </a:t>
-            </a:r>
-            <a:r>
-              <a:rPr lang="de-DE" sz="2400" dirty="0" smtClean="0"/>
-              <a:t>geschickt hat) </a:t>
-            </a:r>
-          </a:p>
-          <a:p>
-            <a:pPr marL="636587" lvl="1" indent="-457200">
+              <a:t>Wähle ältesten Nachbar Q und l-1 zufällige Nachbarn</a:t>
+            </a:r>
+          </a:p>
+          <a:p>
+            <a:pPr marL="522287" lvl="1" indent="-342900">
               <a:buFont typeface="+mj-lt"/>
               <a:buAutoNum type="arabicPeriod"/>
             </a:pPr>
-            <a:endParaRPr lang="de-DE" sz="2400" dirty="0"/>
+            <a:r>
+              <a:rPr lang="de-DE" sz="2400" dirty="0" smtClean="0"/>
+              <a:t>Ersetze Qs Eintrag mit dem Alter 0 und Adresse von P</a:t>
+            </a:r>
+          </a:p>
+          <a:p>
+            <a:pPr marL="522287" lvl="1" indent="-342900">
+              <a:buFont typeface="+mj-lt"/>
+              <a:buAutoNum type="arabicPeriod"/>
+            </a:pPr>
+            <a:r>
+              <a:rPr lang="de-DE" sz="2400" dirty="0" smtClean="0"/>
+              <a:t>Sende aktualisierte Teilmenge zu Q </a:t>
+            </a:r>
+          </a:p>
+          <a:p>
+            <a:pPr marL="522287" lvl="1" indent="-342900">
+              <a:buFont typeface="+mj-lt"/>
+              <a:buAutoNum type="arabicPeriod"/>
+            </a:pPr>
+            <a:r>
+              <a:rPr lang="de-DE" sz="2400" dirty="0" smtClean="0"/>
+              <a:t>Empfange eine Teilmenge von Q mit i eignen Einträgen</a:t>
+            </a:r>
+          </a:p>
+          <a:p>
+            <a:pPr marL="522287" lvl="1" indent="-342900">
+              <a:buFont typeface="+mj-lt"/>
+              <a:buAutoNum type="arabicPeriod"/>
+            </a:pPr>
+            <a:r>
+              <a:rPr lang="de-DE" sz="2400" dirty="0" smtClean="0"/>
+              <a:t>Verwerfe Einträge die auf P zeigen und in Ps Cache liegen</a:t>
+            </a:r>
+          </a:p>
+          <a:p>
+            <a:pPr marL="522287" lvl="1" indent="-342900">
+              <a:buFont typeface="+mj-lt"/>
+              <a:buAutoNum type="arabicPeriod"/>
+            </a:pPr>
+            <a:r>
+              <a:rPr lang="de-DE" sz="2400" dirty="0" smtClean="0"/>
+              <a:t>Aktualisiere Ps Cache und füge alle verbleibenden Einträge hinzu. (erst die leeren Cacheeinträge nutzen, dann ersetze die Einträge, die man zu Q geschickt hat)</a:t>
+            </a:r>
+            <a:r>
+              <a:rPr lang="de-DE" dirty="0" smtClean="0"/>
+              <a:t> </a:t>
+            </a:r>
+            <a:endParaRPr lang="de-DE" dirty="0"/>
           </a:p>
         </p:txBody>
       </p:sp>
@@ -5178,6 +5372,13 @@
     <a:masterClrMapping/>
   </p:clrMapOvr>
   <p:transition spd="slow"/>
+  <p:timing>
+    <p:tnLst>
+      <p:par>
+        <p:cTn id="1" dur="indefinite" restart="never" nodeType="tmRoot"/>
+      </p:par>
+    </p:tnLst>
+  </p:timing>
 </p:sld>
 </file>
 
@@ -5223,39 +5424,141 @@
             </a:r>
             <a:r>
               <a:rPr lang="de-DE" dirty="0" smtClean="0"/>
-              <a:t> </a:t>
-            </a:r>
-            <a:r>
-              <a:rPr lang="de-DE" dirty="0" err="1" smtClean="0"/>
-              <a:t>cont‘d</a:t>
+              <a:t> 2/2</a:t>
             </a:r>
             <a:endParaRPr lang="de-DE" dirty="0"/>
           </a:p>
         </p:txBody>
       </p:sp>
-      <p:pic>
-        <p:nvPicPr>
-          <p:cNvPr id="5" name="Inhaltsplatzhalter 4" descr="shuffle.png"/>
-          <p:cNvPicPr>
-            <a:picLocks noGrp="1" noChangeAspect="1"/>
-          </p:cNvPicPr>
+      <p:sp>
+        <p:nvSpPr>
+          <p:cNvPr id="3" name="Inhaltsplatzhalter 2"/>
+          <p:cNvSpPr>
+            <a:spLocks noGrp="1"/>
+          </p:cNvSpPr>
           <p:nvPr>
             <p:ph idx="1"/>
           </p:nvPr>
-        </p:nvPicPr>
-        <p:blipFill>
-          <a:blip r:embed="rId2" cstate="print"/>
-          <a:stretch>
-            <a:fillRect/>
-          </a:stretch>
-        </p:blipFill>
-        <p:spPr>
-          <a:xfrm>
-            <a:off x="250825" y="2042935"/>
-            <a:ext cx="8642350" cy="4015143"/>
-          </a:xfrm>
-        </p:spPr>
-      </p:pic>
+        </p:nvSpPr>
+        <p:spPr/>
+        <p:txBody>
+          <a:bodyPr/>
+          <a:lstStyle/>
+          <a:p>
+            <a:r>
+              <a:rPr lang="de-DE" sz="2400" dirty="0" smtClean="0"/>
+              <a:t>Für Knoten Q:</a:t>
+            </a:r>
+          </a:p>
+          <a:p>
+            <a:pPr marL="636587" lvl="1" indent="-457200">
+              <a:buFont typeface="+mj-lt"/>
+              <a:buAutoNum type="arabicPeriod"/>
+            </a:pPr>
+            <a:r>
+              <a:rPr lang="de-DE" sz="2400" dirty="0" smtClean="0"/>
+              <a:t>Wähle l zufällige Nachbarn, sende an P</a:t>
+            </a:r>
+          </a:p>
+          <a:p>
+            <a:pPr marL="522287" lvl="1" indent="-342900">
+              <a:buFont typeface="+mj-lt"/>
+              <a:buAutoNum type="arabicPeriod"/>
+            </a:pPr>
+            <a:r>
+              <a:rPr lang="de-DE" sz="2400" dirty="0" smtClean="0"/>
+              <a:t>Verwerfe Einträge die auf Q zeigen und in Qs Cache liegen</a:t>
+            </a:r>
+          </a:p>
+          <a:p>
+            <a:pPr marL="522287" lvl="1" indent="-342900">
+              <a:buFont typeface="+mj-lt"/>
+              <a:buAutoNum type="arabicPeriod"/>
+            </a:pPr>
+            <a:r>
+              <a:rPr lang="de-DE" sz="2400" dirty="0" smtClean="0"/>
+              <a:t>Aktualisiere Qs Cache und füge alle verbleibenden Einträge hinzu. (erst die leeren Cacheeinträge nutzen, dann ersetze die Einträge, die man zu P geschickt hat) </a:t>
+            </a:r>
+            <a:endParaRPr lang="de-DE" sz="2400" dirty="0" smtClean="0"/>
+          </a:p>
+          <a:p>
+            <a:pPr marL="522287" lvl="1" indent="-342900">
+              <a:buFont typeface="+mj-lt"/>
+              <a:buAutoNum type="arabicPeriod"/>
+            </a:pPr>
+            <a:endParaRPr lang="de-DE" sz="2400" dirty="0" smtClean="0"/>
+          </a:p>
+          <a:p>
+            <a:pPr marL="522287" lvl="1" indent="-342900">
+              <a:buNone/>
+            </a:pPr>
+            <a:r>
+              <a:rPr lang="de-DE" sz="2400" dirty="0" smtClean="0"/>
+              <a:t>Parameter</a:t>
+            </a:r>
+          </a:p>
+          <a:p>
+            <a:pPr marL="890587" lvl="2" indent="-342900">
+              <a:buFont typeface="Arial" pitchFamily="34" charset="0"/>
+              <a:buChar char="•"/>
+            </a:pPr>
+            <a:r>
+              <a:rPr lang="de-DE" sz="2400" dirty="0" smtClean="0"/>
+              <a:t>c  </a:t>
+            </a:r>
+            <a:r>
+              <a:rPr lang="de-DE" sz="2400" dirty="0" smtClean="0"/>
+              <a:t> Cachegröße</a:t>
+            </a:r>
+            <a:endParaRPr lang="de-DE" sz="2400" dirty="0"/>
+          </a:p>
+          <a:p>
+            <a:pPr marL="890587" lvl="2" indent="-342900">
+              <a:buFont typeface="Arial" pitchFamily="34" charset="0"/>
+              <a:buChar char="•"/>
+            </a:pPr>
+            <a:r>
+              <a:rPr lang="de-DE" sz="2400" dirty="0" smtClean="0"/>
+              <a:t>l  </a:t>
+            </a:r>
+            <a:r>
+              <a:rPr lang="de-DE" sz="2400" dirty="0" err="1" smtClean="0"/>
+              <a:t>shufflelength</a:t>
+            </a:r>
+            <a:r>
+              <a:rPr lang="de-DE" sz="2400" dirty="0" smtClean="0"/>
+              <a:t> (Anzahl d. </a:t>
+            </a:r>
+            <a:r>
+              <a:rPr lang="de-DE" sz="2400" dirty="0" smtClean="0"/>
+              <a:t>a</a:t>
+            </a:r>
+            <a:r>
+              <a:rPr lang="de-DE" sz="2400" dirty="0" smtClean="0"/>
+              <a:t>usgetauschten Nachbarn)</a:t>
+            </a:r>
+          </a:p>
+          <a:p>
+            <a:pPr marL="890587" lvl="2" indent="-342900">
+              <a:buFont typeface="Arial" pitchFamily="34" charset="0"/>
+              <a:buChar char="•"/>
+            </a:pPr>
+            <a:r>
+              <a:rPr lang="de-DE" sz="2400" dirty="0" smtClean="0"/>
+              <a:t>/</a:t>
+            </a:r>
+            <a:r>
+              <a:rPr lang="de-DE" sz="2400" dirty="0" err="1" smtClean="0"/>
+              <a:t>delta</a:t>
+            </a:r>
+            <a:r>
+              <a:rPr lang="de-DE" sz="2400" dirty="0" smtClean="0"/>
+              <a:t> T Zeitintervall zwischen den Nachrichten</a:t>
+            </a:r>
+            <a:endParaRPr lang="de-DE" sz="2400" dirty="0" smtClean="0"/>
+          </a:p>
+        </p:txBody>
+      </p:sp>
       <p:sp>
         <p:nvSpPr>
           <p:cNvPr id="4" name="Fußzeilenplatzhalter 3"/>
@@ -5285,6 +5588,13 @@
     <a:masterClrMapping/>
   </p:clrMapOvr>
   <p:transition spd="slow"/>
+  <p:timing>
+    <p:tnLst>
+      <p:par>
+        <p:cTn id="1" dur="indefinite" restart="never" nodeType="tmRoot"/>
+      </p:par>
+    </p:tnLst>
+  </p:timing>
 </p:sld>
 </file>
 
@@ -5322,85 +5632,47 @@
           <a:p>
             <a:r>
               <a:rPr lang="de-DE" dirty="0" smtClean="0"/>
-              <a:t>CYCLON: Grundlegende Eigenschaften</a:t>
+              <a:t>CYCLON: Enhanced </a:t>
+            </a:r>
+            <a:r>
+              <a:rPr lang="de-DE" dirty="0" err="1" smtClean="0"/>
+              <a:t>Shuffling</a:t>
+            </a:r>
+            <a:r>
+              <a:rPr lang="de-DE" dirty="0" smtClean="0"/>
+              <a:t> </a:t>
+            </a:r>
+            <a:r>
+              <a:rPr lang="de-DE" dirty="0" err="1" smtClean="0"/>
+              <a:t>cont‘d</a:t>
             </a:r>
             <a:endParaRPr lang="de-DE" dirty="0"/>
           </a:p>
         </p:txBody>
       </p:sp>
-      <p:sp>
-        <p:nvSpPr>
-          <p:cNvPr id="3" name="Inhaltsplatzhalter 2"/>
-          <p:cNvSpPr>
-            <a:spLocks noGrp="1"/>
-          </p:cNvSpPr>
+      <p:pic>
+        <p:nvPicPr>
+          <p:cNvPr id="5" name="Inhaltsplatzhalter 4" descr="shuffle.png"/>
+          <p:cNvPicPr>
+            <a:picLocks noGrp="1" noChangeAspect="1"/>
+          </p:cNvPicPr>
           <p:nvPr>
             <p:ph idx="1"/>
           </p:nvPr>
-        </p:nvSpPr>
-        <p:spPr/>
-        <p:txBody>
-          <a:bodyPr/>
-          <a:lstStyle/>
-          <a:p>
-            <a:pPr lvl="1">
-              <a:lnSpc>
-                <a:spcPct val="200000"/>
-              </a:lnSpc>
-              <a:buFont typeface="Arial" pitchFamily="34" charset="0"/>
-              <a:buChar char="•"/>
-            </a:pPr>
-            <a:r>
-              <a:rPr lang="de-DE" sz="2400" dirty="0" smtClean="0"/>
-              <a:t>Konnektivität (DEMO)</a:t>
-            </a:r>
-          </a:p>
-          <a:p>
-            <a:pPr lvl="1">
-              <a:lnSpc>
-                <a:spcPct val="200000"/>
-              </a:lnSpc>
-              <a:buFont typeface="Arial" pitchFamily="34" charset="0"/>
-              <a:buChar char="•"/>
-            </a:pPr>
-            <a:r>
-              <a:rPr lang="de-DE" sz="2400" dirty="0" smtClean="0"/>
-              <a:t>Konvergenz</a:t>
-            </a:r>
-          </a:p>
-          <a:p>
-            <a:pPr lvl="1">
-              <a:lnSpc>
-                <a:spcPct val="200000"/>
-              </a:lnSpc>
-              <a:buFont typeface="Arial" pitchFamily="34" charset="0"/>
-              <a:buChar char="•"/>
-            </a:pPr>
-            <a:r>
-              <a:rPr lang="de-DE" sz="2400" dirty="0" err="1" smtClean="0"/>
-              <a:t>Ingradverteilung</a:t>
-            </a:r>
-            <a:r>
-              <a:rPr lang="de-DE" sz="2400" dirty="0" smtClean="0"/>
-              <a:t> (DEMO)</a:t>
-            </a:r>
-          </a:p>
-          <a:p>
-            <a:pPr lvl="1">
-              <a:lnSpc>
-                <a:spcPct val="200000"/>
-              </a:lnSpc>
-              <a:buFont typeface="Arial" pitchFamily="34" charset="0"/>
-              <a:buChar char="•"/>
-            </a:pPr>
-            <a:r>
-              <a:rPr lang="de-DE" sz="2400" dirty="0" smtClean="0"/>
-              <a:t>Robustheit - Selbstheilung</a:t>
-            </a:r>
-            <a:endParaRPr lang="de-DE" sz="2400" dirty="0"/>
-          </a:p>
-        </p:txBody>
-      </p:sp>
+        </p:nvPicPr>
+        <p:blipFill>
+          <a:blip r:embed="rId2" cstate="print"/>
+          <a:stretch>
+            <a:fillRect/>
+          </a:stretch>
+        </p:blipFill>
+        <p:spPr>
+          <a:xfrm>
+            <a:off x="250825" y="2042935"/>
+            <a:ext cx="8642350" cy="4015143"/>
+          </a:xfrm>
+        </p:spPr>
+      </p:pic>
       <p:sp>
         <p:nvSpPr>
           <p:cNvPr id="4" name="Fußzeilenplatzhalter 3"/>
@@ -5430,6 +5702,13 @@
     <a:masterClrMapping/>
   </p:clrMapOvr>
   <p:transition spd="slow"/>
+  <p:timing>
+    <p:tnLst>
+      <p:par>
+        <p:cTn id="1" dur="indefinite" restart="never" nodeType="tmRoot"/>
+      </p:par>
+    </p:tnLst>
+  </p:timing>
 </p:sld>
 </file>
 
@@ -5732,7 +6011,7 @@
           <a:p>
             <a:r>
               <a:rPr lang="de-DE" dirty="0" smtClean="0"/>
-              <a:t>CYCLON: Konnektivität</a:t>
+              <a:t>CYCLON: Grundlegende Eigenschaften</a:t>
             </a:r>
             <a:endParaRPr lang="de-DE" dirty="0"/>
           </a:p>
@@ -5754,62 +6033,58 @@
           <a:lstStyle/>
           <a:p>
             <a:pPr lvl="1">
-              <a:buFont typeface="Arial" pitchFamily="34" charset="0"/>
-              <a:buChar char="•"/>
-            </a:pPr>
-            <a:endParaRPr lang="de-DE" sz="2400" dirty="0" smtClean="0"/>
-          </a:p>
-          <a:p>
-            <a:pPr lvl="1">
-              <a:buFont typeface="Arial" pitchFamily="34" charset="0"/>
-              <a:buChar char="•"/>
-            </a:pPr>
-            <a:endParaRPr lang="de-DE" sz="2400" dirty="0" smtClean="0"/>
-          </a:p>
-          <a:p>
-            <a:pPr lvl="1">
-              <a:buFont typeface="Arial" pitchFamily="34" charset="0"/>
-              <a:buChar char="•"/>
-            </a:pPr>
-            <a:r>
-              <a:rPr lang="de-DE" sz="2400" dirty="0" err="1" smtClean="0"/>
-              <a:t>Shuffling</a:t>
-            </a:r>
-            <a:r>
-              <a:rPr lang="de-DE" sz="2400" dirty="0" smtClean="0"/>
-              <a:t> stellt sicher:</a:t>
-            </a:r>
-          </a:p>
-          <a:p>
-            <a:pPr lvl="2">
-              <a:buFont typeface="Arial" pitchFamily="34" charset="0"/>
-              <a:buChar char="•"/>
-            </a:pPr>
-            <a:r>
-              <a:rPr lang="de-DE" sz="2400" dirty="0" smtClean="0"/>
-              <a:t>Kein Knoten wird aus dem Netzwerk entfernt</a:t>
-            </a:r>
-          </a:p>
-          <a:p>
-            <a:pPr lvl="3">
               <a:lnSpc>
                 <a:spcPct val="200000"/>
               </a:lnSpc>
-              <a:buFont typeface="Wingdings"/>
-              <a:buChar char="à"/>
-            </a:pPr>
-            <a:r>
-              <a:rPr lang="de-DE" sz="2400" dirty="0" smtClean="0"/>
-              <a:t>Netzwerk wird nicht partitioniert</a:t>
-            </a:r>
-          </a:p>
-          <a:p>
-            <a:pPr lvl="2">
-              <a:buNone/>
-            </a:pPr>
-            <a:r>
-              <a:rPr lang="de-DE" dirty="0" smtClean="0"/>
-              <a:t>(Annahme: Zuverlässige Übertragung)</a:t>
+              <a:buFont typeface="Arial" pitchFamily="34" charset="0"/>
+              <a:buChar char="•"/>
+            </a:pPr>
+            <a:r>
+              <a:rPr lang="de-DE" sz="2400" dirty="0" smtClean="0"/>
+              <a:t>Konnektivität (DEMO)</a:t>
+            </a:r>
+          </a:p>
+          <a:p>
+            <a:pPr lvl="1">
+              <a:lnSpc>
+                <a:spcPct val="200000"/>
+              </a:lnSpc>
+              <a:buFont typeface="Arial" pitchFamily="34" charset="0"/>
+              <a:buChar char="•"/>
+            </a:pPr>
+            <a:r>
+              <a:rPr lang="de-DE" sz="2400" dirty="0" smtClean="0"/>
+              <a:t>Konvergenz</a:t>
+            </a:r>
+          </a:p>
+          <a:p>
+            <a:pPr lvl="1">
+              <a:lnSpc>
+                <a:spcPct val="200000"/>
+              </a:lnSpc>
+              <a:buFont typeface="Arial" pitchFamily="34" charset="0"/>
+              <a:buChar char="•"/>
+            </a:pPr>
+            <a:r>
+              <a:rPr lang="de-DE" sz="2400" dirty="0" err="1" smtClean="0"/>
+              <a:t>Ingradverteilung</a:t>
+            </a:r>
+            <a:r>
+              <a:rPr lang="de-DE" sz="2400" dirty="0" smtClean="0"/>
+              <a:t> (DEMO)</a:t>
+            </a:r>
+          </a:p>
+          <a:p>
+            <a:pPr lvl="1">
+              <a:lnSpc>
+                <a:spcPct val="200000"/>
+              </a:lnSpc>
+              <a:buFont typeface="Arial" pitchFamily="34" charset="0"/>
+              <a:buChar char="•"/>
+            </a:pPr>
+            <a:r>
+              <a:rPr lang="de-DE" sz="2400" dirty="0" smtClean="0"/>
+              <a:t>Robustheit - Selbstheilung</a:t>
             </a:r>
             <a:endParaRPr lang="de-DE" sz="2400" dirty="0"/>
           </a:p>
@@ -5844,6 +6119,13 @@
     <a:masterClrMapping/>
   </p:clrMapOvr>
   <p:transition spd="slow"/>
+  <p:timing>
+    <p:tnLst>
+      <p:par>
+        <p:cTn id="1" dur="indefinite" restart="never" nodeType="tmRoot"/>
+      </p:par>
+    </p:tnLst>
+  </p:timing>
 </p:sld>
 </file>
 
@@ -5881,43 +6163,20 @@
           <a:p>
             <a:r>
               <a:rPr lang="de-DE" dirty="0" smtClean="0"/>
-              <a:t>CYCLON: Konvergenz</a:t>
+              <a:t>CYCLON: Konnektivität</a:t>
             </a:r>
             <a:endParaRPr lang="de-DE" dirty="0"/>
           </a:p>
         </p:txBody>
       </p:sp>
-      <p:pic>
-        <p:nvPicPr>
-          <p:cNvPr id="7" name="Inhaltsplatzhalter 6" descr="avg_shrt_path.png"/>
-          <p:cNvPicPr>
-            <a:picLocks noGrp="1" noChangeAspect="1"/>
-          </p:cNvPicPr>
-          <p:nvPr>
-            <p:ph sz="half" idx="1"/>
-          </p:nvPr>
-        </p:nvPicPr>
-        <p:blipFill>
-          <a:blip r:embed="rId2" cstate="print"/>
-          <a:stretch>
-            <a:fillRect/>
-          </a:stretch>
-        </p:blipFill>
-        <p:spPr>
-          <a:xfrm>
-            <a:off x="250825" y="2512997"/>
-            <a:ext cx="4244975" cy="3098832"/>
-          </a:xfrm>
-        </p:spPr>
-      </p:pic>
-      <p:sp>
-        <p:nvSpPr>
-          <p:cNvPr id="6" name="Inhaltsplatzhalter 5"/>
-          <p:cNvSpPr>
-            <a:spLocks noGrp="1"/>
-          </p:cNvSpPr>
-          <p:nvPr>
-            <p:ph sz="half" idx="2"/>
+      <p:sp>
+        <p:nvSpPr>
+          <p:cNvPr id="3" name="Inhaltsplatzhalter 2"/>
+          <p:cNvSpPr>
+            <a:spLocks noGrp="1"/>
+          </p:cNvSpPr>
+          <p:nvPr>
+            <p:ph idx="1"/>
           </p:nvPr>
         </p:nvSpPr>
         <p:spPr/>
@@ -5929,50 +6188,61 @@
               <a:buFont typeface="Arial" pitchFamily="34" charset="0"/>
               <a:buChar char="•"/>
             </a:pPr>
-            <a:endParaRPr lang="de-DE" dirty="0" smtClean="0"/>
+            <a:endParaRPr lang="de-DE" sz="2400" dirty="0" smtClean="0"/>
           </a:p>
           <a:p>
             <a:pPr lvl="1">
               <a:buFont typeface="Arial" pitchFamily="34" charset="0"/>
               <a:buChar char="•"/>
             </a:pPr>
-            <a:endParaRPr lang="de-DE" dirty="0" smtClean="0"/>
+            <a:endParaRPr lang="de-DE" sz="2400" dirty="0" smtClean="0"/>
           </a:p>
           <a:p>
             <a:pPr lvl="1">
               <a:buFont typeface="Arial" pitchFamily="34" charset="0"/>
               <a:buChar char="•"/>
             </a:pPr>
-            <a:endParaRPr lang="de-DE" dirty="0" smtClean="0"/>
-          </a:p>
-          <a:p>
-            <a:pPr lvl="1">
+            <a:r>
+              <a:rPr lang="de-DE" sz="2400" dirty="0" err="1" smtClean="0"/>
+              <a:t>Shuffling</a:t>
+            </a:r>
+            <a:r>
+              <a:rPr lang="de-DE" sz="2400" dirty="0" smtClean="0"/>
+              <a:t> stellt sicher:</a:t>
+            </a:r>
+          </a:p>
+          <a:p>
+            <a:pPr lvl="2">
               <a:buFont typeface="Arial" pitchFamily="34" charset="0"/>
               <a:buChar char="•"/>
             </a:pPr>
             <a:r>
+              <a:rPr lang="de-DE" sz="2400" dirty="0" smtClean="0"/>
+              <a:t>Kein Knoten wird aus dem Netzwerk entfernt</a:t>
+            </a:r>
+          </a:p>
+          <a:p>
+            <a:pPr lvl="3">
+              <a:lnSpc>
+                <a:spcPct val="200000"/>
+              </a:lnSpc>
+              <a:buFont typeface="Wingdings"/>
+              <a:buChar char="à"/>
+            </a:pPr>
+            <a:r>
+              <a:rPr lang="de-DE" sz="2400" dirty="0" smtClean="0"/>
+              <a:t>Netzwerk wird nicht partitioniert</a:t>
+            </a:r>
+          </a:p>
+          <a:p>
+            <a:pPr lvl="2">
+              <a:buNone/>
+            </a:pPr>
+            <a:r>
               <a:rPr lang="de-DE" dirty="0" smtClean="0"/>
-              <a:t>Durchschnittlicher kürzester Weg im Netzwerk</a:t>
-            </a:r>
-          </a:p>
-          <a:p>
-            <a:pPr lvl="1">
-              <a:buFont typeface="Arial" pitchFamily="34" charset="0"/>
-              <a:buChar char="•"/>
-            </a:pPr>
-            <a:r>
-              <a:rPr lang="de-DE" dirty="0" smtClean="0"/>
-              <a:t>Enhanced </a:t>
-            </a:r>
-            <a:r>
-              <a:rPr lang="de-DE" dirty="0" err="1" smtClean="0"/>
-              <a:t>shuffling</a:t>
-            </a:r>
-            <a:r>
-              <a:rPr lang="de-DE" dirty="0" smtClean="0"/>
-              <a:t> konvergiert zu Zufallsgraphen </a:t>
-            </a:r>
-            <a:endParaRPr lang="de-DE" dirty="0"/>
+              <a:t>(Annahme: Zuverlässige Übertragung)</a:t>
+            </a:r>
+            <a:endParaRPr lang="de-DE" sz="2400" dirty="0"/>
           </a:p>
         </p:txBody>
       </p:sp>
@@ -6005,6 +6275,13 @@
     <a:masterClrMapping/>
   </p:clrMapOvr>
   <p:transition spd="slow"/>
+  <p:timing>
+    <p:tnLst>
+      <p:par>
+        <p:cTn id="1" dur="indefinite" restart="never" nodeType="tmRoot"/>
+      </p:par>
+    </p:tnLst>
+  </p:timing>
 </p:sld>
 </file>
 
@@ -6042,164 +6319,98 @@
           <a:p>
             <a:r>
               <a:rPr lang="de-DE" dirty="0" smtClean="0"/>
-              <a:t>CYCLON: </a:t>
-            </a:r>
-            <a:r>
-              <a:rPr lang="de-DE" dirty="0" err="1" smtClean="0"/>
-              <a:t>Ingradverteilung</a:t>
+              <a:t>CYCLON: Konvergenz</a:t>
             </a:r>
             <a:endParaRPr lang="de-DE" dirty="0"/>
           </a:p>
         </p:txBody>
       </p:sp>
-      <p:sp>
-        <p:nvSpPr>
-          <p:cNvPr id="3" name="Inhaltsplatzhalter 2"/>
-          <p:cNvSpPr>
-            <a:spLocks noGrp="1"/>
-          </p:cNvSpPr>
-          <p:nvPr>
-            <p:ph idx="1"/>
+      <p:pic>
+        <p:nvPicPr>
+          <p:cNvPr id="7" name="Inhaltsplatzhalter 6" descr="avg_shrt_path.png"/>
+          <p:cNvPicPr>
+            <a:picLocks noGrp="1" noChangeAspect="1"/>
+          </p:cNvPicPr>
+          <p:nvPr>
+            <p:ph sz="half" idx="1"/>
+          </p:nvPr>
+        </p:nvPicPr>
+        <p:blipFill>
+          <a:blip r:embed="rId2" cstate="print"/>
+          <a:stretch>
+            <a:fillRect/>
+          </a:stretch>
+        </p:blipFill>
+        <p:spPr>
+          <a:xfrm>
+            <a:off x="250825" y="2512997"/>
+            <a:ext cx="4244975" cy="3098832"/>
+          </a:xfrm>
+        </p:spPr>
+      </p:pic>
+      <p:sp>
+        <p:nvSpPr>
+          <p:cNvPr id="6" name="Inhaltsplatzhalter 5"/>
+          <p:cNvSpPr>
+            <a:spLocks noGrp="1"/>
+          </p:cNvSpPr>
+          <p:nvPr>
+            <p:ph sz="half" idx="2"/>
           </p:nvPr>
         </p:nvSpPr>
         <p:spPr/>
         <p:txBody>
           <a:bodyPr/>
           <a:lstStyle/>
-          <a:p>
-            <a:pPr lvl="1">
-              <a:lnSpc>
-                <a:spcPct val="100000"/>
-              </a:lnSpc>
-              <a:buNone/>
-            </a:pPr>
-            <a:endParaRPr lang="de-DE" sz="2400" b="1" dirty="0" smtClean="0"/>
-          </a:p>
-          <a:p>
-            <a:pPr lvl="1">
-              <a:lnSpc>
-                <a:spcPct val="100000"/>
-              </a:lnSpc>
-              <a:buNone/>
-            </a:pPr>
-            <a:r>
-              <a:rPr lang="de-DE" sz="2400" b="1" dirty="0" err="1" smtClean="0"/>
-              <a:t>Ausgrad</a:t>
-            </a:r>
-            <a:r>
-              <a:rPr lang="de-DE" sz="2400" dirty="0" smtClean="0"/>
-              <a:t> </a:t>
-            </a:r>
-          </a:p>
-          <a:p>
-            <a:pPr lvl="1">
-              <a:lnSpc>
-                <a:spcPct val="100000"/>
-              </a:lnSpc>
-              <a:buNone/>
-            </a:pPr>
-            <a:r>
-              <a:rPr lang="de-DE" sz="2400" dirty="0" smtClean="0"/>
-              <a:t>	</a:t>
-            </a:r>
-            <a:r>
-              <a:rPr lang="de-DE" sz="2400" dirty="0" smtClean="0"/>
-              <a:t>Nachbarn eines Knoten</a:t>
-            </a:r>
-          </a:p>
-          <a:p>
-            <a:pPr lvl="2">
-              <a:lnSpc>
-                <a:spcPct val="200000"/>
-              </a:lnSpc>
-              <a:buFont typeface="Arial" pitchFamily="34" charset="0"/>
-              <a:buChar char="•"/>
-            </a:pPr>
-            <a:r>
-              <a:rPr lang="de-DE" sz="2400" dirty="0" err="1" smtClean="0"/>
-              <a:t>Ausgrad</a:t>
-            </a:r>
-            <a:r>
-              <a:rPr lang="de-DE" sz="2400" dirty="0" smtClean="0"/>
-              <a:t> ist durch Cachegröße gegeben</a:t>
-            </a:r>
-          </a:p>
-          <a:p>
-            <a:pPr lvl="1">
-              <a:lnSpc>
-                <a:spcPct val="100000"/>
-              </a:lnSpc>
-              <a:buNone/>
-            </a:pPr>
-            <a:endParaRPr lang="de-DE" sz="2400" b="1" dirty="0" smtClean="0"/>
-          </a:p>
-          <a:p>
-            <a:pPr lvl="1">
-              <a:lnSpc>
-                <a:spcPct val="100000"/>
-              </a:lnSpc>
-              <a:buNone/>
-            </a:pPr>
-            <a:r>
-              <a:rPr lang="de-DE" sz="2400" b="1" dirty="0" err="1" smtClean="0"/>
-              <a:t>Ingrad</a:t>
-            </a:r>
-            <a:r>
-              <a:rPr lang="de-DE" sz="2400" dirty="0" smtClean="0"/>
-              <a:t> </a:t>
-            </a:r>
-          </a:p>
-          <a:p>
-            <a:pPr lvl="1">
-              <a:lnSpc>
-                <a:spcPct val="100000"/>
-              </a:lnSpc>
-              <a:buNone/>
-            </a:pPr>
-            <a:r>
-              <a:rPr lang="de-DE" sz="2400" dirty="0" smtClean="0"/>
-              <a:t>	</a:t>
-            </a:r>
-            <a:r>
-              <a:rPr lang="de-DE" sz="2400" dirty="0" smtClean="0"/>
-              <a:t>Nachbarn die den Knoten kennen</a:t>
-            </a:r>
-          </a:p>
-          <a:p>
-            <a:pPr lvl="2">
-              <a:lnSpc>
-                <a:spcPct val="200000"/>
-              </a:lnSpc>
-              <a:buFont typeface="Arial" pitchFamily="34" charset="0"/>
-              <a:buChar char="•"/>
-            </a:pPr>
-            <a:r>
-              <a:rPr lang="de-DE" sz="2400" dirty="0" smtClean="0"/>
-              <a:t>Ideal ist </a:t>
-            </a:r>
-            <a:r>
-              <a:rPr lang="de-DE" sz="2400" dirty="0" err="1" smtClean="0"/>
-              <a:t>gleichmässige</a:t>
-            </a:r>
-            <a:r>
-              <a:rPr lang="de-DE" sz="2400" dirty="0" smtClean="0"/>
-              <a:t> Verteilung des </a:t>
-            </a:r>
-            <a:r>
-              <a:rPr lang="de-DE" sz="2400" dirty="0" err="1" smtClean="0"/>
-              <a:t>Ingrad</a:t>
-            </a:r>
-            <a:r>
-              <a:rPr lang="de-DE" sz="2400" dirty="0" smtClean="0"/>
-              <a:t> </a:t>
-            </a:r>
-          </a:p>
           <a:p>
             <a:pPr lvl="1">
               <a:buFont typeface="Arial" pitchFamily="34" charset="0"/>
               <a:buChar char="•"/>
             </a:pPr>
-            <a:endParaRPr lang="de-DE" sz="2400" dirty="0"/>
+            <a:endParaRPr lang="de-DE" dirty="0" smtClean="0"/>
+          </a:p>
+          <a:p>
+            <a:pPr lvl="1">
+              <a:buFont typeface="Arial" pitchFamily="34" charset="0"/>
+              <a:buChar char="•"/>
+            </a:pPr>
+            <a:endParaRPr lang="de-DE" dirty="0" smtClean="0"/>
+          </a:p>
+          <a:p>
+            <a:pPr lvl="1">
+              <a:buFont typeface="Arial" pitchFamily="34" charset="0"/>
+              <a:buChar char="•"/>
+            </a:pPr>
+            <a:endParaRPr lang="de-DE" dirty="0" smtClean="0"/>
+          </a:p>
+          <a:p>
+            <a:pPr lvl="1">
+              <a:buFont typeface="Arial" pitchFamily="34" charset="0"/>
+              <a:buChar char="•"/>
+            </a:pPr>
+            <a:r>
+              <a:rPr lang="de-DE" dirty="0" smtClean="0"/>
+              <a:t>Durchschnittlicher kürzester Weg im Netzwerk</a:t>
+            </a:r>
+          </a:p>
+          <a:p>
+            <a:pPr lvl="1">
+              <a:buFont typeface="Arial" pitchFamily="34" charset="0"/>
+              <a:buChar char="•"/>
+            </a:pPr>
+            <a:r>
+              <a:rPr lang="de-DE" dirty="0" smtClean="0"/>
+              <a:t>Enhanced </a:t>
+            </a:r>
+            <a:r>
+              <a:rPr lang="de-DE" dirty="0" err="1" smtClean="0"/>
+              <a:t>shuffling</a:t>
+            </a:r>
+            <a:r>
+              <a:rPr lang="de-DE" dirty="0" smtClean="0"/>
+              <a:t> konvergiert zu Zufallsgraphen </a:t>
+            </a:r>
+            <a:endParaRPr lang="de-DE" dirty="0"/>
           </a:p>
         </p:txBody>
       </p:sp>
@@ -6232,6 +6443,13 @@
     <a:masterClrMapping/>
   </p:clrMapOvr>
   <p:transition spd="slow"/>
+  <p:timing>
+    <p:tnLst>
+      <p:par>
+        <p:cTn id="1" dur="indefinite" restart="never" nodeType="tmRoot"/>
+      </p:par>
+    </p:tnLst>
+  </p:timing>
 </p:sld>
 </file>
 
@@ -6269,74 +6487,167 @@
           <a:p>
             <a:r>
               <a:rPr lang="de-DE" dirty="0" smtClean="0"/>
-              <a:t>CYCLON: Robustheit</a:t>
+              <a:t>CYCLON: </a:t>
+            </a:r>
+            <a:r>
+              <a:rPr lang="de-DE" dirty="0" err="1" smtClean="0"/>
+              <a:t>Ingradverteilung</a:t>
             </a:r>
             <a:endParaRPr lang="de-DE" dirty="0"/>
           </a:p>
         </p:txBody>
       </p:sp>
-      <p:pic>
-        <p:nvPicPr>
-          <p:cNvPr id="7" name="Inhaltsplatzhalter 6" descr="selfhealing.png"/>
-          <p:cNvPicPr>
-            <a:picLocks noGrp="1" noChangeAspect="1"/>
-          </p:cNvPicPr>
-          <p:nvPr>
-            <p:ph sz="half" idx="1"/>
-          </p:nvPr>
-        </p:nvPicPr>
-        <p:blipFill>
-          <a:blip r:embed="rId2" cstate="print"/>
-          <a:stretch>
-            <a:fillRect/>
-          </a:stretch>
-        </p:blipFill>
-        <p:spPr>
-          <a:xfrm>
-            <a:off x="441589" y="1625277"/>
-            <a:ext cx="8226851" cy="3561859"/>
-          </a:xfrm>
-        </p:spPr>
-      </p:pic>
-      <p:sp>
-        <p:nvSpPr>
-          <p:cNvPr id="6" name="Inhaltsplatzhalter 5"/>
-          <p:cNvSpPr>
-            <a:spLocks noGrp="1"/>
-          </p:cNvSpPr>
-          <p:nvPr>
-            <p:ph sz="half" idx="2"/>
-          </p:nvPr>
-        </p:nvSpPr>
-        <p:spPr>
-          <a:xfrm>
-            <a:off x="257696" y="5178830"/>
-            <a:ext cx="8635480" cy="1137834"/>
-          </a:xfrm>
-        </p:spPr>
+      <p:sp>
+        <p:nvSpPr>
+          <p:cNvPr id="3" name="Inhaltsplatzhalter 2"/>
+          <p:cNvSpPr>
+            <a:spLocks noGrp="1"/>
+          </p:cNvSpPr>
+          <p:nvPr>
+            <p:ph idx="1"/>
+          </p:nvPr>
+        </p:nvSpPr>
+        <p:spPr/>
         <p:txBody>
           <a:bodyPr/>
           <a:lstStyle/>
+          <a:p>
+            <a:pPr lvl="1">
+              <a:lnSpc>
+                <a:spcPct val="100000"/>
+              </a:lnSpc>
+              <a:buNone/>
+            </a:pPr>
+            <a:endParaRPr lang="de-DE" sz="2400" b="1" dirty="0" smtClean="0"/>
+          </a:p>
+          <a:p>
+            <a:pPr lvl="1">
+              <a:lnSpc>
+                <a:spcPct val="100000"/>
+              </a:lnSpc>
+              <a:buNone/>
+            </a:pPr>
+            <a:r>
+              <a:rPr lang="de-DE" sz="2400" b="1" dirty="0" err="1" smtClean="0"/>
+              <a:t>Ausgrad</a:t>
+            </a:r>
+            <a:r>
+              <a:rPr lang="de-DE" sz="2400" dirty="0" smtClean="0"/>
+              <a:t> </a:t>
+            </a:r>
+          </a:p>
+          <a:p>
+            <a:pPr lvl="1">
+              <a:lnSpc>
+                <a:spcPct val="100000"/>
+              </a:lnSpc>
+              <a:buNone/>
+            </a:pPr>
+            <a:r>
+              <a:rPr lang="de-DE" sz="2400" dirty="0" smtClean="0"/>
+              <a:t>	Nachbarn eines Knoten</a:t>
+            </a:r>
+          </a:p>
+          <a:p>
+            <a:pPr lvl="2">
+              <a:lnSpc>
+                <a:spcPct val="200000"/>
+              </a:lnSpc>
+              <a:buFont typeface="Arial" pitchFamily="34" charset="0"/>
+              <a:buChar char="•"/>
+            </a:pPr>
+            <a:r>
+              <a:rPr lang="de-DE" sz="2400" dirty="0" err="1" smtClean="0"/>
+              <a:t>Ausgrad</a:t>
+            </a:r>
+            <a:r>
+              <a:rPr lang="de-DE" sz="2400" dirty="0" smtClean="0"/>
+              <a:t> ist durch Cachegröße gegeben</a:t>
+            </a:r>
+          </a:p>
+          <a:p>
+            <a:pPr lvl="1">
+              <a:lnSpc>
+                <a:spcPct val="100000"/>
+              </a:lnSpc>
+              <a:buNone/>
+            </a:pPr>
+            <a:endParaRPr lang="de-DE" sz="2400" b="1" dirty="0" smtClean="0"/>
+          </a:p>
+          <a:p>
+            <a:pPr lvl="1">
+              <a:lnSpc>
+                <a:spcPct val="100000"/>
+              </a:lnSpc>
+              <a:buNone/>
+            </a:pPr>
+            <a:r>
+              <a:rPr lang="de-DE" sz="2400" b="1" dirty="0" err="1" smtClean="0"/>
+              <a:t>Ingrad</a:t>
+            </a:r>
+            <a:r>
+              <a:rPr lang="de-DE" sz="2400" dirty="0" smtClean="0"/>
+              <a:t> </a:t>
+            </a:r>
+          </a:p>
+          <a:p>
+            <a:pPr lvl="1">
+              <a:lnSpc>
+                <a:spcPct val="100000"/>
+              </a:lnSpc>
+              <a:buNone/>
+            </a:pPr>
+            <a:r>
+              <a:rPr lang="de-DE" sz="2400" dirty="0" smtClean="0"/>
+              <a:t>	Nachbarn die den Knoten kennen</a:t>
+            </a:r>
+          </a:p>
+          <a:p>
+            <a:pPr lvl="2">
+              <a:lnSpc>
+                <a:spcPct val="200000"/>
+              </a:lnSpc>
+              <a:buFont typeface="Arial" pitchFamily="34" charset="0"/>
+              <a:buChar char="•"/>
+            </a:pPr>
+            <a:r>
+              <a:rPr lang="de-DE" sz="2400" dirty="0" smtClean="0"/>
+              <a:t>Ideal ist </a:t>
+            </a:r>
+            <a:r>
+              <a:rPr lang="de-DE" sz="2400" dirty="0" err="1" smtClean="0"/>
+              <a:t>gleichmässige</a:t>
+            </a:r>
+            <a:r>
+              <a:rPr lang="de-DE" sz="2400" dirty="0" smtClean="0"/>
+              <a:t> Verteilung des </a:t>
+            </a:r>
+            <a:r>
+              <a:rPr lang="de-DE" sz="2400" dirty="0" err="1" smtClean="0"/>
+              <a:t>Ingrad</a:t>
+            </a:r>
+            <a:endParaRPr lang="de-DE" sz="2400" dirty="0" smtClean="0"/>
+          </a:p>
+          <a:p>
+            <a:pPr lvl="2">
+              <a:lnSpc>
+                <a:spcPct val="100000"/>
+              </a:lnSpc>
+              <a:buFont typeface="Arial" pitchFamily="34" charset="0"/>
+              <a:buChar char="•"/>
+            </a:pPr>
+            <a:r>
+              <a:rPr lang="de-DE" sz="2400" dirty="0" smtClean="0"/>
+              <a:t>z.B. Überlastung einzelner Knoten verhindern</a:t>
+            </a:r>
+            <a:endParaRPr lang="de-DE" sz="2400" dirty="0" smtClean="0"/>
+          </a:p>
           <a:p>
             <a:pPr lvl="1">
               <a:buFont typeface="Arial" pitchFamily="34" charset="0"/>
               <a:buChar char="•"/>
             </a:pPr>
-            <a:r>
-              <a:rPr lang="de-DE" dirty="0" smtClean="0"/>
-              <a:t>100.000 Knoten</a:t>
-            </a:r>
-          </a:p>
-          <a:p>
-            <a:pPr lvl="1">
-              <a:buFont typeface="Arial" pitchFamily="34" charset="0"/>
-              <a:buChar char="•"/>
-            </a:pPr>
-            <a:r>
-              <a:rPr lang="de-DE" dirty="0" smtClean="0"/>
-              <a:t>80% der Knoten können entfernt werden bevor Partitionierung einsetzt</a:t>
-            </a:r>
-            <a:endParaRPr lang="de-DE" dirty="0"/>
+            <a:endParaRPr lang="de-DE" sz="2400" dirty="0"/>
           </a:p>
         </p:txBody>
       </p:sp>
@@ -6369,6 +6680,13 @@
     <a:masterClrMapping/>
   </p:clrMapOvr>
   <p:transition spd="slow"/>
+  <p:timing>
+    <p:tnLst>
+      <p:par>
+        <p:cTn id="1" dur="indefinite" restart="never" nodeType="tmRoot"/>
+      </p:par>
+    </p:tnLst>
+  </p:timing>
 </p:sld>
 </file>
 
@@ -6406,7 +6724,7 @@
           <a:p>
             <a:r>
               <a:rPr lang="de-DE" dirty="0" smtClean="0"/>
-              <a:t>CYCLON: Selbstheilung</a:t>
+              <a:t>CYCLON: Robustheit</a:t>
             </a:r>
             <a:endParaRPr lang="de-DE" dirty="0"/>
           </a:p>
@@ -6414,7 +6732,7 @@
       </p:sp>
       <p:pic>
         <p:nvPicPr>
-          <p:cNvPr id="6" name="Inhaltsplatzhalter 5" descr="dead_remember.png"/>
+          <p:cNvPr id="7" name="Inhaltsplatzhalter 6" descr="selfhealing.png"/>
           <p:cNvPicPr>
             <a:picLocks noGrp="1" noChangeAspect="1"/>
           </p:cNvPicPr>
@@ -6430,14 +6748,14 @@
         </p:blipFill>
         <p:spPr>
           <a:xfrm>
-            <a:off x="2038062" y="1544564"/>
-            <a:ext cx="4806799" cy="3443072"/>
+            <a:off x="441589" y="1625277"/>
+            <a:ext cx="8226851" cy="3561859"/>
           </a:xfrm>
         </p:spPr>
       </p:pic>
       <p:sp>
         <p:nvSpPr>
-          <p:cNvPr id="4" name="Inhaltsplatzhalter 3"/>
+          <p:cNvPr id="6" name="Inhaltsplatzhalter 5"/>
           <p:cNvSpPr>
             <a:spLocks noGrp="1"/>
           </p:cNvSpPr>
@@ -6447,65 +6765,39 @@
         </p:nvSpPr>
         <p:spPr>
           <a:xfrm>
-            <a:off x="249382" y="5020887"/>
-            <a:ext cx="8643793" cy="1295776"/>
+            <a:off x="257696" y="5178830"/>
+            <a:ext cx="8635480" cy="1137834"/>
           </a:xfrm>
         </p:spPr>
         <p:txBody>
           <a:bodyPr/>
           <a:lstStyle/>
           <a:p>
-            <a:pPr>
-              <a:lnSpc>
-                <a:spcPct val="150000"/>
-              </a:lnSpc>
+            <a:pPr lvl="1">
               <a:buFont typeface="Arial" pitchFamily="34" charset="0"/>
               <a:buChar char="•"/>
             </a:pPr>
             <a:r>
-              <a:rPr lang="de-DE" sz="2400" dirty="0" smtClean="0"/>
-              <a:t> Anzahl Zyklen bis </a:t>
-            </a:r>
-            <a:r>
-              <a:rPr lang="de-DE" sz="2400" dirty="0" err="1" smtClean="0"/>
-              <a:t>Deadlink</a:t>
-            </a:r>
-            <a:r>
-              <a:rPr lang="de-DE" sz="2400" dirty="0" smtClean="0"/>
-              <a:t> aus Netzwerk verschwindet</a:t>
-            </a:r>
-          </a:p>
-          <a:p>
-            <a:pPr>
-              <a:lnSpc>
-                <a:spcPct val="150000"/>
-              </a:lnSpc>
+              <a:rPr lang="de-DE" dirty="0" smtClean="0"/>
+              <a:t>100.000 Knoten</a:t>
+            </a:r>
+          </a:p>
+          <a:p>
+            <a:pPr lvl="1">
               <a:buFont typeface="Arial" pitchFamily="34" charset="0"/>
               <a:buChar char="•"/>
             </a:pPr>
             <a:r>
-              <a:rPr lang="de-DE" sz="2400" dirty="0" smtClean="0"/>
-              <a:t> </a:t>
-            </a:r>
-            <a:r>
-              <a:rPr lang="de-DE" sz="2400" dirty="0" err="1" smtClean="0"/>
-              <a:t>enhanced</a:t>
-            </a:r>
-            <a:r>
-              <a:rPr lang="de-DE" sz="2400" dirty="0" smtClean="0"/>
-              <a:t> deutlich besser als </a:t>
-            </a:r>
-            <a:r>
-              <a:rPr lang="de-DE" sz="2400" dirty="0" err="1" smtClean="0"/>
-              <a:t>basic</a:t>
-            </a:r>
-            <a:endParaRPr lang="de-DE" sz="2400" dirty="0"/>
-          </a:p>
-        </p:txBody>
-      </p:sp>
-      <p:sp>
-        <p:nvSpPr>
-          <p:cNvPr id="5" name="Fußzeilenplatzhalter 4"/>
+              <a:rPr lang="de-DE" dirty="0" smtClean="0"/>
+              <a:t>80% der Knoten können entfernt werden bevor Partitionierung einsetzt</a:t>
+            </a:r>
+            <a:endParaRPr lang="de-DE" dirty="0"/>
+          </a:p>
+        </p:txBody>
+      </p:sp>
+      <p:sp>
+        <p:nvSpPr>
+          <p:cNvPr id="4" name="Fußzeilenplatzhalter 3"/>
           <p:cNvSpPr>
             <a:spLocks noGrp="1"/>
           </p:cNvSpPr>
@@ -6532,6 +6824,13 @@
     <a:masterClrMapping/>
   </p:clrMapOvr>
   <p:transition spd="slow"/>
+  <p:timing>
+    <p:tnLst>
+      <p:par>
+        <p:cTn id="1" dur="indefinite" restart="never" nodeType="tmRoot"/>
+      </p:par>
+    </p:tnLst>
+  </p:timing>
 </p:sld>
 </file>
 
@@ -6569,6 +6868,176 @@
           <a:p>
             <a:r>
               <a:rPr lang="de-DE" dirty="0" smtClean="0"/>
+              <a:t>CYCLON: Selbstheilung</a:t>
+            </a:r>
+            <a:endParaRPr lang="de-DE" dirty="0"/>
+          </a:p>
+        </p:txBody>
+      </p:sp>
+      <p:pic>
+        <p:nvPicPr>
+          <p:cNvPr id="6" name="Inhaltsplatzhalter 5" descr="dead_remember.png"/>
+          <p:cNvPicPr>
+            <a:picLocks noGrp="1" noChangeAspect="1"/>
+          </p:cNvPicPr>
+          <p:nvPr>
+            <p:ph sz="half" idx="1"/>
+          </p:nvPr>
+        </p:nvPicPr>
+        <p:blipFill>
+          <a:blip r:embed="rId2" cstate="print"/>
+          <a:stretch>
+            <a:fillRect/>
+          </a:stretch>
+        </p:blipFill>
+        <p:spPr>
+          <a:xfrm>
+            <a:off x="2038062" y="1544564"/>
+            <a:ext cx="4806799" cy="3443072"/>
+          </a:xfrm>
+        </p:spPr>
+      </p:pic>
+      <p:sp>
+        <p:nvSpPr>
+          <p:cNvPr id="4" name="Inhaltsplatzhalter 3"/>
+          <p:cNvSpPr>
+            <a:spLocks noGrp="1"/>
+          </p:cNvSpPr>
+          <p:nvPr>
+            <p:ph sz="half" idx="2"/>
+          </p:nvPr>
+        </p:nvSpPr>
+        <p:spPr>
+          <a:xfrm>
+            <a:off x="249382" y="5020887"/>
+            <a:ext cx="8643793" cy="1295776"/>
+          </a:xfrm>
+        </p:spPr>
+        <p:txBody>
+          <a:bodyPr/>
+          <a:lstStyle/>
+          <a:p>
+            <a:pPr>
+              <a:lnSpc>
+                <a:spcPct val="150000"/>
+              </a:lnSpc>
+              <a:buFont typeface="Arial" pitchFamily="34" charset="0"/>
+              <a:buChar char="•"/>
+            </a:pPr>
+            <a:r>
+              <a:rPr lang="de-DE" sz="2400" dirty="0" smtClean="0"/>
+              <a:t> Anzahl Zyklen bis </a:t>
+            </a:r>
+            <a:r>
+              <a:rPr lang="de-DE" sz="2400" dirty="0" err="1" smtClean="0"/>
+              <a:t>Deadlink</a:t>
+            </a:r>
+            <a:r>
+              <a:rPr lang="de-DE" sz="2400" dirty="0" smtClean="0"/>
+              <a:t> aus Netzwerk verschwindet</a:t>
+            </a:r>
+          </a:p>
+          <a:p>
+            <a:pPr>
+              <a:lnSpc>
+                <a:spcPct val="150000"/>
+              </a:lnSpc>
+              <a:buFont typeface="Arial" pitchFamily="34" charset="0"/>
+              <a:buChar char="•"/>
+            </a:pPr>
+            <a:r>
+              <a:rPr lang="de-DE" sz="2400" dirty="0" smtClean="0"/>
+              <a:t> </a:t>
+            </a:r>
+            <a:r>
+              <a:rPr lang="de-DE" sz="2400" dirty="0" err="1" smtClean="0"/>
+              <a:t>enhanced</a:t>
+            </a:r>
+            <a:r>
+              <a:rPr lang="de-DE" sz="2400" dirty="0" smtClean="0"/>
+              <a:t> deutlich besser als </a:t>
+            </a:r>
+            <a:r>
+              <a:rPr lang="de-DE" sz="2400" dirty="0" err="1" smtClean="0"/>
+              <a:t>basic</a:t>
+            </a:r>
+            <a:endParaRPr lang="de-DE" sz="2400" dirty="0"/>
+          </a:p>
+        </p:txBody>
+      </p:sp>
+      <p:sp>
+        <p:nvSpPr>
+          <p:cNvPr id="5" name="Fußzeilenplatzhalter 4"/>
+          <p:cNvSpPr>
+            <a:spLocks noGrp="1"/>
+          </p:cNvSpPr>
+          <p:nvPr>
+            <p:ph type="ftr" sz="quarter" idx="10"/>
+          </p:nvPr>
+        </p:nvSpPr>
+        <p:spPr/>
+        <p:txBody>
+          <a:bodyPr/>
+          <a:lstStyle/>
+          <a:p>
+            <a:r>
+              <a:rPr lang="de-DE" smtClean="0"/>
+              <a:t>Gossip und CYCLON, 13.06.2013</a:t>
+            </a:r>
+            <a:endParaRPr lang="de-DE"/>
+          </a:p>
+        </p:txBody>
+      </p:sp>
+    </p:spTree>
+  </p:cSld>
+  <p:clrMapOvr>
+    <a:masterClrMapping/>
+  </p:clrMapOvr>
+  <p:transition spd="slow"/>
+  <p:timing>
+    <p:tnLst>
+      <p:par>
+        <p:cTn id="1" dur="indefinite" restart="never" nodeType="tmRoot"/>
+      </p:par>
+    </p:tnLst>
+  </p:timing>
+</p:sld>
+</file>
+
+<file path=ppt/slides/slide26.xml><?xml version="1.0" encoding="utf-8"?>
+<p:sld xmlns:a="http://schemas.openxmlformats.org/drawingml/2006/main" xmlns:r="http://schemas.openxmlformats.org/officeDocument/2006/relationships" xmlns:p="http://schemas.openxmlformats.org/presentationml/2006/main">
+  <p:cSld>
+    <p:spTree>
+      <p:nvGrpSpPr>
+        <p:cNvPr id="1" name=""/>
+        <p:cNvGrpSpPr/>
+        <p:nvPr/>
+      </p:nvGrpSpPr>
+      <p:grpSpPr>
+        <a:xfrm>
+          <a:off x="0" y="0"/>
+          <a:ext cx="0" cy="0"/>
+          <a:chOff x="0" y="0"/>
+          <a:chExt cx="0" cy="0"/>
+        </a:xfrm>
+      </p:grpSpPr>
+      <p:sp>
+        <p:nvSpPr>
+          <p:cNvPr id="2" name="Titel 1"/>
+          <p:cNvSpPr>
+            <a:spLocks noGrp="1"/>
+          </p:cNvSpPr>
+          <p:nvPr>
+            <p:ph type="title"/>
+          </p:nvPr>
+        </p:nvSpPr>
+        <p:spPr/>
+        <p:txBody>
+          <a:bodyPr/>
+          <a:lstStyle/>
+          <a:p>
+            <a:r>
+              <a:rPr lang="de-DE" dirty="0" smtClean="0"/>
               <a:t>CYCLON: Fazit</a:t>
             </a:r>
             <a:endParaRPr lang="de-DE" dirty="0"/>
@@ -6598,12 +7067,13 @@
             <a:endParaRPr lang="de-DE" dirty="0" smtClean="0"/>
           </a:p>
           <a:p>
-            <a:endParaRPr lang="de-DE" dirty="0" smtClean="0"/>
-          </a:p>
-          <a:p>
             <a:r>
               <a:rPr lang="de-DE" dirty="0" smtClean="0"/>
-              <a:t>Dargestellte Eigenschaften(Robustheit, </a:t>
+              <a:t>Dargestellte Eigenschaften (</a:t>
+            </a:r>
+            <a:r>
+              <a:rPr lang="de-DE" dirty="0" smtClean="0"/>
+              <a:t>Robustheit, </a:t>
             </a:r>
             <a:r>
               <a:rPr lang="de-DE" dirty="0" err="1" smtClean="0"/>
@@ -6611,7 +7081,26 @@
             </a:r>
             <a:r>
               <a:rPr lang="de-DE" dirty="0" smtClean="0"/>
-              <a:t>, kurze durchschnittliche kürzeste Wege) sind E. des Gesamtsystems. CYCLON schafft es diese dezentral, mit minimalen Aufwand und ausschließlich lokaler Sicht sehr gut zu approximieren.</a:t>
+              <a:t>, kurze durchschnittliche kürzeste Wege) sind </a:t>
+            </a:r>
+            <a:r>
+              <a:rPr lang="de-DE" dirty="0" smtClean="0"/>
+              <a:t>Eigenschaften </a:t>
+            </a:r>
+            <a:r>
+              <a:rPr lang="de-DE" dirty="0" smtClean="0"/>
+              <a:t>des Gesamtsystems. </a:t>
+            </a:r>
+            <a:endParaRPr lang="de-DE" dirty="0" smtClean="0"/>
+          </a:p>
+          <a:p>
+            <a:r>
+              <a:rPr lang="de-DE" dirty="0" smtClean="0"/>
+              <a:t>CYCLON </a:t>
+            </a:r>
+            <a:r>
+              <a:rPr lang="de-DE" dirty="0" smtClean="0"/>
+              <a:t>schafft es diese dezentral, mit minimalen Aufwand und ausschließlich lokaler Sicht sehr gut zu approximieren.</a:t>
             </a:r>
             <a:endParaRPr lang="de-DE" dirty="0"/>
           </a:p>
@@ -6646,10 +7135,17 @@
     <a:masterClrMapping/>
   </p:clrMapOvr>
   <p:transition spd="slow"/>
+  <p:timing>
+    <p:tnLst>
+      <p:par>
+        <p:cTn id="1" dur="indefinite" restart="never" nodeType="tmRoot"/>
+      </p:par>
+    </p:tnLst>
+  </p:timing>
 </p:sld>
 </file>
 
-<file path=ppt/slides/slide26.xml><?xml version="1.0" encoding="utf-8"?>
+<file path=ppt/slides/slide27.xml><?xml version="1.0" encoding="utf-8"?>
 <p:sld xmlns:a="http://schemas.openxmlformats.org/drawingml/2006/main" xmlns:r="http://schemas.openxmlformats.org/officeDocument/2006/relationships" xmlns:p="http://schemas.openxmlformats.org/presentationml/2006/main">
   <p:cSld>
     <p:spTree>
@@ -6952,15 +7448,7 @@
             </a:pPr>
             <a:r>
               <a:rPr lang="de-DE" sz="2400" dirty="0" smtClean="0"/>
-              <a:t>historisch zur Sicherung der Konsistenz </a:t>
-            </a:r>
-            <a:r>
-              <a:rPr lang="de-DE" sz="2400" dirty="0" smtClean="0"/>
-              <a:t>verteilter </a:t>
-            </a:r>
-            <a:r>
-              <a:rPr lang="de-DE" sz="2400" dirty="0" smtClean="0"/>
-              <a:t>Datenbanken</a:t>
+              <a:t>historisch zur Sicherung der Konsistenz verteilter Datenbanken</a:t>
             </a:r>
             <a:endParaRPr lang="de-DE" sz="2400" dirty="0"/>
           </a:p>
@@ -7325,6 +7813,13 @@
     <a:masterClrMapping/>
   </p:clrMapOvr>
   <p:transition spd="slow"/>
+  <p:timing>
+    <p:tnLst>
+      <p:par>
+        <p:cTn id="1" dur="indefinite" restart="never" nodeType="tmRoot"/>
+      </p:par>
+    </p:tnLst>
+  </p:timing>
 </p:sld>
 </file>
 
@@ -7481,6 +7976,13 @@
     <a:masterClrMapping/>
   </p:clrMapOvr>
   <p:transition spd="slow"/>
+  <p:timing>
+    <p:tnLst>
+      <p:par>
+        <p:cTn id="1" dur="indefinite" restart="never" nodeType="tmRoot"/>
+      </p:par>
+    </p:tnLst>
+  </p:timing>
 </p:sld>
 </file>
 
@@ -7522,11 +8024,7 @@
             </a:r>
             <a:r>
               <a:rPr lang="de-DE" dirty="0" smtClean="0"/>
-              <a:t> Anwendung: </a:t>
-            </a:r>
-            <a:r>
-              <a:rPr lang="de-DE" dirty="0" smtClean="0"/>
-              <a:t>Verteilung 1/2</a:t>
+              <a:t> Anwendung: Verteilung 1/2</a:t>
             </a:r>
             <a:endParaRPr lang="de-DE" dirty="0"/>
           </a:p>
@@ -7601,11 +8099,7 @@
             </a:br>
             <a:r>
               <a:rPr lang="de-DE" sz="2400" dirty="0" smtClean="0"/>
-              <a:t>Zufällige </a:t>
-            </a:r>
-            <a:r>
-              <a:rPr lang="de-DE" sz="2400" dirty="0" smtClean="0"/>
-              <a:t>Auswahl einer bestimmten Anzahl von Kommunikationspartnern</a:t>
+              <a:t>Zufällige Auswahl einer bestimmten Anzahl von Kommunikationspartnern</a:t>
             </a:r>
           </a:p>
           <a:p>
@@ -7628,17 +8122,8 @@
             </a:br>
             <a:r>
               <a:rPr lang="de-DE" sz="2400" dirty="0" smtClean="0"/>
-              <a:t>Eine </a:t>
-            </a:r>
-            <a:r>
-              <a:rPr lang="de-DE" sz="2400" dirty="0" smtClean="0"/>
-              <a:t>Nachricht aus dem lokalen Cache eines Peers in den lokalen Cache eines anderen Peers </a:t>
-            </a:r>
-            <a:r>
-              <a:rPr lang="de-DE" sz="2400" dirty="0" smtClean="0"/>
-              <a:t>kopiert</a:t>
-            </a:r>
-            <a:endParaRPr lang="de-DE" sz="2400" dirty="0" smtClean="0"/>
+              <a:t>Eine Nachricht aus dem lokalen Cache eines Peers in den lokalen Cache eines anderen Peers kopiert</a:t>
+            </a:r>
           </a:p>
         </p:txBody>
       </p:sp>
@@ -7719,11 +8204,7 @@
             </a:r>
             <a:r>
               <a:rPr lang="de-DE" dirty="0" smtClean="0"/>
-              <a:t> Anwendung: Verteilung </a:t>
-            </a:r>
-            <a:r>
-              <a:rPr lang="de-DE" dirty="0" smtClean="0"/>
-              <a:t>2/2</a:t>
+              <a:t> Anwendung: Verteilung 2/2</a:t>
             </a:r>
             <a:endParaRPr lang="de-DE" dirty="0"/>
           </a:p>
@@ -7763,11 +8244,7 @@
             </a:br>
             <a:r>
               <a:rPr lang="de-DE" sz="2400" dirty="0" smtClean="0"/>
-              <a:t>Eventuell </a:t>
-            </a:r>
-            <a:r>
-              <a:rPr lang="de-DE" sz="2400" dirty="0" smtClean="0"/>
-              <a:t>Weiterleitung neuer Nachrichten an höhere Schichten, Löschung veralteter Nachrichten</a:t>
+              <a:t>Eventuell Weiterleitung neuer Nachrichten an höhere Schichten, Löschung veralteter Nachrichten</a:t>
             </a:r>
           </a:p>
           <a:p>
@@ -7780,11 +8257,7 @@
             </a:pPr>
             <a:r>
               <a:rPr lang="de-DE" sz="2400" dirty="0" smtClean="0"/>
-              <a:t>push/pull/hybrid </a:t>
-            </a:r>
-            <a:r>
-              <a:rPr lang="de-DE" sz="2400" dirty="0" smtClean="0"/>
-              <a:t>Modus</a:t>
+              <a:t>push/pull/hybrid Modus</a:t>
             </a:r>
           </a:p>
           <a:p>
@@ -7797,11 +8270,7 @@
             </a:pPr>
             <a:r>
               <a:rPr lang="de-DE" sz="2400" dirty="0" smtClean="0"/>
-              <a:t>Durchschnittliche </a:t>
-            </a:r>
-            <a:r>
-              <a:rPr lang="de-DE" sz="2400" dirty="0" smtClean="0"/>
-              <a:t>Verbreitungsgeschwindigkeit: O(log N) mit N = Anzahl der Knoten</a:t>
+              <a:t>Durchschnittliche Verbreitungsgeschwindigkeit: O(log N) mit N = Anzahl der Knoten</a:t>
             </a:r>
           </a:p>
           <a:p>
@@ -7838,6 +8307,13 @@
     <a:masterClrMapping/>
   </p:clrMapOvr>
   <p:transition spd="slow"/>
+  <p:timing>
+    <p:tnLst>
+      <p:par>
+        <p:cTn id="1" dur="indefinite" restart="never" nodeType="tmRoot"/>
+      </p:par>
+    </p:tnLst>
+  </p:timing>
 </p:sld>
 </file>
 
@@ -7879,11 +8355,7 @@
             </a:r>
             <a:r>
               <a:rPr lang="de-DE" dirty="0" smtClean="0"/>
-              <a:t> Anwendung: </a:t>
-            </a:r>
-            <a:r>
-              <a:rPr lang="de-DE" dirty="0" smtClean="0"/>
-              <a:t>Partnerfindung 1/2</a:t>
+              <a:t> Anwendung: Partnerfindung 1/2</a:t>
             </a:r>
             <a:endParaRPr lang="de-DE" dirty="0"/>
           </a:p>
@@ -7924,30 +8396,14 @@
             </a:pPr>
             <a:r>
               <a:rPr lang="de-DE" sz="2400" dirty="0" smtClean="0"/>
-              <a:t>	</a:t>
-            </a:r>
-            <a:r>
-              <a:rPr lang="de-DE" sz="2400" dirty="0" smtClean="0"/>
-              <a:t>Austauschpartner </a:t>
-            </a:r>
-            <a:r>
-              <a:rPr lang="de-DE" sz="2400" dirty="0" smtClean="0"/>
-              <a:t>werden zufällig aus </a:t>
-            </a:r>
-            <a:r>
-              <a:rPr lang="de-DE" sz="2400" dirty="0" smtClean="0"/>
-              <a:t>einem</a:t>
+              <a:t>	Austauschpartner werden zufällig aus einem</a:t>
             </a:r>
             <a:br>
               <a:rPr lang="de-DE" sz="2400" dirty="0" smtClean="0"/>
             </a:br>
             <a:r>
               <a:rPr lang="de-DE" sz="2400" dirty="0" smtClean="0"/>
-              <a:t>lokalen </a:t>
-            </a:r>
-            <a:r>
-              <a:rPr lang="de-DE" sz="2400" dirty="0" smtClean="0"/>
-              <a:t>Cache (Nachbarliste) ausgewählt</a:t>
+              <a:t>lokalen Cache (Nachbarliste) ausgewählt</a:t>
             </a:r>
           </a:p>
           <a:p>
@@ -7971,15 +8427,7 @@
             </a:pPr>
             <a:r>
               <a:rPr lang="de-DE" sz="2400" dirty="0" smtClean="0"/>
-              <a:t>	</a:t>
-            </a:r>
-            <a:r>
-              <a:rPr lang="de-DE" sz="2400" dirty="0" smtClean="0"/>
-              <a:t>Weitergabe </a:t>
-            </a:r>
-            <a:r>
-              <a:rPr lang="de-DE" sz="2400" dirty="0" smtClean="0"/>
-              <a:t>der lokalen Liste</a:t>
+              <a:t>	Weitergabe der lokalen Liste</a:t>
             </a:r>
           </a:p>
           <a:p>
@@ -8002,17 +8450,8 @@
             </a:br>
             <a:r>
               <a:rPr lang="de-DE" sz="2400" dirty="0" smtClean="0"/>
-              <a:t>Empfangene </a:t>
-            </a:r>
-            <a:r>
-              <a:rPr lang="de-DE" sz="2400" dirty="0" smtClean="0"/>
-              <a:t>Nachbarlisten werden in lokale Liste </a:t>
-            </a:r>
-            <a:r>
-              <a:rPr lang="de-DE" sz="2400" dirty="0" smtClean="0"/>
-              <a:t>eingefügt</a:t>
-            </a:r>
-            <a:endParaRPr lang="de-DE" sz="2400" dirty="0" smtClean="0"/>
+              <a:t>Empfangene Nachbarlisten werden in lokale Liste eingefügt</a:t>
+            </a:r>
           </a:p>
         </p:txBody>
       </p:sp>

--- a/Vortrag/[MASTER] Präsentation.pptx
+++ b/Vortrag/[MASTER] Präsentation.pptx
@@ -25,7 +25,7 @@
     <p:sldId id="282" r:id="rId13"/>
     <p:sldId id="265" r:id="rId14"/>
     <p:sldId id="266" r:id="rId15"/>
-    <p:sldId id="267" r:id="rId16"/>
+    <p:sldId id="283" r:id="rId16"/>
     <p:sldId id="270" r:id="rId17"/>
     <p:sldId id="259" r:id="rId18"/>
     <p:sldId id="271" r:id="rId19"/>
@@ -925,6 +925,67 @@
 </file>
 
 <file path=ppt/notesSlides/notesSlide2.xml><?xml version="1.0" encoding="utf-8"?>
+<p:notes xmlns:a="http://schemas.openxmlformats.org/drawingml/2006/main" xmlns:r="http://schemas.openxmlformats.org/officeDocument/2006/relationships" xmlns:p="http://schemas.openxmlformats.org/presentationml/2006/main">
+  <p:cSld>
+    <p:spTree>
+      <p:nvGrpSpPr>
+        <p:cNvPr id="1" name=""/>
+        <p:cNvGrpSpPr/>
+        <p:nvPr/>
+      </p:nvGrpSpPr>
+      <p:grpSpPr>
+        <a:xfrm>
+          <a:off x="0" y="0"/>
+          <a:ext cx="0" cy="0"/>
+          <a:chOff x="0" y="0"/>
+          <a:chExt cx="0" cy="0"/>
+        </a:xfrm>
+      </p:grpSpPr>
+      <p:sp>
+        <p:nvSpPr>
+          <p:cNvPr id="68610" name="Rectangle 2"/>
+          <p:cNvSpPr>
+            <a:spLocks noGrp="1" noRot="1" noChangeAspect="1" noChangeArrowheads="1" noTextEdit="1"/>
+          </p:cNvSpPr>
+          <p:nvPr>
+            <p:ph type="sldImg"/>
+          </p:nvPr>
+        </p:nvSpPr>
+        <p:spPr>
+          <a:ln/>
+        </p:spPr>
+      </p:sp>
+      <p:sp>
+        <p:nvSpPr>
+          <p:cNvPr id="68611" name="Rectangle 3"/>
+          <p:cNvSpPr>
+            <a:spLocks noGrp="1" noChangeArrowheads="1"/>
+          </p:cNvSpPr>
+          <p:nvPr>
+            <p:ph type="body" idx="1"/>
+          </p:nvPr>
+        </p:nvSpPr>
+        <p:spPr>
+          <a:noFill/>
+          <a:ln/>
+        </p:spPr>
+        <p:txBody>
+          <a:bodyPr/>
+          <a:lstStyle/>
+          <a:p>
+            <a:endParaRPr lang="de-DE" smtClean="0"/>
+          </a:p>
+        </p:txBody>
+      </p:sp>
+    </p:spTree>
+  </p:cSld>
+  <p:clrMapOvr>
+    <a:masterClrMapping/>
+  </p:clrMapOvr>
+</p:notes>
+</file>
+
+<file path=ppt/notesSlides/notesSlide3.xml><?xml version="1.0" encoding="utf-8"?>
 <p:notes xmlns:a="http://schemas.openxmlformats.org/drawingml/2006/main" xmlns:r="http://schemas.openxmlformats.org/officeDocument/2006/relationships" xmlns:p="http://schemas.openxmlformats.org/presentationml/2006/main">
   <p:cSld>
     <p:spTree>
@@ -4207,11 +4268,7 @@
             </a:pPr>
             <a:r>
               <a:rPr lang="de-DE" sz="2400" dirty="0" smtClean="0"/>
-              <a:t>Manchmal </a:t>
-            </a:r>
-            <a:r>
-              <a:rPr lang="de-DE" sz="2400" dirty="0" smtClean="0"/>
-              <a:t>striktere Kontrolle über </a:t>
+              <a:t>Manchmal striktere Kontrolle über </a:t>
             </a:r>
             <a:r>
               <a:rPr lang="de-DE" sz="2400" dirty="0" err="1" smtClean="0"/>
@@ -4219,11 +4276,7 @@
             </a:r>
             <a:r>
               <a:rPr lang="de-DE" sz="2400" dirty="0" smtClean="0"/>
-              <a:t>-Netzkonstruktion </a:t>
-            </a:r>
-            <a:r>
-              <a:rPr lang="de-DE" sz="2400" dirty="0" smtClean="0"/>
-              <a:t>notwendig</a:t>
+              <a:t>-Netzkonstruktion notwendig</a:t>
             </a:r>
           </a:p>
           <a:p>
@@ -4235,15 +4288,7 @@
           <a:p>
             <a:r>
               <a:rPr lang="de-DE" sz="2400" dirty="0" smtClean="0"/>
-              <a:t>	</a:t>
-            </a:r>
-            <a:r>
-              <a:rPr lang="de-DE" sz="2400" dirty="0" smtClean="0"/>
-              <a:t>Zufällige </a:t>
-            </a:r>
-            <a:r>
-              <a:rPr lang="de-DE" sz="2400" dirty="0" smtClean="0"/>
-              <a:t>Auswahl aus dem lokalen Cache</a:t>
+              <a:t>	Zufällige Auswahl aus dem lokalen Cache</a:t>
             </a:r>
           </a:p>
           <a:p>
@@ -4255,15 +4300,7 @@
           <a:p>
             <a:r>
               <a:rPr lang="de-DE" sz="2400" dirty="0" smtClean="0"/>
-              <a:t>	</a:t>
-            </a:r>
-            <a:r>
-              <a:rPr lang="de-DE" sz="2400" dirty="0" smtClean="0"/>
-              <a:t>Listen </a:t>
-            </a:r>
-            <a:r>
-              <a:rPr lang="de-DE" sz="2400" dirty="0" smtClean="0"/>
-              <a:t>von Peers</a:t>
+              <a:t>	Listen von Peers</a:t>
             </a:r>
           </a:p>
           <a:p>
@@ -4275,29 +4312,8 @@
           <a:p>
             <a:r>
               <a:rPr lang="de-DE" sz="2400" dirty="0" smtClean="0"/>
-              <a:t>	</a:t>
-            </a:r>
-            <a:r>
-              <a:rPr lang="de-DE" sz="2400" dirty="0" smtClean="0"/>
-              <a:t>Einfügen </a:t>
-            </a:r>
-            <a:r>
-              <a:rPr lang="de-DE" sz="2400" dirty="0" smtClean="0"/>
-              <a:t>der empfangenen Liste in den lokalen Cache </a:t>
-            </a:r>
-            <a:r>
-              <a:rPr lang="de-DE" sz="2400" dirty="0" smtClean="0"/>
-              <a:t>	und </a:t>
-            </a:r>
-            <a:r>
-              <a:rPr lang="de-DE" sz="2400" dirty="0" smtClean="0"/>
-              <a:t>Bewertung der neuen Peers (evtl. Löschung von </a:t>
-            </a:r>
-            <a:r>
-              <a:rPr lang="de-DE" sz="2400" dirty="0" smtClean="0"/>
-              <a:t>	Peers)</a:t>
-            </a:r>
-            <a:endParaRPr lang="de-DE" sz="2400" dirty="0" smtClean="0"/>
+              <a:t>	Einfügen der empfangenen Liste in den lokalen Cache 	und Bewertung der neuen Peers (evtl. Löschung von 	Peers)</a:t>
+            </a:r>
           </a:p>
         </p:txBody>
       </p:sp>
@@ -4378,11 +4394,7 @@
             </a:r>
             <a:r>
               <a:rPr lang="de-DE" dirty="0" smtClean="0"/>
-              <a:t> Anwendung: Topologie </a:t>
-            </a:r>
-            <a:r>
-              <a:rPr lang="de-DE" dirty="0" smtClean="0"/>
-              <a:t>Konstruktion</a:t>
+              <a:t> Anwendung: Topologie Konstruktion</a:t>
             </a:r>
             <a:endParaRPr lang="de-DE" dirty="0"/>
           </a:p>
@@ -4403,7 +4415,7 @@
           <a:bodyPr/>
           <a:lstStyle/>
           <a:p>
-            <a:pPr>
+            <a:pPr lvl="1">
               <a:lnSpc>
                 <a:spcPct val="200000"/>
               </a:lnSpc>
@@ -4420,7 +4432,7 @@
             </a:r>
           </a:p>
           <a:p>
-            <a:pPr>
+            <a:pPr lvl="1">
               <a:lnSpc>
                 <a:spcPct val="200000"/>
               </a:lnSpc>
@@ -4429,20 +4441,11 @@
             </a:pPr>
             <a:r>
               <a:rPr lang="de-DE" sz="2400" dirty="0" smtClean="0"/>
-              <a:t> </a:t>
-            </a:r>
-            <a:r>
-              <a:rPr lang="de-DE" sz="2400" dirty="0" smtClean="0"/>
-              <a:t>Einführung einer Bewertungsfunktion für </a:t>
-            </a:r>
-            <a:r>
-              <a:rPr lang="de-DE" sz="2400" dirty="0" smtClean="0"/>
-              <a:t>Nachbarn</a:t>
-            </a:r>
-            <a:endParaRPr lang="de-DE" sz="2400" dirty="0" smtClean="0"/>
-          </a:p>
-          <a:p>
-            <a:pPr>
+              <a:t> Einführung einer Bewertungsfunktion für Nachbarn</a:t>
+            </a:r>
+          </a:p>
+          <a:p>
+            <a:pPr lvl="1">
               <a:lnSpc>
                 <a:spcPct val="200000"/>
               </a:lnSpc>
@@ -4455,7 +4458,50 @@
             </a:r>
             <a:r>
               <a:rPr lang="de-DE" sz="2400" dirty="0" smtClean="0"/>
-              <a:t>Bewertungsfunktionen: Anbindungsgeschwindigkeit, Verfügbarkeit, ID-abhängige Kriterien (z.B. Ringkonstruktion)</a:t>
+              <a:t>Bewertungsfunktionen</a:t>
+            </a:r>
+          </a:p>
+          <a:p>
+            <a:pPr lvl="2">
+              <a:lnSpc>
+                <a:spcPct val="100000"/>
+              </a:lnSpc>
+              <a:buFont typeface="Arial" pitchFamily="34" charset="0"/>
+              <a:buChar char="•"/>
+            </a:pPr>
+            <a:r>
+              <a:rPr lang="de-DE" sz="2400" dirty="0" smtClean="0"/>
+              <a:t>Anbindungsgeschwindigkeit</a:t>
+            </a:r>
+          </a:p>
+          <a:p>
+            <a:pPr lvl="2">
+              <a:lnSpc>
+                <a:spcPct val="100000"/>
+              </a:lnSpc>
+              <a:buFont typeface="Arial" pitchFamily="34" charset="0"/>
+              <a:buChar char="•"/>
+            </a:pPr>
+            <a:r>
+              <a:rPr lang="de-DE" sz="2400" dirty="0" smtClean="0"/>
+              <a:t>Verfügbarkeit</a:t>
+            </a:r>
+          </a:p>
+          <a:p>
+            <a:pPr lvl="2">
+              <a:lnSpc>
+                <a:spcPct val="100000"/>
+              </a:lnSpc>
+              <a:buFont typeface="Arial" pitchFamily="34" charset="0"/>
+              <a:buChar char="•"/>
+            </a:pPr>
+            <a:r>
+              <a:rPr lang="de-DE" sz="2400" dirty="0" smtClean="0"/>
+              <a:t>ID-abhängige </a:t>
+            </a:r>
+            <a:r>
+              <a:rPr lang="de-DE" sz="2400" dirty="0" smtClean="0"/>
+              <a:t>Kriterien (z.B. Ringkonstruktion)</a:t>
             </a:r>
           </a:p>
           <a:p>
@@ -4547,12 +4593,8 @@
               <a:t> Anwendung: </a:t>
             </a:r>
             <a:r>
-              <a:rPr lang="de-DE" dirty="0" err="1" smtClean="0"/>
-              <a:t>Resourcenverwaltung</a:t>
-            </a:r>
-            <a:r>
               <a:rPr lang="de-DE" dirty="0" smtClean="0"/>
-              <a:t> </a:t>
+              <a:t>Ressourcenverwaltung </a:t>
             </a:r>
             <a:endParaRPr lang="de-DE" dirty="0"/>
           </a:p>
@@ -4581,15 +4623,7 @@
           <a:p>
             <a:r>
               <a:rPr lang="de-DE" sz="2400" dirty="0" smtClean="0"/>
-              <a:t>	</a:t>
-            </a:r>
-            <a:r>
-              <a:rPr lang="de-DE" sz="2400" dirty="0" smtClean="0"/>
-              <a:t>Zufällige </a:t>
-            </a:r>
-            <a:r>
-              <a:rPr lang="de-DE" sz="2400" dirty="0" smtClean="0"/>
-              <a:t>Auswahl aus dem lokalen Cache</a:t>
+              <a:t>	Zufällige Auswahl aus dem lokalen Cache</a:t>
             </a:r>
           </a:p>
           <a:p>
@@ -4601,15 +4635,7 @@
           <a:p>
             <a:r>
               <a:rPr lang="de-DE" sz="2400" dirty="0" smtClean="0"/>
-              <a:t>	</a:t>
-            </a:r>
-            <a:r>
-              <a:rPr lang="de-DE" sz="2400" dirty="0" smtClean="0"/>
-              <a:t>Statusinformationen </a:t>
-            </a:r>
-            <a:r>
-              <a:rPr lang="de-DE" sz="2400" dirty="0" smtClean="0"/>
-              <a:t>über benachbarte Peers</a:t>
+              <a:t>	Statusinformationen über benachbarte Peers</a:t>
             </a:r>
           </a:p>
           <a:p>
@@ -4621,21 +4647,8 @@
           <a:p>
             <a:r>
               <a:rPr lang="de-DE" sz="2400" dirty="0" smtClean="0"/>
-              <a:t>	</a:t>
-            </a:r>
-            <a:r>
-              <a:rPr lang="de-DE" sz="2400" dirty="0" smtClean="0"/>
-              <a:t>Updaten </a:t>
-            </a:r>
-            <a:r>
-              <a:rPr lang="de-DE" sz="2400" dirty="0" smtClean="0"/>
-              <a:t>des lokalen Cache mit </a:t>
-            </a:r>
-            <a:r>
-              <a:rPr lang="de-DE" sz="2400" dirty="0" smtClean="0"/>
-              <a:t>neuen 	Statusinformationen</a:t>
-            </a:r>
-            <a:endParaRPr lang="de-DE" sz="2400" dirty="0" smtClean="0"/>
+              <a:t>	Updaten des lokalen Cache mit neuen 	Statusinformationen</a:t>
+            </a:r>
           </a:p>
           <a:p>
             <a:pPr lvl="1">
@@ -4645,7 +4658,6 @@
               <a:rPr lang="de-DE" sz="2400" dirty="0" smtClean="0"/>
               <a:t> </a:t>
             </a:r>
-            <a:endParaRPr lang="de-DE" sz="2400" dirty="0" smtClean="0"/>
           </a:p>
           <a:p>
             <a:pPr lvl="1">
@@ -4656,7 +4668,6 @@
               <a:rPr lang="de-DE" sz="2400" dirty="0" smtClean="0"/>
               <a:t>Fehlererkennung</a:t>
             </a:r>
-            <a:endParaRPr lang="de-DE" sz="2400" dirty="0" smtClean="0"/>
           </a:p>
           <a:p>
             <a:pPr lvl="1">
@@ -4665,11 +4676,7 @@
             </a:pPr>
             <a:r>
               <a:rPr lang="de-DE" sz="2400" dirty="0" smtClean="0"/>
-              <a:t> Verwerfen </a:t>
-            </a:r>
-            <a:r>
-              <a:rPr lang="de-DE" sz="2400" dirty="0" smtClean="0"/>
-              <a:t>von Statusinformationen fehlerhafter Peers</a:t>
+              <a:t> Verwerfen von Statusinformationen fehlerhafter Peers</a:t>
             </a:r>
             <a:endParaRPr lang="de-DE" sz="2400" dirty="0"/>
           </a:p>
@@ -4783,11 +4790,7 @@
             </a:pPr>
             <a:r>
               <a:rPr lang="de-DE" sz="2400" dirty="0" smtClean="0"/>
-              <a:t>Aggregationen </a:t>
-            </a:r>
-            <a:r>
-              <a:rPr lang="de-DE" sz="2400" dirty="0" smtClean="0"/>
-              <a:t>wie Durchschnittsfindung, Extremwertbestimmung</a:t>
+              <a:t>Aggregationen wie Durchschnittsfindung, Extremwertbestimmung</a:t>
             </a:r>
           </a:p>
           <a:p>
@@ -4797,11 +4800,7 @@
             </a:pPr>
             <a:r>
               <a:rPr lang="de-DE" sz="2400" dirty="0" smtClean="0"/>
-              <a:t>Einsatz </a:t>
-            </a:r>
-            <a:r>
-              <a:rPr lang="de-DE" sz="2400" dirty="0" smtClean="0"/>
-              <a:t>z.B. in Sensornetzen</a:t>
+              <a:t>Einsatz z.B. in Sensornetzen</a:t>
             </a:r>
           </a:p>
           <a:p>
@@ -4816,15 +4815,7 @@
           <a:p>
             <a:r>
               <a:rPr lang="de-DE" sz="2400" dirty="0" smtClean="0"/>
-              <a:t>	</a:t>
-            </a:r>
-            <a:r>
-              <a:rPr lang="de-DE" sz="2400" dirty="0" smtClean="0"/>
-              <a:t>Zufällige </a:t>
-            </a:r>
-            <a:r>
-              <a:rPr lang="de-DE" sz="2400" dirty="0" smtClean="0"/>
-              <a:t>Auswahl aus dem lokalen Cache</a:t>
+              <a:t>	Zufällige Auswahl aus dem lokalen Cache</a:t>
             </a:r>
           </a:p>
           <a:p>
@@ -4836,15 +4827,7 @@
           <a:p>
             <a:r>
               <a:rPr lang="de-DE" sz="2400" dirty="0" smtClean="0"/>
-              <a:t>	</a:t>
-            </a:r>
-            <a:r>
-              <a:rPr lang="de-DE" sz="2400" dirty="0" smtClean="0"/>
-              <a:t>Anwendungsabhängiges </a:t>
-            </a:r>
-            <a:r>
-              <a:rPr lang="de-DE" sz="2400" dirty="0" smtClean="0"/>
-              <a:t>Datum wird kopiert</a:t>
+              <a:t>	Anwendungsabhängiges Datum wird kopiert</a:t>
             </a:r>
           </a:p>
           <a:p>
@@ -4856,27 +4839,7 @@
           <a:p>
             <a:r>
               <a:rPr lang="de-DE" sz="2400" dirty="0" smtClean="0"/>
-              <a:t>	</a:t>
-            </a:r>
-            <a:r>
-              <a:rPr lang="de-DE" sz="2400" dirty="0" smtClean="0"/>
-              <a:t>Neues </a:t>
-            </a:r>
-            <a:r>
-              <a:rPr lang="de-DE" sz="2400" dirty="0" smtClean="0"/>
-              <a:t>Datum wird aus dem empfangenen und dem </a:t>
-            </a:r>
-            <a:r>
-              <a:rPr lang="de-DE" sz="2400" dirty="0" smtClean="0"/>
-              <a:t>	lokalen </a:t>
-            </a:r>
-            <a:r>
-              <a:rPr lang="de-DE" sz="2400" dirty="0" smtClean="0"/>
-              <a:t>Datum </a:t>
-            </a:r>
-            <a:r>
-              <a:rPr lang="de-DE" sz="2400" dirty="0" smtClean="0"/>
-              <a:t>berechnet</a:t>
+              <a:t>	Neues Datum wird aus dem empfangenen und dem 	lokalen Datum berechnet</a:t>
             </a:r>
             <a:endParaRPr lang="de-DE" sz="2400" dirty="0"/>
           </a:p>
@@ -4940,15 +4903,17 @@
       </p:grpSpPr>
       <p:sp>
         <p:nvSpPr>
-          <p:cNvPr id="2" name="Titel 1"/>
-          <p:cNvSpPr>
-            <a:spLocks noGrp="1"/>
-          </p:cNvSpPr>
-          <p:nvPr>
-            <p:ph type="title"/>
-          </p:nvPr>
-        </p:nvSpPr>
-        <p:spPr/>
+          <p:cNvPr id="4" name="Rectangle 8"/>
+          <p:cNvSpPr>
+            <a:spLocks noGrp="1" noChangeArrowheads="1"/>
+          </p:cNvSpPr>
+          <p:nvPr>
+            <p:ph type="ftr" sz="quarter" idx="10"/>
+          </p:nvPr>
+        </p:nvSpPr>
+        <p:spPr>
+          <a:ln/>
+        </p:spPr>
         <p:txBody>
           <a:bodyPr/>
           <a:lstStyle/>
@@ -4959,7 +4924,7 @@
             </a:r>
             <a:r>
               <a:rPr lang="de-DE" dirty="0" smtClean="0"/>
-              <a:t>: Fazit</a:t>
+              <a:t> und CYCLON, 13.06.2013</a:t>
             </a:r>
             <a:endParaRPr lang="de-DE" dirty="0"/>
           </a:p>
@@ -4967,12 +4932,12 @@
       </p:sp>
       <p:sp>
         <p:nvSpPr>
-          <p:cNvPr id="3" name="Inhaltsplatzhalter 2"/>
-          <p:cNvSpPr>
-            <a:spLocks noGrp="1"/>
-          </p:cNvSpPr>
-          <p:nvPr>
-            <p:ph idx="1"/>
+          <p:cNvPr id="67586" name="Rectangle 2"/>
+          <p:cNvSpPr>
+            <a:spLocks noGrp="1" noChangeArrowheads="1"/>
+          </p:cNvSpPr>
+          <p:nvPr>
+            <p:ph type="title"/>
           </p:nvPr>
         </p:nvSpPr>
         <p:spPr/>
@@ -4981,41 +4946,263 @@
           <a:lstStyle/>
           <a:p>
             <a:r>
-              <a:rPr lang="de-DE" sz="5400" dirty="0" smtClean="0"/>
-              <a:t>DAS IST VOLL TOLL UND SO; ABER KEINER </a:t>
-            </a:r>
-            <a:r>
-              <a:rPr lang="de-DE" sz="5400" dirty="0" err="1" smtClean="0"/>
-              <a:t>WEIß</a:t>
-            </a:r>
-            <a:r>
-              <a:rPr lang="de-DE" sz="5400" dirty="0" smtClean="0"/>
-              <a:t> GENAU WAS ES IST; BITTE GEBT UNS GELD DAMIT WIR FORSCHEN KÖNNEN.</a:t>
-            </a:r>
-            <a:endParaRPr lang="de-DE" sz="5400" dirty="0"/>
-          </a:p>
-        </p:txBody>
-      </p:sp>
-      <p:sp>
-        <p:nvSpPr>
-          <p:cNvPr id="4" name="Fußzeilenplatzhalter 3"/>
-          <p:cNvSpPr>
-            <a:spLocks noGrp="1"/>
-          </p:cNvSpPr>
-          <p:nvPr>
-            <p:ph type="ftr" sz="quarter" idx="10"/>
+              <a:rPr lang="de-DE" dirty="0" smtClean="0"/>
+              <a:t>Gliederung</a:t>
+            </a:r>
+          </a:p>
+        </p:txBody>
+      </p:sp>
+      <p:sp>
+        <p:nvSpPr>
+          <p:cNvPr id="67587" name="Rectangle 3"/>
+          <p:cNvSpPr>
+            <a:spLocks noGrp="1" noChangeArrowheads="1"/>
+          </p:cNvSpPr>
+          <p:nvPr>
+            <p:ph type="body" idx="1"/>
           </p:nvPr>
         </p:nvSpPr>
         <p:spPr/>
         <p:txBody>
-          <a:bodyPr/>
+          <a:bodyPr numCol="2"/>
           <a:lstStyle/>
           <a:p>
-            <a:r>
-              <a:rPr lang="de-DE" smtClean="0"/>
-              <a:t>Gossip und CYCLON, 13.06.2013</a:t>
-            </a:r>
-            <a:endParaRPr lang="de-DE"/>
+            <a:pPr marL="342900" indent="-342900">
+              <a:buFont typeface="+mj-lt"/>
+              <a:buAutoNum type="arabicPeriod"/>
+            </a:pPr>
+            <a:r>
+              <a:rPr lang="de-DE" sz="2000" dirty="0" err="1" smtClean="0"/>
+              <a:t>Gossip</a:t>
+            </a:r>
+            <a:endParaRPr lang="de-DE" dirty="0" smtClean="0"/>
+          </a:p>
+          <a:p>
+            <a:pPr marL="698500" lvl="1" indent="-342900">
+              <a:buFont typeface="+mj-lt"/>
+              <a:buAutoNum type="arabicPeriod"/>
+            </a:pPr>
+            <a:r>
+              <a:rPr lang="de-DE" dirty="0" smtClean="0"/>
+              <a:t>Überblick</a:t>
+            </a:r>
+          </a:p>
+          <a:p>
+            <a:pPr marL="698500" lvl="1" indent="-342900">
+              <a:buFont typeface="+mj-lt"/>
+              <a:buAutoNum type="arabicPeriod"/>
+            </a:pPr>
+            <a:r>
+              <a:rPr lang="de-DE" dirty="0" smtClean="0"/>
+              <a:t>Struktur</a:t>
+            </a:r>
+          </a:p>
+          <a:p>
+            <a:pPr marL="698500" lvl="1" indent="-342900">
+              <a:buFont typeface="+mj-lt"/>
+              <a:buAutoNum type="arabicPeriod"/>
+            </a:pPr>
+            <a:r>
+              <a:rPr lang="de-DE" dirty="0" smtClean="0"/>
+              <a:t>Anwendungsbeispiele</a:t>
+            </a:r>
+          </a:p>
+          <a:p>
+            <a:pPr marL="1066800" lvl="2" indent="-342900">
+              <a:buFont typeface="+mj-lt"/>
+              <a:buAutoNum type="arabicPeriod"/>
+            </a:pPr>
+            <a:r>
+              <a:rPr lang="de-DE" dirty="0" smtClean="0"/>
+              <a:t>Datenaustausch</a:t>
+            </a:r>
+          </a:p>
+          <a:p>
+            <a:pPr marL="1066800" lvl="2" indent="-342900">
+              <a:buFont typeface="+mj-lt"/>
+              <a:buAutoNum type="arabicPeriod"/>
+            </a:pPr>
+            <a:r>
+              <a:rPr lang="de-DE" dirty="0" smtClean="0"/>
+              <a:t>Peerauswahl</a:t>
+            </a:r>
+          </a:p>
+          <a:p>
+            <a:pPr marL="1066800" lvl="2" indent="-342900">
+              <a:buFont typeface="+mj-lt"/>
+              <a:buAutoNum type="arabicPeriod"/>
+            </a:pPr>
+            <a:r>
+              <a:rPr lang="de-DE" dirty="0" err="1" smtClean="0"/>
+              <a:t>Topologiekonstruktion</a:t>
+            </a:r>
+            <a:endParaRPr lang="de-DE" dirty="0" smtClean="0"/>
+          </a:p>
+          <a:p>
+            <a:pPr marL="1066800" lvl="2" indent="-342900">
+              <a:buFont typeface="+mj-lt"/>
+              <a:buAutoNum type="arabicPeriod"/>
+            </a:pPr>
+            <a:r>
+              <a:rPr lang="de-DE" dirty="0" smtClean="0"/>
+              <a:t>Ressourcenverwaltung</a:t>
+            </a:r>
+            <a:endParaRPr lang="de-DE" dirty="0" smtClean="0"/>
+          </a:p>
+          <a:p>
+            <a:pPr marL="1066800" lvl="2" indent="-342900">
+              <a:buFont typeface="+mj-lt"/>
+              <a:buAutoNum type="arabicPeriod"/>
+            </a:pPr>
+            <a:r>
+              <a:rPr lang="de-DE" dirty="0" smtClean="0"/>
+              <a:t>Berechnung</a:t>
+            </a:r>
+            <a:endParaRPr lang="de-DE" dirty="0" smtClean="0"/>
+          </a:p>
+          <a:p>
+            <a:pPr marL="698500" lvl="1" indent="-342900">
+              <a:buNone/>
+            </a:pPr>
+            <a:endParaRPr lang="de-DE" dirty="0" smtClean="0"/>
+          </a:p>
+          <a:p>
+            <a:pPr marL="698500" lvl="1" indent="-342900">
+              <a:buFont typeface="+mj-lt"/>
+              <a:buAutoNum type="arabicPeriod"/>
+            </a:pPr>
+            <a:endParaRPr lang="de-DE" dirty="0" smtClean="0"/>
+          </a:p>
+          <a:p>
+            <a:pPr marL="698500" lvl="1" indent="-342900">
+              <a:buFont typeface="+mj-lt"/>
+              <a:buAutoNum type="arabicPeriod"/>
+            </a:pPr>
+            <a:endParaRPr lang="de-DE" dirty="0" smtClean="0"/>
+          </a:p>
+          <a:p>
+            <a:pPr marL="698500" lvl="1" indent="-342900">
+              <a:buFont typeface="+mj-lt"/>
+              <a:buAutoNum type="arabicPeriod"/>
+            </a:pPr>
+            <a:endParaRPr lang="de-DE" dirty="0" smtClean="0"/>
+          </a:p>
+          <a:p>
+            <a:pPr marL="698500" lvl="1" indent="-342900">
+              <a:buFont typeface="+mj-lt"/>
+              <a:buAutoNum type="arabicPeriod"/>
+            </a:pPr>
+            <a:endParaRPr lang="de-DE" dirty="0" smtClean="0"/>
+          </a:p>
+          <a:p>
+            <a:pPr marL="342900" indent="-342900">
+              <a:buFont typeface="+mj-lt"/>
+              <a:buAutoNum type="arabicPeriod"/>
+            </a:pPr>
+            <a:r>
+              <a:rPr lang="de-DE" sz="2000" b="1" dirty="0" smtClean="0"/>
+              <a:t>CYCLON</a:t>
+            </a:r>
+            <a:endParaRPr lang="de-DE" b="1" dirty="0" smtClean="0"/>
+          </a:p>
+          <a:p>
+            <a:pPr marL="698500" lvl="1" indent="-342900">
+              <a:buFont typeface="+mj-lt"/>
+              <a:buAutoNum type="arabicPeriod"/>
+            </a:pPr>
+            <a:r>
+              <a:rPr lang="de-DE" sz="2000" b="1" dirty="0" smtClean="0"/>
+              <a:t>Allgemein</a:t>
+            </a:r>
+          </a:p>
+          <a:p>
+            <a:pPr marL="698500" lvl="1" indent="-342900">
+              <a:buFont typeface="+mj-lt"/>
+              <a:buAutoNum type="arabicPeriod"/>
+            </a:pPr>
+            <a:r>
+              <a:rPr lang="de-DE" sz="2000" b="1" dirty="0" smtClean="0"/>
+              <a:t>Algorithmus</a:t>
+            </a:r>
+          </a:p>
+          <a:p>
+            <a:pPr marL="698500" lvl="1" indent="-342900">
+              <a:buFont typeface="+mj-lt"/>
+              <a:buAutoNum type="arabicPeriod"/>
+            </a:pPr>
+            <a:r>
+              <a:rPr lang="de-DE" sz="2000" b="1" dirty="0" smtClean="0"/>
+              <a:t>Eigenschaften</a:t>
+            </a:r>
+          </a:p>
+          <a:p>
+            <a:pPr marL="1066800" lvl="2" indent="-342900">
+              <a:buFont typeface="+mj-lt"/>
+              <a:buAutoNum type="arabicPeriod"/>
+            </a:pPr>
+            <a:r>
+              <a:rPr lang="de-DE" sz="2000" b="1" dirty="0" smtClean="0"/>
+              <a:t>Konnektivität</a:t>
+            </a:r>
+          </a:p>
+          <a:p>
+            <a:pPr marL="1066800" lvl="2" indent="-342900">
+              <a:buFont typeface="+mj-lt"/>
+              <a:buAutoNum type="arabicPeriod"/>
+            </a:pPr>
+            <a:r>
+              <a:rPr lang="de-DE" sz="2000" b="1" dirty="0" smtClean="0"/>
+              <a:t>Konvergenz</a:t>
+            </a:r>
+          </a:p>
+          <a:p>
+            <a:pPr marL="1066800" lvl="2" indent="-342900">
+              <a:buFont typeface="+mj-lt"/>
+              <a:buAutoNum type="arabicPeriod"/>
+            </a:pPr>
+            <a:r>
+              <a:rPr lang="de-DE" sz="2000" b="1" dirty="0" err="1" smtClean="0"/>
+              <a:t>Ingradverteilung</a:t>
+            </a:r>
+            <a:endParaRPr lang="de-DE" sz="2000" b="1" dirty="0" smtClean="0"/>
+          </a:p>
+          <a:p>
+            <a:pPr marL="1066800" lvl="2" indent="-342900">
+              <a:buFont typeface="+mj-lt"/>
+              <a:buAutoNum type="arabicPeriod"/>
+            </a:pPr>
+            <a:r>
+              <a:rPr lang="de-DE" sz="2000" b="1" dirty="0" smtClean="0"/>
+              <a:t>Robustheit</a:t>
+            </a:r>
+          </a:p>
+          <a:p>
+            <a:pPr marL="1066800" lvl="2" indent="-342900">
+              <a:buFont typeface="+mj-lt"/>
+              <a:buAutoNum type="arabicPeriod"/>
+            </a:pPr>
+            <a:r>
+              <a:rPr lang="de-DE" sz="2000" b="1" dirty="0" smtClean="0"/>
+              <a:t>Selbstheilung</a:t>
+            </a:r>
+            <a:endParaRPr lang="de-DE" sz="2000" b="1" dirty="0" smtClean="0"/>
+          </a:p>
+          <a:p>
+            <a:pPr marL="698500" lvl="1" indent="-342900">
+              <a:buFont typeface="+mj-lt"/>
+              <a:buAutoNum type="arabicPeriod"/>
+            </a:pPr>
+            <a:r>
+              <a:rPr lang="de-DE" sz="2000" b="1" dirty="0" smtClean="0"/>
+              <a:t>Fazit</a:t>
+            </a:r>
+            <a:endParaRPr lang="de-DE" sz="2000" b="1" dirty="0" smtClean="0"/>
+          </a:p>
+          <a:p>
+            <a:pPr marL="698500" lvl="1" indent="-342900">
+              <a:buNone/>
+            </a:pPr>
+            <a:endParaRPr lang="de-DE" dirty="0" smtClean="0"/>
           </a:p>
         </p:txBody>
       </p:sp>
@@ -5138,19 +5325,7 @@
             </a:pPr>
             <a:r>
               <a:rPr lang="de-DE" sz="2400" dirty="0" smtClean="0"/>
-              <a:t>Oft </a:t>
-            </a:r>
-            <a:r>
-              <a:rPr lang="de-DE" sz="2400" dirty="0" smtClean="0"/>
-              <a:t>als Service für höhere </a:t>
-            </a:r>
-            <a:r>
-              <a:rPr lang="de-DE" sz="2400" dirty="0" smtClean="0"/>
-              <a:t>Schichten </a:t>
-            </a:r>
-            <a:r>
-              <a:rPr lang="de-DE" sz="2400" dirty="0" smtClean="0"/>
-              <a:t>verwendet</a:t>
+              <a:t>Oft als Service für höhere Schichten verwendet</a:t>
             </a:r>
             <a:endParaRPr lang="de-DE" sz="2400" dirty="0"/>
           </a:p>
@@ -5479,7 +5654,6 @@
               <a:rPr lang="de-DE" sz="2400" dirty="0" smtClean="0"/>
               <a:t>Aktualisiere Qs Cache und füge alle verbleibenden Einträge hinzu. (erst die leeren Cacheeinträge nutzen, dann ersetze die Einträge, die man zu P geschickt hat) </a:t>
             </a:r>
-            <a:endParaRPr lang="de-DE" sz="2400" dirty="0" smtClean="0"/>
           </a:p>
           <a:p>
             <a:pPr marL="522287" lvl="1" indent="-342900">
@@ -5504,11 +5678,7 @@
             </a:pPr>
             <a:r>
               <a:rPr lang="de-DE" sz="2400" dirty="0" smtClean="0"/>
-              <a:t>c  </a:t>
-            </a:r>
-            <a:r>
-              <a:rPr lang="de-DE" sz="2400" dirty="0" smtClean="0"/>
-              <a:t> Cachegröße</a:t>
+              <a:t>c   Cachegröße</a:t>
             </a:r>
             <a:endParaRPr lang="de-DE" sz="2400" dirty="0"/>
           </a:p>
@@ -5527,15 +5697,7 @@
             </a:r>
             <a:r>
               <a:rPr lang="de-DE" sz="2400" dirty="0" smtClean="0"/>
-              <a:t> (Anzahl d. </a:t>
-            </a:r>
-            <a:r>
-              <a:rPr lang="de-DE" sz="2400" dirty="0" smtClean="0"/>
-              <a:t>a</a:t>
-            </a:r>
-            <a:r>
-              <a:rPr lang="de-DE" sz="2400" dirty="0" smtClean="0"/>
-              <a:t>usgetauschten Nachbarn)</a:t>
+              <a:t> (Anzahl d. ausgetauschten Nachbarn)</a:t>
             </a:r>
           </a:p>
           <a:p>
@@ -5555,7 +5717,6 @@
               <a:rPr lang="de-DE" sz="2400" dirty="0" smtClean="0"/>
               <a:t> T Zeitintervall zwischen den Nachrichten</a:t>
             </a:r>
-            <a:endParaRPr lang="de-DE" sz="2400" dirty="0" smtClean="0"/>
           </a:p>
         </p:txBody>
       </p:sp>
@@ -5872,8 +6033,8 @@
               <a:buAutoNum type="arabicPeriod"/>
             </a:pPr>
             <a:r>
-              <a:rPr lang="de-DE" dirty="0" err="1" smtClean="0"/>
-              <a:t>Resourcenverwaltung</a:t>
+              <a:rPr lang="de-DE" dirty="0" smtClean="0"/>
+              <a:t>Ressourcenverwaltung</a:t>
             </a:r>
             <a:endParaRPr lang="de-DE" dirty="0" smtClean="0"/>
           </a:p>
@@ -5883,23 +6044,23 @@
               <a:buAutoNum type="arabicPeriod"/>
             </a:pPr>
             <a:r>
-              <a:rPr lang="de-DE" dirty="0" err="1" smtClean="0"/>
-              <a:t>BerechnungSCHLONTZ</a:t>
-            </a:r>
-            <a:r>
               <a:rPr lang="de-DE" dirty="0" smtClean="0"/>
-              <a:t>* (*sprich: SCHLONTZ)</a:t>
-            </a:r>
+              <a:t>Berechnung</a:t>
+            </a:r>
+            <a:endParaRPr lang="de-DE" dirty="0" smtClean="0"/>
+          </a:p>
+          <a:p>
+            <a:pPr marL="698500" lvl="1" indent="-342900">
+              <a:buNone/>
+            </a:pPr>
+            <a:endParaRPr lang="de-DE" dirty="0" smtClean="0"/>
           </a:p>
           <a:p>
             <a:pPr marL="698500" lvl="1" indent="-342900">
               <a:buFont typeface="+mj-lt"/>
               <a:buAutoNum type="arabicPeriod"/>
             </a:pPr>
-            <a:r>
-              <a:rPr lang="de-DE" dirty="0" smtClean="0"/>
-              <a:t>Fazit</a:t>
-            </a:r>
+            <a:endParaRPr lang="de-DE" dirty="0" smtClean="0"/>
           </a:p>
           <a:p>
             <a:pPr marL="698500" lvl="1" indent="-342900">
@@ -5940,7 +6101,7 @@
             </a:pPr>
             <a:r>
               <a:rPr lang="de-DE" sz="2000" dirty="0" smtClean="0"/>
-              <a:t>Algorithmus</a:t>
+              <a:t>Allgemein</a:t>
             </a:r>
           </a:p>
           <a:p>
@@ -5950,8 +6111,81 @@
             </a:pPr>
             <a:r>
               <a:rPr lang="de-DE" sz="2000" dirty="0" smtClean="0"/>
-              <a:t>Simulation</a:t>
-            </a:r>
+              <a:t>Algorithmus</a:t>
+            </a:r>
+          </a:p>
+          <a:p>
+            <a:pPr marL="698500" lvl="1" indent="-342900">
+              <a:buFont typeface="+mj-lt"/>
+              <a:buAutoNum type="arabicPeriod"/>
+            </a:pPr>
+            <a:r>
+              <a:rPr lang="de-DE" sz="2000" dirty="0" smtClean="0"/>
+              <a:t>Eigenschaften</a:t>
+            </a:r>
+          </a:p>
+          <a:p>
+            <a:pPr marL="1066800" lvl="2" indent="-342900">
+              <a:buFont typeface="+mj-lt"/>
+              <a:buAutoNum type="arabicPeriod"/>
+            </a:pPr>
+            <a:r>
+              <a:rPr lang="de-DE" sz="2000" dirty="0" smtClean="0"/>
+              <a:t>Konnektivität</a:t>
+            </a:r>
+          </a:p>
+          <a:p>
+            <a:pPr marL="1066800" lvl="2" indent="-342900">
+              <a:buFont typeface="+mj-lt"/>
+              <a:buAutoNum type="arabicPeriod"/>
+            </a:pPr>
+            <a:r>
+              <a:rPr lang="de-DE" sz="2000" dirty="0" smtClean="0"/>
+              <a:t>Konvergenz</a:t>
+            </a:r>
+          </a:p>
+          <a:p>
+            <a:pPr marL="1066800" lvl="2" indent="-342900">
+              <a:buFont typeface="+mj-lt"/>
+              <a:buAutoNum type="arabicPeriod"/>
+            </a:pPr>
+            <a:r>
+              <a:rPr lang="de-DE" sz="2000" dirty="0" err="1" smtClean="0"/>
+              <a:t>Ingradverteilung</a:t>
+            </a:r>
+            <a:endParaRPr lang="de-DE" sz="2000" dirty="0" smtClean="0"/>
+          </a:p>
+          <a:p>
+            <a:pPr marL="1066800" lvl="2" indent="-342900">
+              <a:buFont typeface="+mj-lt"/>
+              <a:buAutoNum type="arabicPeriod"/>
+            </a:pPr>
+            <a:r>
+              <a:rPr lang="de-DE" sz="2000" dirty="0" smtClean="0"/>
+              <a:t>Robustheit</a:t>
+            </a:r>
+          </a:p>
+          <a:p>
+            <a:pPr marL="1066800" lvl="2" indent="-342900">
+              <a:buFont typeface="+mj-lt"/>
+              <a:buAutoNum type="arabicPeriod"/>
+            </a:pPr>
+            <a:r>
+              <a:rPr lang="de-DE" sz="2000" dirty="0" smtClean="0"/>
+              <a:t>Selbstheilung</a:t>
+            </a:r>
+            <a:endParaRPr lang="de-DE" sz="2000" dirty="0" smtClean="0"/>
+          </a:p>
+          <a:p>
+            <a:pPr marL="698500" lvl="1" indent="-342900">
+              <a:buFont typeface="+mj-lt"/>
+              <a:buAutoNum type="arabicPeriod"/>
+            </a:pPr>
+            <a:r>
+              <a:rPr lang="de-DE" sz="2000" dirty="0" smtClean="0"/>
+              <a:t>Fazit</a:t>
+            </a:r>
+            <a:endParaRPr lang="de-DE" sz="2000" dirty="0" smtClean="0"/>
           </a:p>
           <a:p>
             <a:pPr marL="698500" lvl="1" indent="-342900">
@@ -6640,7 +6874,6 @@
               <a:rPr lang="de-DE" sz="2400" dirty="0" smtClean="0"/>
               <a:t>z.B. Überlastung einzelner Knoten verhindern</a:t>
             </a:r>
-            <a:endParaRPr lang="de-DE" sz="2400" dirty="0" smtClean="0"/>
           </a:p>
           <a:p>
             <a:pPr lvl="1">
@@ -7069,11 +7302,7 @@
           <a:p>
             <a:r>
               <a:rPr lang="de-DE" dirty="0" smtClean="0"/>
-              <a:t>Dargestellte Eigenschaften (</a:t>
-            </a:r>
-            <a:r>
-              <a:rPr lang="de-DE" dirty="0" smtClean="0"/>
-              <a:t>Robustheit, </a:t>
+              <a:t>Dargestellte Eigenschaften (Robustheit, </a:t>
             </a:r>
             <a:r>
               <a:rPr lang="de-DE" dirty="0" err="1" smtClean="0"/>
@@ -7081,26 +7310,13 @@
             </a:r>
             <a:r>
               <a:rPr lang="de-DE" dirty="0" smtClean="0"/>
-              <a:t>, kurze durchschnittliche kürzeste Wege) sind </a:t>
-            </a:r>
+              <a:t>, kurze durchschnittliche kürzeste Wege) sind Eigenschaften des Gesamtsystems. </a:t>
+            </a:r>
+          </a:p>
+          <a:p>
             <a:r>
               <a:rPr lang="de-DE" dirty="0" smtClean="0"/>
-              <a:t>Eigenschaften </a:t>
-            </a:r>
-            <a:r>
-              <a:rPr lang="de-DE" dirty="0" smtClean="0"/>
-              <a:t>des Gesamtsystems. </a:t>
-            </a:r>
-            <a:endParaRPr lang="de-DE" dirty="0" smtClean="0"/>
-          </a:p>
-          <a:p>
-            <a:r>
-              <a:rPr lang="de-DE" dirty="0" smtClean="0"/>
-              <a:t>CYCLON </a:t>
-            </a:r>
-            <a:r>
-              <a:rPr lang="de-DE" dirty="0" smtClean="0"/>
-              <a:t>schafft es diese dezentral, mit minimalen Aufwand und ausschließlich lokaler Sicht sehr gut zu approximieren.</a:t>
+              <a:t>CYCLON schafft es diese dezentral, mit minimalen Aufwand und ausschließlich lokaler Sicht sehr gut zu approximieren.</a:t>
             </a:r>
             <a:endParaRPr lang="de-DE" dirty="0"/>
           </a:p>
@@ -7891,7 +8107,11 @@
             </a:pPr>
             <a:r>
               <a:rPr lang="de-DE" sz="2400" dirty="0" smtClean="0"/>
-              <a:t>Peers entscheiden, welche Daten sie austauschen</a:t>
+              <a:t>Peers </a:t>
+            </a:r>
+            <a:r>
+              <a:rPr lang="de-DE" sz="2400" dirty="0" smtClean="0"/>
+              <a:t>entscheiden, welche Daten sie austauschen</a:t>
             </a:r>
           </a:p>
           <a:p>
@@ -7904,7 +8124,15 @@
             </a:pPr>
             <a:r>
               <a:rPr lang="de-DE" sz="2400" dirty="0" smtClean="0"/>
-              <a:t>entweder Applikationsdaten oder Referenzen zu anderen Peers werden ausgetauscht</a:t>
+              <a:t>entweder </a:t>
+            </a:r>
+            <a:r>
+              <a:rPr lang="de-DE" sz="2400" dirty="0" smtClean="0"/>
+              <a:t>Applikationsdaten oder Referenzen zu anderen Peers werden </a:t>
+            </a:r>
+            <a:r>
+              <a:rPr lang="de-DE" sz="2400" dirty="0" smtClean="0"/>
+              <a:t>ausgetauscht</a:t>
             </a:r>
           </a:p>
           <a:p>
@@ -7927,7 +8155,7 @@
                   <a:srgbClr val="003366"/>
                 </a:solidFill>
               </a:rPr>
-              <a:t> Struktur: Datenaustausch</a:t>
+              <a:t> Struktur: Verarbeitung</a:t>
             </a:r>
             <a:endParaRPr lang="de-DE" sz="3000" dirty="0" smtClean="0"/>
           </a:p>

--- a/Vortrag/[MASTER] Präsentation.pptx
+++ b/Vortrag/[MASTER] Präsentation.pptx
@@ -6269,11 +6269,7 @@
             </a:r>
             <a:r>
               <a:rPr lang="de-DE" dirty="0" smtClean="0"/>
-              <a:t> Anwendung: </a:t>
-            </a:r>
-            <a:r>
-              <a:rPr lang="de-DE" dirty="0" smtClean="0"/>
-              <a:t>Berechnungen</a:t>
+              <a:t> Anwendung: Berechnungen</a:t>
             </a:r>
             <a:endParaRPr lang="de-DE" dirty="0"/>
           </a:p>
@@ -8505,13 +8501,8 @@
             </a:pPr>
             <a:r>
               <a:rPr lang="de-DE" sz="2400" dirty="0" smtClean="0"/>
-              <a:t>Für </a:t>
-            </a:r>
-            <a:r>
-              <a:rPr lang="de-DE" sz="2400" dirty="0" smtClean="0"/>
-              <a:t>Knoten</a:t>
-            </a:r>
-            <a:endParaRPr lang="de-DE" sz="2400" dirty="0" smtClean="0"/>
+              <a:t>Für Knoten</a:t>
+            </a:r>
           </a:p>
           <a:p>
             <a:pPr marL="522287" lvl="1" indent="-342900">
@@ -8520,8 +8511,21 @@
             </a:pPr>
             <a:r>
               <a:rPr lang="de-DE" sz="2400" dirty="0" smtClean="0"/>
-              <a:t>Erhöhe Alter um eins für alle Nachbarn</a:t>
-            </a:r>
+              <a:t>Erhöhe Alter </a:t>
+            </a:r>
+            <a:r>
+              <a:rPr lang="de-DE" sz="2400" dirty="0" smtClean="0"/>
+              <a:t>für </a:t>
+            </a:r>
+            <a:r>
+              <a:rPr lang="de-DE" sz="2400" dirty="0" smtClean="0"/>
+              <a:t>alle </a:t>
+            </a:r>
+            <a:r>
+              <a:rPr lang="de-DE" sz="2400" dirty="0" smtClean="0"/>
+              <a:t>Nachbarn um 1</a:t>
+            </a:r>
+            <a:endParaRPr lang="de-DE" sz="2400" dirty="0" smtClean="0"/>
           </a:p>
           <a:p>
             <a:pPr marL="522287" lvl="1" indent="-342900">
@@ -8530,15 +8534,7 @@
             </a:pPr>
             <a:r>
               <a:rPr lang="de-DE" sz="2400" dirty="0" smtClean="0"/>
-              <a:t>Wähle ältesten </a:t>
-            </a:r>
-            <a:r>
-              <a:rPr lang="de-DE" sz="2400" dirty="0" smtClean="0"/>
-              <a:t>Nachbar     und        zufällige </a:t>
-            </a:r>
-            <a:r>
-              <a:rPr lang="de-DE" sz="2400" dirty="0" smtClean="0"/>
-              <a:t>Nachbarn</a:t>
+              <a:t>Wähle ältesten Nachbar     und        zufällige Nachbarn</a:t>
             </a:r>
           </a:p>
           <a:p>
@@ -8548,17 +8544,8 @@
             </a:pPr>
             <a:r>
               <a:rPr lang="de-DE" sz="2400" dirty="0" smtClean="0"/>
-              <a:t>Ersetze	     Eintrag </a:t>
-            </a:r>
-            <a:r>
-              <a:rPr lang="de-DE" sz="2400" dirty="0" smtClean="0"/>
-              <a:t>mit dem Alter 0 und Adresse </a:t>
-            </a:r>
-            <a:r>
-              <a:rPr lang="de-DE" sz="2400" dirty="0" smtClean="0"/>
-              <a:t>von</a:t>
-            </a:r>
-            <a:endParaRPr lang="de-DE" sz="2400" dirty="0" smtClean="0"/>
+              <a:t>Ersetze	     Eintrag mit dem Alter 0 und Adresse von</a:t>
+            </a:r>
           </a:p>
           <a:p>
             <a:pPr marL="522287" lvl="1" indent="-342900">
@@ -8567,13 +8554,8 @@
             </a:pPr>
             <a:r>
               <a:rPr lang="de-DE" sz="2400" dirty="0" smtClean="0"/>
-              <a:t>Sende aktualisierte Teilmenge </a:t>
-            </a:r>
-            <a:r>
-              <a:rPr lang="de-DE" sz="2400" dirty="0" smtClean="0"/>
-              <a:t>zu</a:t>
-            </a:r>
-            <a:endParaRPr lang="de-DE" sz="2400" dirty="0" smtClean="0"/>
+              <a:t>Sende aktualisierte Teilmenge zu</a:t>
+            </a:r>
           </a:p>
           <a:p>
             <a:pPr marL="522287" lvl="1" indent="-342900">
@@ -8582,15 +8564,7 @@
             </a:pPr>
             <a:r>
               <a:rPr lang="de-DE" sz="2400" dirty="0" smtClean="0"/>
-              <a:t>Empfange eine Teilmenge </a:t>
-            </a:r>
-            <a:r>
-              <a:rPr lang="de-DE" sz="2400" dirty="0" smtClean="0"/>
-              <a:t>von     mit </a:t>
-            </a:r>
-            <a:r>
-              <a:rPr lang="de-DE" sz="2400" dirty="0" smtClean="0"/>
-              <a:t>i eignen Einträgen</a:t>
+              <a:t>Empfange eine Teilmenge von     mit i eignen Einträgen</a:t>
             </a:r>
           </a:p>
           <a:p>
@@ -8600,23 +8574,7 @@
             </a:pPr>
             <a:r>
               <a:rPr lang="de-DE" sz="2400" dirty="0" smtClean="0"/>
-              <a:t>Verwerfe Einträge die auf </a:t>
-            </a:r>
-            <a:r>
-              <a:rPr lang="de-DE" sz="2400" dirty="0" smtClean="0"/>
-              <a:t>   zeigen </a:t>
-            </a:r>
-            <a:r>
-              <a:rPr lang="de-DE" sz="2400" dirty="0" smtClean="0"/>
-              <a:t>und in </a:t>
-            </a:r>
-            <a:r>
-              <a:rPr lang="de-DE" sz="2400" dirty="0" smtClean="0"/>
-              <a:t>      Cache </a:t>
-            </a:r>
-            <a:r>
-              <a:rPr lang="de-DE" sz="2400" dirty="0" smtClean="0"/>
-              <a:t>liegen</a:t>
+              <a:t>Verwerfe Einträge die auf    zeigen und in       Cache liegen</a:t>
             </a:r>
           </a:p>
           <a:p>
@@ -8626,19 +8584,7 @@
             </a:pPr>
             <a:r>
               <a:rPr lang="de-DE" sz="2400" dirty="0" smtClean="0"/>
-              <a:t>Aktualisiere	Cache </a:t>
-            </a:r>
-            <a:r>
-              <a:rPr lang="de-DE" sz="2400" dirty="0" smtClean="0"/>
-              <a:t>und füge alle verbleibenden Einträge hinzu. (erst die leeren Cacheeinträge nutzen, dann ersetze die Einträge, die man </a:t>
-            </a:r>
-            <a:r>
-              <a:rPr lang="de-DE" sz="2400" dirty="0" smtClean="0"/>
-              <a:t>zu     geschickt </a:t>
-            </a:r>
-            <a:r>
-              <a:rPr lang="de-DE" sz="2400" dirty="0" smtClean="0"/>
-              <a:t>hat)</a:t>
+              <a:t>Aktualisiere	Cache und füge alle verbleibenden Einträge hinzu. (erst die leeren Cacheeinträge nutzen, dann ersetze die Einträge, die man zu     geschickt hat)</a:t>
             </a:r>
             <a:r>
               <a:rPr lang="de-DE" dirty="0" smtClean="0"/>
@@ -9975,13 +9921,8 @@
           <a:p>
             <a:r>
               <a:rPr lang="de-DE" sz="2400" dirty="0" smtClean="0"/>
-              <a:t>Für Knoten </a:t>
-            </a:r>
-            <a:r>
-              <a:rPr lang="de-DE" sz="2400" dirty="0" smtClean="0"/>
-              <a:t>   :</a:t>
-            </a:r>
-            <a:endParaRPr lang="de-DE" sz="2400" dirty="0" smtClean="0"/>
+              <a:t>Für Knoten    :</a:t>
+            </a:r>
           </a:p>
           <a:p>
             <a:pPr marL="522287" lvl="1" indent="-342900">
@@ -9990,21 +9931,8 @@
             </a:pPr>
             <a:r>
               <a:rPr lang="de-DE" sz="2400" dirty="0" smtClean="0"/>
-              <a:t>Wähle </a:t>
-            </a:r>
-            <a:r>
-              <a:rPr lang="de-DE" sz="2400" dirty="0" smtClean="0"/>
-              <a:t>  zufällige </a:t>
-            </a:r>
-            <a:r>
-              <a:rPr lang="de-DE" sz="2400" dirty="0" smtClean="0"/>
-              <a:t>Nachbarn, sende </a:t>
-            </a:r>
-            <a:r>
-              <a:rPr lang="de-DE" sz="2400" dirty="0" smtClean="0"/>
-              <a:t>an</a:t>
-            </a:r>
-            <a:endParaRPr lang="de-DE" sz="2400" dirty="0" smtClean="0"/>
+              <a:t>Wähle   zufällige Nachbarn, sende an</a:t>
+            </a:r>
           </a:p>
           <a:p>
             <a:pPr marL="522287" lvl="1" indent="-342900">
@@ -10013,27 +9941,7 @@
             </a:pPr>
             <a:r>
               <a:rPr lang="de-DE" sz="2400" dirty="0" smtClean="0"/>
-              <a:t>Verwerfe </a:t>
-            </a:r>
-            <a:r>
-              <a:rPr lang="de-DE" sz="2400" dirty="0" smtClean="0"/>
-              <a:t>Einträge die </a:t>
-            </a:r>
-            <a:r>
-              <a:rPr lang="de-DE" sz="2400" dirty="0" smtClean="0"/>
-              <a:t>auf     zeigen </a:t>
-            </a:r>
-            <a:r>
-              <a:rPr lang="de-DE" sz="2400" dirty="0" smtClean="0"/>
-              <a:t>und in </a:t>
-            </a:r>
-            <a:r>
-              <a:rPr lang="de-DE" sz="2400" dirty="0" smtClean="0"/>
-              <a:t>      Cache </a:t>
-            </a:r>
-            <a:r>
-              <a:rPr lang="de-DE" sz="2400" dirty="0" smtClean="0"/>
-              <a:t>liegen</a:t>
+              <a:t>Verwerfe Einträge die auf     zeigen und in       Cache liegen</a:t>
             </a:r>
           </a:p>
           <a:p>
@@ -10043,23 +9951,7 @@
             </a:pPr>
             <a:r>
               <a:rPr lang="de-DE" sz="2400" dirty="0" smtClean="0"/>
-              <a:t>Aktualisiere </a:t>
-            </a:r>
-            <a:r>
-              <a:rPr lang="de-DE" sz="2400" dirty="0" smtClean="0"/>
-              <a:t>       Cache </a:t>
-            </a:r>
-            <a:r>
-              <a:rPr lang="de-DE" sz="2400" dirty="0" smtClean="0"/>
-              <a:t>und füge alle verbleibenden Einträge hinzu. (erst die leeren Cacheeinträge nutzen, dann ersetze die Einträge, die man </a:t>
-            </a:r>
-            <a:r>
-              <a:rPr lang="de-DE" sz="2400" dirty="0" smtClean="0"/>
-              <a:t>zu     geschickt </a:t>
-            </a:r>
-            <a:r>
-              <a:rPr lang="de-DE" sz="2400" dirty="0" smtClean="0"/>
-              <a:t>hat) </a:t>
+              <a:t>Aktualisiere        Cache und füge alle verbleibenden Einträge hinzu. (erst die leeren Cacheeinträge nutzen, dann ersetze die Einträge, die man zu     geschickt hat) </a:t>
             </a:r>
           </a:p>
           <a:p>
@@ -10096,12 +9988,13 @@
             </a:pPr>
             <a:r>
               <a:rPr lang="de-DE" sz="2400" dirty="0" smtClean="0"/>
-              <a:t>    Anzahl </a:t>
-            </a:r>
-            <a:r>
-              <a:rPr lang="de-DE" sz="2400" dirty="0" smtClean="0"/>
-              <a:t>d. ausgetauschten Nachbarn)</a:t>
-            </a:r>
+              <a:t>    Anzahl d. </a:t>
+            </a:r>
+            <a:r>
+              <a:rPr lang="de-DE" sz="2400" smtClean="0"/>
+              <a:t>ausgetauschten Nachbarn</a:t>
+            </a:r>
+            <a:endParaRPr lang="de-DE" sz="2400" dirty="0" smtClean="0"/>
           </a:p>
           <a:p>
             <a:pPr marL="890587" lvl="2" indent="-342900">
@@ -10110,11 +10003,7 @@
             </a:pPr>
             <a:r>
               <a:rPr lang="de-DE" sz="2400" dirty="0" smtClean="0"/>
-              <a:t>       Zeitintervall </a:t>
-            </a:r>
-            <a:r>
-              <a:rPr lang="de-DE" sz="2400" dirty="0" smtClean="0"/>
-              <a:t>zwischen den Nachrichten</a:t>
+              <a:t>       Zeitintervall zwischen den Nachrichten</a:t>
             </a:r>
           </a:p>
         </p:txBody>
@@ -11459,7 +11348,6 @@
               <a:rPr lang="de-DE" dirty="0" smtClean="0"/>
               <a:t>Berechnungen</a:t>
             </a:r>
-            <a:endParaRPr lang="de-DE" dirty="0" smtClean="0"/>
           </a:p>
           <a:p>
             <a:pPr marL="698500" lvl="1" indent="-342900">
@@ -12568,7 +12456,6 @@
               <a:rPr lang="de-DE" sz="2400" dirty="0" smtClean="0"/>
               <a:t>Konnektivität</a:t>
             </a:r>
-            <a:endParaRPr lang="de-DE" sz="2400" dirty="0" smtClean="0"/>
           </a:p>
           <a:p>
             <a:pPr lvl="1">
@@ -16715,15 +16602,7 @@
                   <a:srgbClr val="003366"/>
                 </a:solidFill>
               </a:rPr>
-              <a:t> Struktur: </a:t>
-            </a:r>
-            <a:r>
-              <a:rPr lang="de-DE" sz="3000" b="1" dirty="0" smtClean="0">
-                <a:solidFill>
-                  <a:srgbClr val="003366"/>
-                </a:solidFill>
-              </a:rPr>
-              <a:t>Datenverarbeitung</a:t>
+              <a:t> Struktur: Datenverarbeitung</a:t>
             </a:r>
             <a:endParaRPr lang="de-DE" sz="3000" dirty="0" smtClean="0"/>
           </a:p>
@@ -17900,11 +17779,7 @@
             </a:br>
             <a:r>
               <a:rPr lang="de-DE" sz="2400" dirty="0" smtClean="0"/>
-              <a:t>lokalen Cache (Nachbarliste) </a:t>
-            </a:r>
-            <a:r>
-              <a:rPr lang="de-DE" sz="2400" dirty="0" smtClean="0"/>
-              <a:t>ausgewählt</a:t>
+              <a:t>lokalen Cache (Nachbarliste) ausgewählt</a:t>
             </a:r>
           </a:p>
           <a:p>
@@ -17937,11 +17812,7 @@
             </a:pPr>
             <a:r>
               <a:rPr lang="de-DE" sz="2400" dirty="0" smtClean="0"/>
-              <a:t>	Weitergabe der lokalen </a:t>
-            </a:r>
-            <a:r>
-              <a:rPr lang="de-DE" sz="2400" dirty="0" smtClean="0"/>
-              <a:t>Liste</a:t>
+              <a:t>	Weitergabe der lokalen Liste</a:t>
             </a:r>
           </a:p>
           <a:p>
